--- a/docs/numpy与矩阵初步.pptx
+++ b/docs/numpy与矩阵初步.pptx
@@ -7,7 +7,15 @@
   <p:sldIdLst>
     <p:sldId id="256" r:id="rId2"/>
     <p:sldId id="265" r:id="rId3"/>
-    <p:sldId id="267" r:id="rId4"/>
+    <p:sldId id="266" r:id="rId4"/>
+    <p:sldId id="268" r:id="rId5"/>
+    <p:sldId id="267" r:id="rId6"/>
+    <p:sldId id="269" r:id="rId7"/>
+    <p:sldId id="270" r:id="rId8"/>
+    <p:sldId id="271" r:id="rId9"/>
+    <p:sldId id="272" r:id="rId10"/>
+    <p:sldId id="273" r:id="rId11"/>
+    <p:sldId id="274" r:id="rId12"/>
   </p:sldIdLst>
   <p:sldSz cx="12192000" cy="6858000"/>
   <p:notesSz cx="6858000" cy="9144000"/>
@@ -162,7 +170,7 @@
           <p:cNvPr id="2" name="标题 1">
             <a:extLst>
               <a:ext uri="{FF2B5EF4-FFF2-40B4-BE49-F238E27FC236}">
-                <a16:creationId xmlns:a16="http://schemas.microsoft.com/office/drawing/2014/main" xmlns="" id="{0E10453A-28C3-47CD-9AEA-AB8C7DE26EA5}"/>
+                <a16:creationId xmlns:a16="http://schemas.microsoft.com/office/drawing/2014/main" id="{0E10453A-28C3-47CD-9AEA-AB8C7DE26EA5}"/>
               </a:ext>
             </a:extLst>
           </p:cNvPr>
@@ -199,7 +207,7 @@
           <p:cNvPr id="3" name="副标题 2">
             <a:extLst>
               <a:ext uri="{FF2B5EF4-FFF2-40B4-BE49-F238E27FC236}">
-                <a16:creationId xmlns:a16="http://schemas.microsoft.com/office/drawing/2014/main" xmlns="" id="{D60195F9-404E-4662-8161-E2A73C8E8FF1}"/>
+                <a16:creationId xmlns:a16="http://schemas.microsoft.com/office/drawing/2014/main" id="{D60195F9-404E-4662-8161-E2A73C8E8FF1}"/>
               </a:ext>
             </a:extLst>
           </p:cNvPr>
@@ -269,7 +277,7 @@
           <p:cNvPr id="4" name="日期占位符 3">
             <a:extLst>
               <a:ext uri="{FF2B5EF4-FFF2-40B4-BE49-F238E27FC236}">
-                <a16:creationId xmlns:a16="http://schemas.microsoft.com/office/drawing/2014/main" xmlns="" id="{533D0C10-8E2D-4A59-8D56-54964D992073}"/>
+                <a16:creationId xmlns:a16="http://schemas.microsoft.com/office/drawing/2014/main" id="{533D0C10-8E2D-4A59-8D56-54964D992073}"/>
               </a:ext>
             </a:extLst>
           </p:cNvPr>
@@ -287,7 +295,7 @@
           <a:p>
             <a:fld id="{2F2910DE-9BE9-4A98-B828-362FD1DC944E}" type="datetimeFigureOut">
               <a:rPr lang="zh-CN" altLang="en-US" smtClean="0"/>
-              <a:t>2018/7/16</a:t>
+              <a:t>2018/7/18</a:t>
             </a:fld>
             <a:endParaRPr lang="zh-CN" altLang="en-US"/>
           </a:p>
@@ -298,7 +306,7 @@
           <p:cNvPr id="5" name="页脚占位符 4">
             <a:extLst>
               <a:ext uri="{FF2B5EF4-FFF2-40B4-BE49-F238E27FC236}">
-                <a16:creationId xmlns:a16="http://schemas.microsoft.com/office/drawing/2014/main" xmlns="" id="{33A3083A-036E-4276-B9AC-2EE72B866391}"/>
+                <a16:creationId xmlns:a16="http://schemas.microsoft.com/office/drawing/2014/main" id="{33A3083A-036E-4276-B9AC-2EE72B866391}"/>
               </a:ext>
             </a:extLst>
           </p:cNvPr>
@@ -323,7 +331,7 @@
           <p:cNvPr id="6" name="灯片编号占位符 5">
             <a:extLst>
               <a:ext uri="{FF2B5EF4-FFF2-40B4-BE49-F238E27FC236}">
-                <a16:creationId xmlns:a16="http://schemas.microsoft.com/office/drawing/2014/main" xmlns="" id="{D6CA754B-BDE0-432E-B276-EA1ECFB8D223}"/>
+                <a16:creationId xmlns:a16="http://schemas.microsoft.com/office/drawing/2014/main" id="{D6CA754B-BDE0-432E-B276-EA1ECFB8D223}"/>
               </a:ext>
             </a:extLst>
           </p:cNvPr>
@@ -382,7 +390,7 @@
           <p:cNvPr id="2" name="标题 1">
             <a:extLst>
               <a:ext uri="{FF2B5EF4-FFF2-40B4-BE49-F238E27FC236}">
-                <a16:creationId xmlns:a16="http://schemas.microsoft.com/office/drawing/2014/main" xmlns="" id="{170955CD-6FDC-491A-86D6-2EF2AA64D683}"/>
+                <a16:creationId xmlns:a16="http://schemas.microsoft.com/office/drawing/2014/main" id="{170955CD-6FDC-491A-86D6-2EF2AA64D683}"/>
               </a:ext>
             </a:extLst>
           </p:cNvPr>
@@ -410,7 +418,7 @@
           <p:cNvPr id="3" name="竖排文字占位符 2">
             <a:extLst>
               <a:ext uri="{FF2B5EF4-FFF2-40B4-BE49-F238E27FC236}">
-                <a16:creationId xmlns:a16="http://schemas.microsoft.com/office/drawing/2014/main" xmlns="" id="{E74ECF1C-DCCE-4613-B18A-DCE7D39DD028}"/>
+                <a16:creationId xmlns:a16="http://schemas.microsoft.com/office/drawing/2014/main" id="{E74ECF1C-DCCE-4613-B18A-DCE7D39DD028}"/>
               </a:ext>
             </a:extLst>
           </p:cNvPr>
@@ -467,7 +475,7 @@
           <p:cNvPr id="4" name="日期占位符 3">
             <a:extLst>
               <a:ext uri="{FF2B5EF4-FFF2-40B4-BE49-F238E27FC236}">
-                <a16:creationId xmlns:a16="http://schemas.microsoft.com/office/drawing/2014/main" xmlns="" id="{FCD3AF51-C7EF-4229-A80C-D4599E486460}"/>
+                <a16:creationId xmlns:a16="http://schemas.microsoft.com/office/drawing/2014/main" id="{FCD3AF51-C7EF-4229-A80C-D4599E486460}"/>
               </a:ext>
             </a:extLst>
           </p:cNvPr>
@@ -485,7 +493,7 @@
           <a:p>
             <a:fld id="{2F2910DE-9BE9-4A98-B828-362FD1DC944E}" type="datetimeFigureOut">
               <a:rPr lang="zh-CN" altLang="en-US" smtClean="0"/>
-              <a:t>2018/7/16</a:t>
+              <a:t>2018/7/18</a:t>
             </a:fld>
             <a:endParaRPr lang="zh-CN" altLang="en-US"/>
           </a:p>
@@ -496,7 +504,7 @@
           <p:cNvPr id="5" name="页脚占位符 4">
             <a:extLst>
               <a:ext uri="{FF2B5EF4-FFF2-40B4-BE49-F238E27FC236}">
-                <a16:creationId xmlns:a16="http://schemas.microsoft.com/office/drawing/2014/main" xmlns="" id="{4785E504-3A07-4C15-9F91-A519A14EEA32}"/>
+                <a16:creationId xmlns:a16="http://schemas.microsoft.com/office/drawing/2014/main" id="{4785E504-3A07-4C15-9F91-A519A14EEA32}"/>
               </a:ext>
             </a:extLst>
           </p:cNvPr>
@@ -521,7 +529,7 @@
           <p:cNvPr id="6" name="灯片编号占位符 5">
             <a:extLst>
               <a:ext uri="{FF2B5EF4-FFF2-40B4-BE49-F238E27FC236}">
-                <a16:creationId xmlns:a16="http://schemas.microsoft.com/office/drawing/2014/main" xmlns="" id="{F5272A34-8028-4C94-ABBA-F09C073C44A1}"/>
+                <a16:creationId xmlns:a16="http://schemas.microsoft.com/office/drawing/2014/main" id="{F5272A34-8028-4C94-ABBA-F09C073C44A1}"/>
               </a:ext>
             </a:extLst>
           </p:cNvPr>
@@ -580,7 +588,7 @@
           <p:cNvPr id="2" name="竖排标题 1">
             <a:extLst>
               <a:ext uri="{FF2B5EF4-FFF2-40B4-BE49-F238E27FC236}">
-                <a16:creationId xmlns:a16="http://schemas.microsoft.com/office/drawing/2014/main" xmlns="" id="{C260634B-91BD-435B-891F-0041AC9D1A54}"/>
+                <a16:creationId xmlns:a16="http://schemas.microsoft.com/office/drawing/2014/main" id="{C260634B-91BD-435B-891F-0041AC9D1A54}"/>
               </a:ext>
             </a:extLst>
           </p:cNvPr>
@@ -613,7 +621,7 @@
           <p:cNvPr id="3" name="竖排文字占位符 2">
             <a:extLst>
               <a:ext uri="{FF2B5EF4-FFF2-40B4-BE49-F238E27FC236}">
-                <a16:creationId xmlns:a16="http://schemas.microsoft.com/office/drawing/2014/main" xmlns="" id="{4ED245CF-20E0-4EA1-9168-C6E07DBEBB65}"/>
+                <a16:creationId xmlns:a16="http://schemas.microsoft.com/office/drawing/2014/main" id="{4ED245CF-20E0-4EA1-9168-C6E07DBEBB65}"/>
               </a:ext>
             </a:extLst>
           </p:cNvPr>
@@ -675,7 +683,7 @@
           <p:cNvPr id="4" name="日期占位符 3">
             <a:extLst>
               <a:ext uri="{FF2B5EF4-FFF2-40B4-BE49-F238E27FC236}">
-                <a16:creationId xmlns:a16="http://schemas.microsoft.com/office/drawing/2014/main" xmlns="" id="{388557CA-A1A6-4EBA-98DB-BF5D1CB71965}"/>
+                <a16:creationId xmlns:a16="http://schemas.microsoft.com/office/drawing/2014/main" id="{388557CA-A1A6-4EBA-98DB-BF5D1CB71965}"/>
               </a:ext>
             </a:extLst>
           </p:cNvPr>
@@ -693,7 +701,7 @@
           <a:p>
             <a:fld id="{2F2910DE-9BE9-4A98-B828-362FD1DC944E}" type="datetimeFigureOut">
               <a:rPr lang="zh-CN" altLang="en-US" smtClean="0"/>
-              <a:t>2018/7/16</a:t>
+              <a:t>2018/7/18</a:t>
             </a:fld>
             <a:endParaRPr lang="zh-CN" altLang="en-US"/>
           </a:p>
@@ -704,7 +712,7 @@
           <p:cNvPr id="5" name="页脚占位符 4">
             <a:extLst>
               <a:ext uri="{FF2B5EF4-FFF2-40B4-BE49-F238E27FC236}">
-                <a16:creationId xmlns:a16="http://schemas.microsoft.com/office/drawing/2014/main" xmlns="" id="{490F1A7E-FCD2-47E6-9D43-D80C83A02D24}"/>
+                <a16:creationId xmlns:a16="http://schemas.microsoft.com/office/drawing/2014/main" id="{490F1A7E-FCD2-47E6-9D43-D80C83A02D24}"/>
               </a:ext>
             </a:extLst>
           </p:cNvPr>
@@ -729,7 +737,7 @@
           <p:cNvPr id="6" name="灯片编号占位符 5">
             <a:extLst>
               <a:ext uri="{FF2B5EF4-FFF2-40B4-BE49-F238E27FC236}">
-                <a16:creationId xmlns:a16="http://schemas.microsoft.com/office/drawing/2014/main" xmlns="" id="{2461026C-EBE6-4AB2-94B7-82145EB1884F}"/>
+                <a16:creationId xmlns:a16="http://schemas.microsoft.com/office/drawing/2014/main" id="{2461026C-EBE6-4AB2-94B7-82145EB1884F}"/>
               </a:ext>
             </a:extLst>
           </p:cNvPr>
@@ -788,7 +796,7 @@
           <p:cNvPr id="2" name="标题 1">
             <a:extLst>
               <a:ext uri="{FF2B5EF4-FFF2-40B4-BE49-F238E27FC236}">
-                <a16:creationId xmlns:a16="http://schemas.microsoft.com/office/drawing/2014/main" xmlns="" id="{61C9F204-BAE4-4D85-BF36-706C3730E62A}"/>
+                <a16:creationId xmlns:a16="http://schemas.microsoft.com/office/drawing/2014/main" id="{61C9F204-BAE4-4D85-BF36-706C3730E62A}"/>
               </a:ext>
             </a:extLst>
           </p:cNvPr>
@@ -816,7 +824,7 @@
           <p:cNvPr id="3" name="内容占位符 2">
             <a:extLst>
               <a:ext uri="{FF2B5EF4-FFF2-40B4-BE49-F238E27FC236}">
-                <a16:creationId xmlns:a16="http://schemas.microsoft.com/office/drawing/2014/main" xmlns="" id="{9F809426-1934-4389-9383-6D1022347886}"/>
+                <a16:creationId xmlns:a16="http://schemas.microsoft.com/office/drawing/2014/main" id="{9F809426-1934-4389-9383-6D1022347886}"/>
               </a:ext>
             </a:extLst>
           </p:cNvPr>
@@ -873,7 +881,7 @@
           <p:cNvPr id="4" name="日期占位符 3">
             <a:extLst>
               <a:ext uri="{FF2B5EF4-FFF2-40B4-BE49-F238E27FC236}">
-                <a16:creationId xmlns:a16="http://schemas.microsoft.com/office/drawing/2014/main" xmlns="" id="{0C50ABE1-5B7B-485C-8BD6-2CFDFFE24BC6}"/>
+                <a16:creationId xmlns:a16="http://schemas.microsoft.com/office/drawing/2014/main" id="{0C50ABE1-5B7B-485C-8BD6-2CFDFFE24BC6}"/>
               </a:ext>
             </a:extLst>
           </p:cNvPr>
@@ -891,7 +899,7 @@
           <a:p>
             <a:fld id="{2F2910DE-9BE9-4A98-B828-362FD1DC944E}" type="datetimeFigureOut">
               <a:rPr lang="zh-CN" altLang="en-US" smtClean="0"/>
-              <a:t>2018/7/16</a:t>
+              <a:t>2018/7/18</a:t>
             </a:fld>
             <a:endParaRPr lang="zh-CN" altLang="en-US"/>
           </a:p>
@@ -902,7 +910,7 @@
           <p:cNvPr id="5" name="页脚占位符 4">
             <a:extLst>
               <a:ext uri="{FF2B5EF4-FFF2-40B4-BE49-F238E27FC236}">
-                <a16:creationId xmlns:a16="http://schemas.microsoft.com/office/drawing/2014/main" xmlns="" id="{E57A8006-EC22-4889-BE2E-D7B491246FE9}"/>
+                <a16:creationId xmlns:a16="http://schemas.microsoft.com/office/drawing/2014/main" id="{E57A8006-EC22-4889-BE2E-D7B491246FE9}"/>
               </a:ext>
             </a:extLst>
           </p:cNvPr>
@@ -927,7 +935,7 @@
           <p:cNvPr id="6" name="灯片编号占位符 5">
             <a:extLst>
               <a:ext uri="{FF2B5EF4-FFF2-40B4-BE49-F238E27FC236}">
-                <a16:creationId xmlns:a16="http://schemas.microsoft.com/office/drawing/2014/main" xmlns="" id="{9339A89C-FB04-4AA1-89FB-D57D6225D99D}"/>
+                <a16:creationId xmlns:a16="http://schemas.microsoft.com/office/drawing/2014/main" id="{9339A89C-FB04-4AA1-89FB-D57D6225D99D}"/>
               </a:ext>
             </a:extLst>
           </p:cNvPr>
@@ -986,7 +994,7 @@
           <p:cNvPr id="2" name="标题 1">
             <a:extLst>
               <a:ext uri="{FF2B5EF4-FFF2-40B4-BE49-F238E27FC236}">
-                <a16:creationId xmlns:a16="http://schemas.microsoft.com/office/drawing/2014/main" xmlns="" id="{85F1A4C1-0739-42DB-91C2-F5812DC4B0F2}"/>
+                <a16:creationId xmlns:a16="http://schemas.microsoft.com/office/drawing/2014/main" id="{85F1A4C1-0739-42DB-91C2-F5812DC4B0F2}"/>
               </a:ext>
             </a:extLst>
           </p:cNvPr>
@@ -1023,7 +1031,7 @@
           <p:cNvPr id="3" name="文本占位符 2">
             <a:extLst>
               <a:ext uri="{FF2B5EF4-FFF2-40B4-BE49-F238E27FC236}">
-                <a16:creationId xmlns:a16="http://schemas.microsoft.com/office/drawing/2014/main" xmlns="" id="{C2F38EA7-8B14-4AF7-AB9C-E4DB145B7501}"/>
+                <a16:creationId xmlns:a16="http://schemas.microsoft.com/office/drawing/2014/main" id="{C2F38EA7-8B14-4AF7-AB9C-E4DB145B7501}"/>
               </a:ext>
             </a:extLst>
           </p:cNvPr>
@@ -1148,7 +1156,7 @@
           <p:cNvPr id="4" name="日期占位符 3">
             <a:extLst>
               <a:ext uri="{FF2B5EF4-FFF2-40B4-BE49-F238E27FC236}">
-                <a16:creationId xmlns:a16="http://schemas.microsoft.com/office/drawing/2014/main" xmlns="" id="{02A5B2AD-D0B7-451A-8E3E-AD29E3F7E2F9}"/>
+                <a16:creationId xmlns:a16="http://schemas.microsoft.com/office/drawing/2014/main" id="{02A5B2AD-D0B7-451A-8E3E-AD29E3F7E2F9}"/>
               </a:ext>
             </a:extLst>
           </p:cNvPr>
@@ -1166,7 +1174,7 @@
           <a:p>
             <a:fld id="{2F2910DE-9BE9-4A98-B828-362FD1DC944E}" type="datetimeFigureOut">
               <a:rPr lang="zh-CN" altLang="en-US" smtClean="0"/>
-              <a:t>2018/7/16</a:t>
+              <a:t>2018/7/18</a:t>
             </a:fld>
             <a:endParaRPr lang="zh-CN" altLang="en-US"/>
           </a:p>
@@ -1177,7 +1185,7 @@
           <p:cNvPr id="5" name="页脚占位符 4">
             <a:extLst>
               <a:ext uri="{FF2B5EF4-FFF2-40B4-BE49-F238E27FC236}">
-                <a16:creationId xmlns:a16="http://schemas.microsoft.com/office/drawing/2014/main" xmlns="" id="{AD6D354D-1334-4EFC-95EB-3F0B1286FE07}"/>
+                <a16:creationId xmlns:a16="http://schemas.microsoft.com/office/drawing/2014/main" id="{AD6D354D-1334-4EFC-95EB-3F0B1286FE07}"/>
               </a:ext>
             </a:extLst>
           </p:cNvPr>
@@ -1202,7 +1210,7 @@
           <p:cNvPr id="6" name="灯片编号占位符 5">
             <a:extLst>
               <a:ext uri="{FF2B5EF4-FFF2-40B4-BE49-F238E27FC236}">
-                <a16:creationId xmlns:a16="http://schemas.microsoft.com/office/drawing/2014/main" xmlns="" id="{8CE9C669-7D29-4E87-8289-DC727D2C2635}"/>
+                <a16:creationId xmlns:a16="http://schemas.microsoft.com/office/drawing/2014/main" id="{8CE9C669-7D29-4E87-8289-DC727D2C2635}"/>
               </a:ext>
             </a:extLst>
           </p:cNvPr>
@@ -1261,7 +1269,7 @@
           <p:cNvPr id="2" name="标题 1">
             <a:extLst>
               <a:ext uri="{FF2B5EF4-FFF2-40B4-BE49-F238E27FC236}">
-                <a16:creationId xmlns:a16="http://schemas.microsoft.com/office/drawing/2014/main" xmlns="" id="{D6E7F35D-6D54-4C00-B554-B2E04006547D}"/>
+                <a16:creationId xmlns:a16="http://schemas.microsoft.com/office/drawing/2014/main" id="{D6E7F35D-6D54-4C00-B554-B2E04006547D}"/>
               </a:ext>
             </a:extLst>
           </p:cNvPr>
@@ -1289,7 +1297,7 @@
           <p:cNvPr id="3" name="内容占位符 2">
             <a:extLst>
               <a:ext uri="{FF2B5EF4-FFF2-40B4-BE49-F238E27FC236}">
-                <a16:creationId xmlns:a16="http://schemas.microsoft.com/office/drawing/2014/main" xmlns="" id="{9A312223-0C06-43AD-AA4F-F5C0FE3FA8A4}"/>
+                <a16:creationId xmlns:a16="http://schemas.microsoft.com/office/drawing/2014/main" id="{9A312223-0C06-43AD-AA4F-F5C0FE3FA8A4}"/>
               </a:ext>
             </a:extLst>
           </p:cNvPr>
@@ -1351,7 +1359,7 @@
           <p:cNvPr id="4" name="内容占位符 3">
             <a:extLst>
               <a:ext uri="{FF2B5EF4-FFF2-40B4-BE49-F238E27FC236}">
-                <a16:creationId xmlns:a16="http://schemas.microsoft.com/office/drawing/2014/main" xmlns="" id="{9C84C513-C50C-4022-BB95-1F55FFDF6262}"/>
+                <a16:creationId xmlns:a16="http://schemas.microsoft.com/office/drawing/2014/main" id="{9C84C513-C50C-4022-BB95-1F55FFDF6262}"/>
               </a:ext>
             </a:extLst>
           </p:cNvPr>
@@ -1413,7 +1421,7 @@
           <p:cNvPr id="5" name="日期占位符 4">
             <a:extLst>
               <a:ext uri="{FF2B5EF4-FFF2-40B4-BE49-F238E27FC236}">
-                <a16:creationId xmlns:a16="http://schemas.microsoft.com/office/drawing/2014/main" xmlns="" id="{789AED02-5C7C-4FB9-80E4-FCA53303F0B9}"/>
+                <a16:creationId xmlns:a16="http://schemas.microsoft.com/office/drawing/2014/main" id="{789AED02-5C7C-4FB9-80E4-FCA53303F0B9}"/>
               </a:ext>
             </a:extLst>
           </p:cNvPr>
@@ -1431,7 +1439,7 @@
           <a:p>
             <a:fld id="{2F2910DE-9BE9-4A98-B828-362FD1DC944E}" type="datetimeFigureOut">
               <a:rPr lang="zh-CN" altLang="en-US" smtClean="0"/>
-              <a:t>2018/7/16</a:t>
+              <a:t>2018/7/18</a:t>
             </a:fld>
             <a:endParaRPr lang="zh-CN" altLang="en-US"/>
           </a:p>
@@ -1442,7 +1450,7 @@
           <p:cNvPr id="6" name="页脚占位符 5">
             <a:extLst>
               <a:ext uri="{FF2B5EF4-FFF2-40B4-BE49-F238E27FC236}">
-                <a16:creationId xmlns:a16="http://schemas.microsoft.com/office/drawing/2014/main" xmlns="" id="{0C35E418-9602-46E3-A136-F708E0F92EC5}"/>
+                <a16:creationId xmlns:a16="http://schemas.microsoft.com/office/drawing/2014/main" id="{0C35E418-9602-46E3-A136-F708E0F92EC5}"/>
               </a:ext>
             </a:extLst>
           </p:cNvPr>
@@ -1467,7 +1475,7 @@
           <p:cNvPr id="7" name="灯片编号占位符 6">
             <a:extLst>
               <a:ext uri="{FF2B5EF4-FFF2-40B4-BE49-F238E27FC236}">
-                <a16:creationId xmlns:a16="http://schemas.microsoft.com/office/drawing/2014/main" xmlns="" id="{0C060F3F-7A17-4969-8AB5-5B6724FD77B0}"/>
+                <a16:creationId xmlns:a16="http://schemas.microsoft.com/office/drawing/2014/main" id="{0C060F3F-7A17-4969-8AB5-5B6724FD77B0}"/>
               </a:ext>
             </a:extLst>
           </p:cNvPr>
@@ -1526,7 +1534,7 @@
           <p:cNvPr id="2" name="标题 1">
             <a:extLst>
               <a:ext uri="{FF2B5EF4-FFF2-40B4-BE49-F238E27FC236}">
-                <a16:creationId xmlns:a16="http://schemas.microsoft.com/office/drawing/2014/main" xmlns="" id="{CE5E4CB3-FFF8-4C8D-BCB4-A851EEF7BAF4}"/>
+                <a16:creationId xmlns:a16="http://schemas.microsoft.com/office/drawing/2014/main" id="{CE5E4CB3-FFF8-4C8D-BCB4-A851EEF7BAF4}"/>
               </a:ext>
             </a:extLst>
           </p:cNvPr>
@@ -1559,7 +1567,7 @@
           <p:cNvPr id="3" name="文本占位符 2">
             <a:extLst>
               <a:ext uri="{FF2B5EF4-FFF2-40B4-BE49-F238E27FC236}">
-                <a16:creationId xmlns:a16="http://schemas.microsoft.com/office/drawing/2014/main" xmlns="" id="{9A2E4A2B-86AA-4133-BC57-147E1FAC5CC2}"/>
+                <a16:creationId xmlns:a16="http://schemas.microsoft.com/office/drawing/2014/main" id="{9A2E4A2B-86AA-4133-BC57-147E1FAC5CC2}"/>
               </a:ext>
             </a:extLst>
           </p:cNvPr>
@@ -1630,7 +1638,7 @@
           <p:cNvPr id="4" name="内容占位符 3">
             <a:extLst>
               <a:ext uri="{FF2B5EF4-FFF2-40B4-BE49-F238E27FC236}">
-                <a16:creationId xmlns:a16="http://schemas.microsoft.com/office/drawing/2014/main" xmlns="" id="{C4325074-D850-470C-8063-B4D80965A174}"/>
+                <a16:creationId xmlns:a16="http://schemas.microsoft.com/office/drawing/2014/main" id="{C4325074-D850-470C-8063-B4D80965A174}"/>
               </a:ext>
             </a:extLst>
           </p:cNvPr>
@@ -1692,7 +1700,7 @@
           <p:cNvPr id="5" name="文本占位符 4">
             <a:extLst>
               <a:ext uri="{FF2B5EF4-FFF2-40B4-BE49-F238E27FC236}">
-                <a16:creationId xmlns:a16="http://schemas.microsoft.com/office/drawing/2014/main" xmlns="" id="{E9F47D00-ACD3-4F1F-8E44-599550906BB7}"/>
+                <a16:creationId xmlns:a16="http://schemas.microsoft.com/office/drawing/2014/main" id="{E9F47D00-ACD3-4F1F-8E44-599550906BB7}"/>
               </a:ext>
             </a:extLst>
           </p:cNvPr>
@@ -1763,7 +1771,7 @@
           <p:cNvPr id="6" name="内容占位符 5">
             <a:extLst>
               <a:ext uri="{FF2B5EF4-FFF2-40B4-BE49-F238E27FC236}">
-                <a16:creationId xmlns:a16="http://schemas.microsoft.com/office/drawing/2014/main" xmlns="" id="{00EBBB4E-745F-4857-9C24-0CBF52E0DA87}"/>
+                <a16:creationId xmlns:a16="http://schemas.microsoft.com/office/drawing/2014/main" id="{00EBBB4E-745F-4857-9C24-0CBF52E0DA87}"/>
               </a:ext>
             </a:extLst>
           </p:cNvPr>
@@ -1825,7 +1833,7 @@
           <p:cNvPr id="7" name="日期占位符 6">
             <a:extLst>
               <a:ext uri="{FF2B5EF4-FFF2-40B4-BE49-F238E27FC236}">
-                <a16:creationId xmlns:a16="http://schemas.microsoft.com/office/drawing/2014/main" xmlns="" id="{18F4DF93-91D2-4C06-B953-F14F18CE9AE2}"/>
+                <a16:creationId xmlns:a16="http://schemas.microsoft.com/office/drawing/2014/main" id="{18F4DF93-91D2-4C06-B953-F14F18CE9AE2}"/>
               </a:ext>
             </a:extLst>
           </p:cNvPr>
@@ -1843,7 +1851,7 @@
           <a:p>
             <a:fld id="{2F2910DE-9BE9-4A98-B828-362FD1DC944E}" type="datetimeFigureOut">
               <a:rPr lang="zh-CN" altLang="en-US" smtClean="0"/>
-              <a:t>2018/7/16</a:t>
+              <a:t>2018/7/18</a:t>
             </a:fld>
             <a:endParaRPr lang="zh-CN" altLang="en-US"/>
           </a:p>
@@ -1854,7 +1862,7 @@
           <p:cNvPr id="8" name="页脚占位符 7">
             <a:extLst>
               <a:ext uri="{FF2B5EF4-FFF2-40B4-BE49-F238E27FC236}">
-                <a16:creationId xmlns:a16="http://schemas.microsoft.com/office/drawing/2014/main" xmlns="" id="{738594DE-6371-4EE6-A5F6-DE25FC1F98CD}"/>
+                <a16:creationId xmlns:a16="http://schemas.microsoft.com/office/drawing/2014/main" id="{738594DE-6371-4EE6-A5F6-DE25FC1F98CD}"/>
               </a:ext>
             </a:extLst>
           </p:cNvPr>
@@ -1879,7 +1887,7 @@
           <p:cNvPr id="9" name="灯片编号占位符 8">
             <a:extLst>
               <a:ext uri="{FF2B5EF4-FFF2-40B4-BE49-F238E27FC236}">
-                <a16:creationId xmlns:a16="http://schemas.microsoft.com/office/drawing/2014/main" xmlns="" id="{BE325B37-2AC4-4404-A177-58CE89942EBE}"/>
+                <a16:creationId xmlns:a16="http://schemas.microsoft.com/office/drawing/2014/main" id="{BE325B37-2AC4-4404-A177-58CE89942EBE}"/>
               </a:ext>
             </a:extLst>
           </p:cNvPr>
@@ -1938,7 +1946,7 @@
           <p:cNvPr id="2" name="标题 1">
             <a:extLst>
               <a:ext uri="{FF2B5EF4-FFF2-40B4-BE49-F238E27FC236}">
-                <a16:creationId xmlns:a16="http://schemas.microsoft.com/office/drawing/2014/main" xmlns="" id="{38DB2B3D-9E4C-4222-BA29-67B7668B096F}"/>
+                <a16:creationId xmlns:a16="http://schemas.microsoft.com/office/drawing/2014/main" id="{38DB2B3D-9E4C-4222-BA29-67B7668B096F}"/>
               </a:ext>
             </a:extLst>
           </p:cNvPr>
@@ -1966,7 +1974,7 @@
           <p:cNvPr id="3" name="日期占位符 2">
             <a:extLst>
               <a:ext uri="{FF2B5EF4-FFF2-40B4-BE49-F238E27FC236}">
-                <a16:creationId xmlns:a16="http://schemas.microsoft.com/office/drawing/2014/main" xmlns="" id="{AEC72DC4-8794-4FE9-BE35-F16CB88A7F9D}"/>
+                <a16:creationId xmlns:a16="http://schemas.microsoft.com/office/drawing/2014/main" id="{AEC72DC4-8794-4FE9-BE35-F16CB88A7F9D}"/>
               </a:ext>
             </a:extLst>
           </p:cNvPr>
@@ -1984,7 +1992,7 @@
           <a:p>
             <a:fld id="{2F2910DE-9BE9-4A98-B828-362FD1DC944E}" type="datetimeFigureOut">
               <a:rPr lang="zh-CN" altLang="en-US" smtClean="0"/>
-              <a:t>2018/7/16</a:t>
+              <a:t>2018/7/18</a:t>
             </a:fld>
             <a:endParaRPr lang="zh-CN" altLang="en-US"/>
           </a:p>
@@ -1995,7 +2003,7 @@
           <p:cNvPr id="4" name="页脚占位符 3">
             <a:extLst>
               <a:ext uri="{FF2B5EF4-FFF2-40B4-BE49-F238E27FC236}">
-                <a16:creationId xmlns:a16="http://schemas.microsoft.com/office/drawing/2014/main" xmlns="" id="{7AFA1FE5-D299-4574-B851-7A8E81DD386B}"/>
+                <a16:creationId xmlns:a16="http://schemas.microsoft.com/office/drawing/2014/main" id="{7AFA1FE5-D299-4574-B851-7A8E81DD386B}"/>
               </a:ext>
             </a:extLst>
           </p:cNvPr>
@@ -2020,7 +2028,7 @@
           <p:cNvPr id="5" name="灯片编号占位符 4">
             <a:extLst>
               <a:ext uri="{FF2B5EF4-FFF2-40B4-BE49-F238E27FC236}">
-                <a16:creationId xmlns:a16="http://schemas.microsoft.com/office/drawing/2014/main" xmlns="" id="{D898FD80-7389-438B-98AA-A2C97DCF605C}"/>
+                <a16:creationId xmlns:a16="http://schemas.microsoft.com/office/drawing/2014/main" id="{D898FD80-7389-438B-98AA-A2C97DCF605C}"/>
               </a:ext>
             </a:extLst>
           </p:cNvPr>
@@ -2079,7 +2087,7 @@
           <p:cNvPr id="2" name="日期占位符 1">
             <a:extLst>
               <a:ext uri="{FF2B5EF4-FFF2-40B4-BE49-F238E27FC236}">
-                <a16:creationId xmlns:a16="http://schemas.microsoft.com/office/drawing/2014/main" xmlns="" id="{2E465766-494B-43FD-84B9-C39390B1F9D6}"/>
+                <a16:creationId xmlns:a16="http://schemas.microsoft.com/office/drawing/2014/main" id="{2E465766-494B-43FD-84B9-C39390B1F9D6}"/>
               </a:ext>
             </a:extLst>
           </p:cNvPr>
@@ -2097,7 +2105,7 @@
           <a:p>
             <a:fld id="{2F2910DE-9BE9-4A98-B828-362FD1DC944E}" type="datetimeFigureOut">
               <a:rPr lang="zh-CN" altLang="en-US" smtClean="0"/>
-              <a:t>2018/7/16</a:t>
+              <a:t>2018/7/18</a:t>
             </a:fld>
             <a:endParaRPr lang="zh-CN" altLang="en-US"/>
           </a:p>
@@ -2108,7 +2116,7 @@
           <p:cNvPr id="3" name="页脚占位符 2">
             <a:extLst>
               <a:ext uri="{FF2B5EF4-FFF2-40B4-BE49-F238E27FC236}">
-                <a16:creationId xmlns:a16="http://schemas.microsoft.com/office/drawing/2014/main" xmlns="" id="{42CD3305-F851-4CE8-BC73-4FD572161498}"/>
+                <a16:creationId xmlns:a16="http://schemas.microsoft.com/office/drawing/2014/main" id="{42CD3305-F851-4CE8-BC73-4FD572161498}"/>
               </a:ext>
             </a:extLst>
           </p:cNvPr>
@@ -2133,7 +2141,7 @@
           <p:cNvPr id="4" name="灯片编号占位符 3">
             <a:extLst>
               <a:ext uri="{FF2B5EF4-FFF2-40B4-BE49-F238E27FC236}">
-                <a16:creationId xmlns:a16="http://schemas.microsoft.com/office/drawing/2014/main" xmlns="" id="{B6BB5195-1470-4255-ACC1-874B424E07CC}"/>
+                <a16:creationId xmlns:a16="http://schemas.microsoft.com/office/drawing/2014/main" id="{B6BB5195-1470-4255-ACC1-874B424E07CC}"/>
               </a:ext>
             </a:extLst>
           </p:cNvPr>
@@ -2192,7 +2200,7 @@
           <p:cNvPr id="2" name="标题 1">
             <a:extLst>
               <a:ext uri="{FF2B5EF4-FFF2-40B4-BE49-F238E27FC236}">
-                <a16:creationId xmlns:a16="http://schemas.microsoft.com/office/drawing/2014/main" xmlns="" id="{FFA4A9F4-26C1-41FD-936B-50A026A15341}"/>
+                <a16:creationId xmlns:a16="http://schemas.microsoft.com/office/drawing/2014/main" id="{FFA4A9F4-26C1-41FD-936B-50A026A15341}"/>
               </a:ext>
             </a:extLst>
           </p:cNvPr>
@@ -2229,7 +2237,7 @@
           <p:cNvPr id="3" name="内容占位符 2">
             <a:extLst>
               <a:ext uri="{FF2B5EF4-FFF2-40B4-BE49-F238E27FC236}">
-                <a16:creationId xmlns:a16="http://schemas.microsoft.com/office/drawing/2014/main" xmlns="" id="{8DDFB451-B384-45B5-BA78-E05816664DBB}"/>
+                <a16:creationId xmlns:a16="http://schemas.microsoft.com/office/drawing/2014/main" id="{8DDFB451-B384-45B5-BA78-E05816664DBB}"/>
               </a:ext>
             </a:extLst>
           </p:cNvPr>
@@ -2319,7 +2327,7 @@
           <p:cNvPr id="4" name="文本占位符 3">
             <a:extLst>
               <a:ext uri="{FF2B5EF4-FFF2-40B4-BE49-F238E27FC236}">
-                <a16:creationId xmlns:a16="http://schemas.microsoft.com/office/drawing/2014/main" xmlns="" id="{9872F5FC-43CE-43B1-870B-ADED3873B7E5}"/>
+                <a16:creationId xmlns:a16="http://schemas.microsoft.com/office/drawing/2014/main" id="{9872F5FC-43CE-43B1-870B-ADED3873B7E5}"/>
               </a:ext>
             </a:extLst>
           </p:cNvPr>
@@ -2390,7 +2398,7 @@
           <p:cNvPr id="5" name="日期占位符 4">
             <a:extLst>
               <a:ext uri="{FF2B5EF4-FFF2-40B4-BE49-F238E27FC236}">
-                <a16:creationId xmlns:a16="http://schemas.microsoft.com/office/drawing/2014/main" xmlns="" id="{86A8C7CC-3377-4897-BE34-E5CCF9936D08}"/>
+                <a16:creationId xmlns:a16="http://schemas.microsoft.com/office/drawing/2014/main" id="{86A8C7CC-3377-4897-BE34-E5CCF9936D08}"/>
               </a:ext>
             </a:extLst>
           </p:cNvPr>
@@ -2408,7 +2416,7 @@
           <a:p>
             <a:fld id="{2F2910DE-9BE9-4A98-B828-362FD1DC944E}" type="datetimeFigureOut">
               <a:rPr lang="zh-CN" altLang="en-US" smtClean="0"/>
-              <a:t>2018/7/16</a:t>
+              <a:t>2018/7/18</a:t>
             </a:fld>
             <a:endParaRPr lang="zh-CN" altLang="en-US"/>
           </a:p>
@@ -2419,7 +2427,7 @@
           <p:cNvPr id="6" name="页脚占位符 5">
             <a:extLst>
               <a:ext uri="{FF2B5EF4-FFF2-40B4-BE49-F238E27FC236}">
-                <a16:creationId xmlns:a16="http://schemas.microsoft.com/office/drawing/2014/main" xmlns="" id="{B2E4BFA2-42DA-4F36-8465-D41DF6E6B326}"/>
+                <a16:creationId xmlns:a16="http://schemas.microsoft.com/office/drawing/2014/main" id="{B2E4BFA2-42DA-4F36-8465-D41DF6E6B326}"/>
               </a:ext>
             </a:extLst>
           </p:cNvPr>
@@ -2444,7 +2452,7 @@
           <p:cNvPr id="7" name="灯片编号占位符 6">
             <a:extLst>
               <a:ext uri="{FF2B5EF4-FFF2-40B4-BE49-F238E27FC236}">
-                <a16:creationId xmlns:a16="http://schemas.microsoft.com/office/drawing/2014/main" xmlns="" id="{3FE130D9-19B1-42A6-9B23-7072F2EC3888}"/>
+                <a16:creationId xmlns:a16="http://schemas.microsoft.com/office/drawing/2014/main" id="{3FE130D9-19B1-42A6-9B23-7072F2EC3888}"/>
               </a:ext>
             </a:extLst>
           </p:cNvPr>
@@ -2503,7 +2511,7 @@
           <p:cNvPr id="2" name="标题 1">
             <a:extLst>
               <a:ext uri="{FF2B5EF4-FFF2-40B4-BE49-F238E27FC236}">
-                <a16:creationId xmlns:a16="http://schemas.microsoft.com/office/drawing/2014/main" xmlns="" id="{7B3B1B0A-702A-427C-B6BF-ECBE5E14089F}"/>
+                <a16:creationId xmlns:a16="http://schemas.microsoft.com/office/drawing/2014/main" id="{7B3B1B0A-702A-427C-B6BF-ECBE5E14089F}"/>
               </a:ext>
             </a:extLst>
           </p:cNvPr>
@@ -2540,7 +2548,7 @@
           <p:cNvPr id="3" name="图片占位符 2">
             <a:extLst>
               <a:ext uri="{FF2B5EF4-FFF2-40B4-BE49-F238E27FC236}">
-                <a16:creationId xmlns:a16="http://schemas.microsoft.com/office/drawing/2014/main" xmlns="" id="{A62C1179-241E-4BA2-86D1-70CC03211A3E}"/>
+                <a16:creationId xmlns:a16="http://schemas.microsoft.com/office/drawing/2014/main" id="{A62C1179-241E-4BA2-86D1-70CC03211A3E}"/>
               </a:ext>
             </a:extLst>
           </p:cNvPr>
@@ -2607,7 +2615,7 @@
           <p:cNvPr id="4" name="文本占位符 3">
             <a:extLst>
               <a:ext uri="{FF2B5EF4-FFF2-40B4-BE49-F238E27FC236}">
-                <a16:creationId xmlns:a16="http://schemas.microsoft.com/office/drawing/2014/main" xmlns="" id="{2D9AAC89-0FBF-46D2-8C5B-A846DD17C67B}"/>
+                <a16:creationId xmlns:a16="http://schemas.microsoft.com/office/drawing/2014/main" id="{2D9AAC89-0FBF-46D2-8C5B-A846DD17C67B}"/>
               </a:ext>
             </a:extLst>
           </p:cNvPr>
@@ -2678,7 +2686,7 @@
           <p:cNvPr id="5" name="日期占位符 4">
             <a:extLst>
               <a:ext uri="{FF2B5EF4-FFF2-40B4-BE49-F238E27FC236}">
-                <a16:creationId xmlns:a16="http://schemas.microsoft.com/office/drawing/2014/main" xmlns="" id="{317AC047-2EB4-4F84-AF06-7135342CB443}"/>
+                <a16:creationId xmlns:a16="http://schemas.microsoft.com/office/drawing/2014/main" id="{317AC047-2EB4-4F84-AF06-7135342CB443}"/>
               </a:ext>
             </a:extLst>
           </p:cNvPr>
@@ -2696,7 +2704,7 @@
           <a:p>
             <a:fld id="{2F2910DE-9BE9-4A98-B828-362FD1DC944E}" type="datetimeFigureOut">
               <a:rPr lang="zh-CN" altLang="en-US" smtClean="0"/>
-              <a:t>2018/7/16</a:t>
+              <a:t>2018/7/18</a:t>
             </a:fld>
             <a:endParaRPr lang="zh-CN" altLang="en-US"/>
           </a:p>
@@ -2707,7 +2715,7 @@
           <p:cNvPr id="6" name="页脚占位符 5">
             <a:extLst>
               <a:ext uri="{FF2B5EF4-FFF2-40B4-BE49-F238E27FC236}">
-                <a16:creationId xmlns:a16="http://schemas.microsoft.com/office/drawing/2014/main" xmlns="" id="{D572C720-60D4-4000-A1C9-B17A6720D100}"/>
+                <a16:creationId xmlns:a16="http://schemas.microsoft.com/office/drawing/2014/main" id="{D572C720-60D4-4000-A1C9-B17A6720D100}"/>
               </a:ext>
             </a:extLst>
           </p:cNvPr>
@@ -2732,7 +2740,7 @@
           <p:cNvPr id="7" name="灯片编号占位符 6">
             <a:extLst>
               <a:ext uri="{FF2B5EF4-FFF2-40B4-BE49-F238E27FC236}">
-                <a16:creationId xmlns:a16="http://schemas.microsoft.com/office/drawing/2014/main" xmlns="" id="{7C99F87A-0304-47D1-B91C-81495F6E6662}"/>
+                <a16:creationId xmlns:a16="http://schemas.microsoft.com/office/drawing/2014/main" id="{7C99F87A-0304-47D1-B91C-81495F6E6662}"/>
               </a:ext>
             </a:extLst>
           </p:cNvPr>
@@ -2775,7 +2783,7 @@
     <p:bg>
       <p:bgPr>
         <a:solidFill>
-          <a:srgbClr val="3D3D3D"/>
+          <a:srgbClr val="434343"/>
         </a:solidFill>
         <a:effectLst/>
       </p:bgPr>
@@ -2799,7 +2807,7 @@
           <p:cNvPr id="2" name="标题占位符 1">
             <a:extLst>
               <a:ext uri="{FF2B5EF4-FFF2-40B4-BE49-F238E27FC236}">
-                <a16:creationId xmlns:a16="http://schemas.microsoft.com/office/drawing/2014/main" xmlns="" id="{AB3FF67B-2963-47C7-A4C0-706701A6DD81}"/>
+                <a16:creationId xmlns:a16="http://schemas.microsoft.com/office/drawing/2014/main" id="{AB3FF67B-2963-47C7-A4C0-706701A6DD81}"/>
               </a:ext>
             </a:extLst>
           </p:cNvPr>
@@ -2837,7 +2845,7 @@
           <p:cNvPr id="3" name="文本占位符 2">
             <a:extLst>
               <a:ext uri="{FF2B5EF4-FFF2-40B4-BE49-F238E27FC236}">
-                <a16:creationId xmlns:a16="http://schemas.microsoft.com/office/drawing/2014/main" xmlns="" id="{21B4FAA5-FAB7-409C-AA08-4AB3CC72CC02}"/>
+                <a16:creationId xmlns:a16="http://schemas.microsoft.com/office/drawing/2014/main" id="{21B4FAA5-FAB7-409C-AA08-4AB3CC72CC02}"/>
               </a:ext>
             </a:extLst>
           </p:cNvPr>
@@ -2904,7 +2912,7 @@
           <p:cNvPr id="4" name="日期占位符 3">
             <a:extLst>
               <a:ext uri="{FF2B5EF4-FFF2-40B4-BE49-F238E27FC236}">
-                <a16:creationId xmlns:a16="http://schemas.microsoft.com/office/drawing/2014/main" xmlns="" id="{D5701B33-FED1-4A38-9B79-D7EE1B2D2C74}"/>
+                <a16:creationId xmlns:a16="http://schemas.microsoft.com/office/drawing/2014/main" id="{D5701B33-FED1-4A38-9B79-D7EE1B2D2C74}"/>
               </a:ext>
             </a:extLst>
           </p:cNvPr>
@@ -2940,7 +2948,7 @@
           <a:p>
             <a:fld id="{2F2910DE-9BE9-4A98-B828-362FD1DC944E}" type="datetimeFigureOut">
               <a:rPr lang="zh-CN" altLang="en-US" smtClean="0"/>
-              <a:t>2018/7/16</a:t>
+              <a:t>2018/7/18</a:t>
             </a:fld>
             <a:endParaRPr lang="zh-CN" altLang="en-US"/>
           </a:p>
@@ -2951,7 +2959,7 @@
           <p:cNvPr id="5" name="页脚占位符 4">
             <a:extLst>
               <a:ext uri="{FF2B5EF4-FFF2-40B4-BE49-F238E27FC236}">
-                <a16:creationId xmlns:a16="http://schemas.microsoft.com/office/drawing/2014/main" xmlns="" id="{7ED33966-598E-400B-8E11-BE8B6C60778C}"/>
+                <a16:creationId xmlns:a16="http://schemas.microsoft.com/office/drawing/2014/main" id="{7ED33966-598E-400B-8E11-BE8B6C60778C}"/>
               </a:ext>
             </a:extLst>
           </p:cNvPr>
@@ -2994,7 +3002,7 @@
           <p:cNvPr id="6" name="灯片编号占位符 5">
             <a:extLst>
               <a:ext uri="{FF2B5EF4-FFF2-40B4-BE49-F238E27FC236}">
-                <a16:creationId xmlns:a16="http://schemas.microsoft.com/office/drawing/2014/main" xmlns="" id="{852321B6-624C-4B3F-9223-AE1C94CB1CA9}"/>
+                <a16:creationId xmlns:a16="http://schemas.microsoft.com/office/drawing/2014/main" id="{852321B6-624C-4B3F-9223-AE1C94CB1CA9}"/>
               </a:ext>
             </a:extLst>
           </p:cNvPr>
@@ -3362,7 +3370,7 @@
           <p:cNvPr id="2" name="标题 1">
             <a:extLst>
               <a:ext uri="{FF2B5EF4-FFF2-40B4-BE49-F238E27FC236}">
-                <a16:creationId xmlns:a16="http://schemas.microsoft.com/office/drawing/2014/main" xmlns="" id="{C66209FC-6F88-4D3B-89B4-1BC7632F6D48}"/>
+                <a16:creationId xmlns:a16="http://schemas.microsoft.com/office/drawing/2014/main" id="{C66209FC-6F88-4D3B-89B4-1BC7632F6D48}"/>
               </a:ext>
             </a:extLst>
           </p:cNvPr>
@@ -3373,9 +3381,16 @@
             <p:ph type="ctrTitle"/>
           </p:nvPr>
         </p:nvSpPr>
-        <p:spPr/>
-        <p:txBody>
-          <a:bodyPr/>
+        <p:spPr>
+          <a:xfrm>
+            <a:off x="623392" y="3336156"/>
+            <a:ext cx="10945216" cy="185688"/>
+          </a:xfrm>
+        </p:spPr>
+        <p:txBody>
+          <a:bodyPr>
+            <a:normAutofit fontScale="90000"/>
+          </a:bodyPr>
           <a:lstStyle/>
           <a:p>
             <a:r>
@@ -3386,51 +3401,7 @@
                 <a:latin typeface="微软雅黑" panose="020B0503020204020204" pitchFamily="34" charset="-122"/>
                 <a:ea typeface="微软雅黑" panose="020B0503020204020204" pitchFamily="34" charset="-122"/>
               </a:rPr>
-              <a:t>手把手教你搭建机器学习开发环境</a:t>
-            </a:r>
-          </a:p>
-        </p:txBody>
-      </p:sp>
-      <p:sp>
-        <p:nvSpPr>
-          <p:cNvPr id="3" name="副标题 2">
-            <a:extLst>
-              <a:ext uri="{FF2B5EF4-FFF2-40B4-BE49-F238E27FC236}">
-                <a16:creationId xmlns:a16="http://schemas.microsoft.com/office/drawing/2014/main" xmlns="" id="{9DA2FD9E-3B0A-4129-801A-9BC94962D836}"/>
-              </a:ext>
-            </a:extLst>
-          </p:cNvPr>
-          <p:cNvSpPr>
-            <a:spLocks noGrp="1"/>
-          </p:cNvSpPr>
-          <p:nvPr>
-            <p:ph type="subTitle" idx="1"/>
-          </p:nvPr>
-        </p:nvSpPr>
-        <p:spPr/>
-        <p:txBody>
-          <a:bodyPr/>
-          <a:lstStyle/>
-          <a:p>
-            <a:r>
-              <a:rPr lang="en-US" altLang="zh-CN" dirty="0">
-                <a:solidFill>
-                  <a:schemeClr val="bg1"/>
-                </a:solidFill>
-                <a:latin typeface="微软雅黑" panose="020B0503020204020204" pitchFamily="34" charset="-122"/>
-                <a:ea typeface="微软雅黑" panose="020B0503020204020204" pitchFamily="34" charset="-122"/>
-              </a:rPr>
-              <a:t>Python</a:t>
-            </a:r>
-            <a:r>
-              <a:rPr lang="zh-CN" altLang="en-US" dirty="0">
-                <a:solidFill>
-                  <a:schemeClr val="bg1"/>
-                </a:solidFill>
-                <a:latin typeface="微软雅黑" panose="020B0503020204020204" pitchFamily="34" charset="-122"/>
-                <a:ea typeface="微软雅黑" panose="020B0503020204020204" pitchFamily="34" charset="-122"/>
-              </a:rPr>
-              <a:t>与</a:t>
+              <a:t>了解矩阵与</a:t>
             </a:r>
             <a:r>
               <a:rPr lang="en-US" altLang="zh-CN" dirty="0">
@@ -3450,7 +3421,7 @@
                 <a:latin typeface="微软雅黑" panose="020B0503020204020204" pitchFamily="34" charset="-122"/>
                 <a:ea typeface="微软雅黑" panose="020B0503020204020204" pitchFamily="34" charset="-122"/>
               </a:rPr>
-              <a:t>的超简单安装教程</a:t>
+              <a:t>的基本操作</a:t>
             </a:r>
           </a:p>
         </p:txBody>
@@ -3477,17 +3448,10 @@
       </p:transition>
     </mc:Fallback>
   </mc:AlternateContent>
-  <p:timing>
-    <p:tnLst>
-      <p:par>
-        <p:cTn id="1" dur="indefinite" restart="never" nodeType="tmRoot"/>
-      </p:par>
-    </p:tnLst>
-  </p:timing>
 </p:sld>
 </file>
 
-<file path=ppt/slides/slide2.xml><?xml version="1.0" encoding="utf-8"?>
+<file path=ppt/slides/slide10.xml><?xml version="1.0" encoding="utf-8"?>
 <p:sld xmlns:a="http://schemas.openxmlformats.org/drawingml/2006/main" xmlns:r="http://schemas.openxmlformats.org/officeDocument/2006/relationships" xmlns:p="http://schemas.openxmlformats.org/presentationml/2006/main">
   <p:cSld>
     <p:spTree>
@@ -3506,10 +3470,10 @@
       </p:grpSpPr>
       <p:sp>
         <p:nvSpPr>
-          <p:cNvPr id="3" name="内容占位符 2">
-            <a:extLst>
-              <a:ext uri="{FF2B5EF4-FFF2-40B4-BE49-F238E27FC236}">
-                <a16:creationId xmlns:a16="http://schemas.microsoft.com/office/drawing/2014/main" xmlns="" id="{F3541DBF-F466-4697-8153-DFFE89D962F7}"/>
+          <p:cNvPr id="2" name="标题 1">
+            <a:extLst>
+              <a:ext uri="{FF2B5EF4-FFF2-40B4-BE49-F238E27FC236}">
+                <a16:creationId xmlns:a16="http://schemas.microsoft.com/office/drawing/2014/main" id="{C66209FC-6F88-4D3B-89B4-1BC7632F6D48}"/>
               </a:ext>
             </a:extLst>
           </p:cNvPr>
@@ -3517,47 +3481,23 @@
             <a:spLocks noGrp="1"/>
           </p:cNvSpPr>
           <p:nvPr>
-            <p:ph idx="1"/>
+            <p:ph type="ctrTitle"/>
           </p:nvPr>
         </p:nvSpPr>
         <p:spPr>
           <a:xfrm>
-            <a:off x="838200" y="1253331"/>
-            <a:ext cx="6121896" cy="4351338"/>
+            <a:off x="623392" y="3336156"/>
+            <a:ext cx="10945216" cy="185688"/>
           </a:xfrm>
         </p:spPr>
         <p:txBody>
           <a:bodyPr>
-            <a:normAutofit fontScale="92500" lnSpcReduction="20000"/>
+            <a:normAutofit fontScale="90000"/>
           </a:bodyPr>
           <a:lstStyle/>
           <a:p>
-            <a:pPr marL="742950" indent="-742950">
-              <a:buFont typeface="+mj-lt"/>
-              <a:buAutoNum type="arabicPeriod"/>
-            </a:pPr>
-            <a:r>
-              <a:rPr lang="en-US" altLang="zh-CN" sz="3600" dirty="0">
-                <a:solidFill>
-                  <a:schemeClr val="bg1"/>
-                </a:solidFill>
-                <a:latin typeface="微软雅黑" panose="020B0503020204020204" pitchFamily="34" charset="-122"/>
-                <a:ea typeface="微软雅黑" panose="020B0503020204020204" pitchFamily="34" charset="-122"/>
-              </a:rPr>
-              <a:t>Python</a:t>
-            </a:r>
-            <a:r>
-              <a:rPr lang="zh-CN" altLang="en-US" sz="3600" dirty="0">
-                <a:solidFill>
-                  <a:schemeClr val="bg1"/>
-                </a:solidFill>
-                <a:latin typeface="微软雅黑" panose="020B0503020204020204" pitchFamily="34" charset="-122"/>
-                <a:ea typeface="微软雅黑" panose="020B0503020204020204" pitchFamily="34" charset="-122"/>
-              </a:rPr>
-              <a:t>与</a:t>
-            </a:r>
-            <a:r>
-              <a:rPr lang="en-US" altLang="zh-CN" sz="3600" dirty="0">
+            <a:r>
+              <a:rPr lang="en-US" altLang="zh-CN" dirty="0">
                 <a:solidFill>
                   <a:schemeClr val="bg1"/>
                 </a:solidFill>
@@ -3567,206 +3507,438 @@
               <a:t>NumPy</a:t>
             </a:r>
             <a:r>
-              <a:rPr lang="zh-CN" altLang="en-US" sz="3600" dirty="0">
+              <a:rPr lang="zh-CN" altLang="en-US" dirty="0">
                 <a:solidFill>
                   <a:schemeClr val="bg1"/>
                 </a:solidFill>
                 <a:latin typeface="微软雅黑" panose="020B0503020204020204" pitchFamily="34" charset="-122"/>
                 <a:ea typeface="微软雅黑" panose="020B0503020204020204" pitchFamily="34" charset="-122"/>
               </a:rPr>
-              <a:t>简介</a:t>
-            </a:r>
-            <a:endParaRPr lang="en-US" altLang="zh-CN" sz="3600" dirty="0">
-              <a:solidFill>
-                <a:schemeClr val="bg1"/>
-              </a:solidFill>
-              <a:latin typeface="微软雅黑" panose="020B0503020204020204" pitchFamily="34" charset="-122"/>
-              <a:ea typeface="微软雅黑" panose="020B0503020204020204" pitchFamily="34" charset="-122"/>
-            </a:endParaRPr>
-          </a:p>
-          <a:p>
-            <a:pPr marL="742950" indent="-742950">
-              <a:buFont typeface="+mj-lt"/>
-              <a:buAutoNum type="arabicPeriod"/>
-            </a:pPr>
-            <a:endParaRPr lang="zh-CN" altLang="zh-CN" sz="3600" dirty="0">
-              <a:solidFill>
-                <a:schemeClr val="bg1"/>
-              </a:solidFill>
-              <a:latin typeface="微软雅黑" panose="020B0503020204020204" pitchFamily="34" charset="-122"/>
-              <a:ea typeface="微软雅黑" panose="020B0503020204020204" pitchFamily="34" charset="-122"/>
-            </a:endParaRPr>
-          </a:p>
-          <a:p>
-            <a:pPr marL="742950" indent="-742950">
-              <a:buFont typeface="+mj-lt"/>
-              <a:buAutoNum type="arabicPeriod"/>
-            </a:pPr>
-            <a:r>
-              <a:rPr lang="en-US" altLang="zh-CN" sz="3600" dirty="0">
+              <a:t>的基本矩阵运算</a:t>
+            </a:r>
+          </a:p>
+        </p:txBody>
+      </p:sp>
+    </p:spTree>
+    <p:extLst>
+      <p:ext uri="{BB962C8B-B14F-4D97-AF65-F5344CB8AC3E}">
+        <p14:creationId xmlns:p14="http://schemas.microsoft.com/office/powerpoint/2010/main" val="2663644901"/>
+      </p:ext>
+    </p:extLst>
+  </p:cSld>
+  <p:clrMapOvr>
+    <a:masterClrMapping/>
+  </p:clrMapOvr>
+  <mc:AlternateContent xmlns:mc="http://schemas.openxmlformats.org/markup-compatibility/2006" xmlns:p14="http://schemas.microsoft.com/office/powerpoint/2010/main">
+    <mc:Choice Requires="p14">
+      <p:transition spd="med" p14:dur="700">
+        <p:fade/>
+      </p:transition>
+    </mc:Choice>
+    <mc:Fallback xmlns="">
+      <p:transition spd="med">
+        <p:fade/>
+      </p:transition>
+    </mc:Fallback>
+  </mc:AlternateContent>
+</p:sld>
+</file>
+
+<file path=ppt/slides/slide11.xml><?xml version="1.0" encoding="utf-8"?>
+<p:sld xmlns:a="http://schemas.openxmlformats.org/drawingml/2006/main" xmlns:r="http://schemas.openxmlformats.org/officeDocument/2006/relationships" xmlns:p="http://schemas.openxmlformats.org/presentationml/2006/main">
+  <p:cSld>
+    <p:spTree>
+      <p:nvGrpSpPr>
+        <p:cNvPr id="1" name=""/>
+        <p:cNvGrpSpPr/>
+        <p:nvPr/>
+      </p:nvGrpSpPr>
+      <p:grpSpPr>
+        <a:xfrm>
+          <a:off x="0" y="0"/>
+          <a:ext cx="0" cy="0"/>
+          <a:chOff x="0" y="0"/>
+          <a:chExt cx="0" cy="0"/>
+        </a:xfrm>
+      </p:grpSpPr>
+      <p:sp>
+        <p:nvSpPr>
+          <p:cNvPr id="2" name="标题 1">
+            <a:extLst>
+              <a:ext uri="{FF2B5EF4-FFF2-40B4-BE49-F238E27FC236}">
+                <a16:creationId xmlns:a16="http://schemas.microsoft.com/office/drawing/2014/main" id="{4C833364-9262-48BF-843C-1B01601E5F15}"/>
+              </a:ext>
+            </a:extLst>
+          </p:cNvPr>
+          <p:cNvSpPr>
+            <a:spLocks noGrp="1"/>
+          </p:cNvSpPr>
+          <p:nvPr>
+            <p:ph type="title"/>
+          </p:nvPr>
+        </p:nvSpPr>
+        <p:spPr>
+          <a:xfrm>
+            <a:off x="838200" y="365125"/>
+            <a:ext cx="10515600" cy="1325563"/>
+          </a:xfrm>
+        </p:spPr>
+        <p:txBody>
+          <a:bodyPr/>
+          <a:lstStyle/>
+          <a:p>
+            <a:r>
+              <a:rPr lang="zh-CN" altLang="en-US" dirty="0">
                 <a:solidFill>
                   <a:schemeClr val="bg1"/>
                 </a:solidFill>
                 <a:latin typeface="微软雅黑" panose="020B0503020204020204" pitchFamily="34" charset="-122"/>
                 <a:ea typeface="微软雅黑" panose="020B0503020204020204" pitchFamily="34" charset="-122"/>
               </a:rPr>
-              <a:t>Python</a:t>
-            </a:r>
-            <a:r>
-              <a:rPr lang="zh-CN" altLang="en-US" sz="3600" dirty="0">
-                <a:solidFill>
-                  <a:schemeClr val="bg1"/>
-                </a:solidFill>
-                <a:latin typeface="微软雅黑" panose="020B0503020204020204" pitchFamily="34" charset="-122"/>
-                <a:ea typeface="微软雅黑" panose="020B0503020204020204" pitchFamily="34" charset="-122"/>
-              </a:rPr>
-              <a:t>的下载与安装</a:t>
-            </a:r>
-            <a:endParaRPr lang="en-US" altLang="zh-CN" sz="3600" dirty="0">
-              <a:solidFill>
-                <a:schemeClr val="bg1"/>
-              </a:solidFill>
-              <a:latin typeface="微软雅黑" panose="020B0503020204020204" pitchFamily="34" charset="-122"/>
-              <a:ea typeface="微软雅黑" panose="020B0503020204020204" pitchFamily="34" charset="-122"/>
-            </a:endParaRPr>
-          </a:p>
-          <a:p>
-            <a:pPr marL="742950" indent="-742950">
-              <a:buFont typeface="+mj-lt"/>
-              <a:buAutoNum type="arabicPeriod"/>
-            </a:pPr>
-            <a:endParaRPr lang="zh-CN" altLang="zh-CN" sz="3600" dirty="0">
-              <a:solidFill>
-                <a:schemeClr val="bg1"/>
-              </a:solidFill>
-              <a:latin typeface="微软雅黑" panose="020B0503020204020204" pitchFamily="34" charset="-122"/>
-              <a:ea typeface="微软雅黑" panose="020B0503020204020204" pitchFamily="34" charset="-122"/>
-            </a:endParaRPr>
-          </a:p>
-          <a:p>
-            <a:pPr marL="742950" indent="-742950">
-              <a:buFont typeface="+mj-lt"/>
-              <a:buAutoNum type="arabicPeriod"/>
-            </a:pPr>
-            <a:r>
-              <a:rPr lang="zh-CN" altLang="en-US" sz="3600" dirty="0">
-                <a:solidFill>
-                  <a:schemeClr val="bg1"/>
-                </a:solidFill>
-                <a:latin typeface="微软雅黑" panose="020B0503020204020204" pitchFamily="34" charset="-122"/>
-                <a:ea typeface="微软雅黑" panose="020B0503020204020204" pitchFamily="34" charset="-122"/>
-              </a:rPr>
-              <a:t>第一个</a:t>
-            </a:r>
-            <a:r>
-              <a:rPr lang="en-US" altLang="zh-CN" sz="3600" dirty="0">
-                <a:solidFill>
-                  <a:schemeClr val="bg1"/>
-                </a:solidFill>
-                <a:latin typeface="微软雅黑" panose="020B0503020204020204" pitchFamily="34" charset="-122"/>
-                <a:ea typeface="微软雅黑" panose="020B0503020204020204" pitchFamily="34" charset="-122"/>
-              </a:rPr>
-              <a:t>Python</a:t>
-            </a:r>
-            <a:r>
-              <a:rPr lang="zh-CN" altLang="en-US" sz="3600" dirty="0">
-                <a:solidFill>
-                  <a:schemeClr val="bg1"/>
-                </a:solidFill>
-                <a:latin typeface="微软雅黑" panose="020B0503020204020204" pitchFamily="34" charset="-122"/>
-                <a:ea typeface="微软雅黑" panose="020B0503020204020204" pitchFamily="34" charset="-122"/>
-              </a:rPr>
-              <a:t>程序</a:t>
-            </a:r>
-            <a:endParaRPr lang="en-US" altLang="zh-CN" sz="3600" dirty="0">
-              <a:solidFill>
-                <a:schemeClr val="bg1"/>
-              </a:solidFill>
-              <a:latin typeface="微软雅黑" panose="020B0503020204020204" pitchFamily="34" charset="-122"/>
-              <a:ea typeface="微软雅黑" panose="020B0503020204020204" pitchFamily="34" charset="-122"/>
-            </a:endParaRPr>
-          </a:p>
-          <a:p>
-            <a:pPr marL="742950" indent="-742950">
-              <a:buFont typeface="+mj-lt"/>
-              <a:buAutoNum type="arabicPeriod"/>
-            </a:pPr>
-            <a:endParaRPr lang="zh-CN" altLang="zh-CN" sz="3600" dirty="0">
-              <a:solidFill>
-                <a:schemeClr val="bg1"/>
-              </a:solidFill>
-              <a:latin typeface="微软雅黑" panose="020B0503020204020204" pitchFamily="34" charset="-122"/>
-              <a:ea typeface="微软雅黑" panose="020B0503020204020204" pitchFamily="34" charset="-122"/>
-            </a:endParaRPr>
-          </a:p>
-          <a:p>
-            <a:pPr marL="742950" indent="-742950">
-              <a:buFont typeface="+mj-lt"/>
-              <a:buAutoNum type="arabicPeriod"/>
-            </a:pPr>
-            <a:r>
-              <a:rPr lang="en-US" altLang="zh-CN" sz="3600" dirty="0">
-                <a:solidFill>
-                  <a:schemeClr val="bg1"/>
-                </a:solidFill>
-                <a:latin typeface="微软雅黑" panose="020B0503020204020204" pitchFamily="34" charset="-122"/>
-                <a:ea typeface="微软雅黑" panose="020B0503020204020204" pitchFamily="34" charset="-122"/>
-              </a:rPr>
-              <a:t>NumPy</a:t>
-            </a:r>
-            <a:r>
-              <a:rPr lang="zh-CN" altLang="en-US" sz="3600" dirty="0">
-                <a:solidFill>
-                  <a:schemeClr val="bg1"/>
-                </a:solidFill>
-                <a:latin typeface="微软雅黑" panose="020B0503020204020204" pitchFamily="34" charset="-122"/>
-                <a:ea typeface="微软雅黑" panose="020B0503020204020204" pitchFamily="34" charset="-122"/>
-              </a:rPr>
-              <a:t>的安装</a:t>
-            </a:r>
-            <a:endParaRPr lang="en-US" altLang="zh-CN" sz="3600" dirty="0">
-              <a:solidFill>
-                <a:schemeClr val="bg1"/>
-              </a:solidFill>
-              <a:latin typeface="微软雅黑" panose="020B0503020204020204" pitchFamily="34" charset="-122"/>
-              <a:ea typeface="微软雅黑" panose="020B0503020204020204" pitchFamily="34" charset="-122"/>
-            </a:endParaRPr>
-          </a:p>
-          <a:p>
-            <a:pPr marL="742950" indent="-742950">
-              <a:buFont typeface="+mj-lt"/>
-              <a:buAutoNum type="arabicPeriod"/>
-            </a:pPr>
-            <a:endParaRPr lang="zh-CN" altLang="zh-CN" sz="3600" dirty="0">
-              <a:solidFill>
-                <a:schemeClr val="bg1"/>
-              </a:solidFill>
-              <a:latin typeface="微软雅黑" panose="020B0503020204020204" pitchFamily="34" charset="-122"/>
-              <a:ea typeface="微软雅黑" panose="020B0503020204020204" pitchFamily="34" charset="-122"/>
-            </a:endParaRPr>
-          </a:p>
-          <a:p>
-            <a:pPr marL="742950" indent="-742950">
-              <a:buFont typeface="+mj-lt"/>
-              <a:buAutoNum type="arabicPeriod"/>
-            </a:pPr>
-            <a:r>
-              <a:rPr lang="zh-CN" altLang="zh-CN" sz="3600" dirty="0">
-                <a:solidFill>
-                  <a:schemeClr val="bg1"/>
-                </a:solidFill>
-                <a:latin typeface="微软雅黑" panose="020B0503020204020204" pitchFamily="34" charset="-122"/>
-                <a:ea typeface="微软雅黑" panose="020B0503020204020204" pitchFamily="34" charset="-122"/>
-              </a:rPr>
-              <a:t>测试一下</a:t>
-            </a:r>
+              <a:t>矩阵的数乘</a:t>
+            </a:r>
+          </a:p>
+        </p:txBody>
+      </p:sp>
+      <p:cxnSp>
+        <p:nvCxnSpPr>
+          <p:cNvPr id="5" name="直接连接符 4">
+            <a:extLst>
+              <a:ext uri="{FF2B5EF4-FFF2-40B4-BE49-F238E27FC236}">
+                <a16:creationId xmlns:a16="http://schemas.microsoft.com/office/drawing/2014/main" id="{18D7E636-CD66-4ADA-BAE2-F683E7B171F5}"/>
+              </a:ext>
+            </a:extLst>
+          </p:cNvPr>
+          <p:cNvCxnSpPr>
+            <a:cxnSpLocks/>
+          </p:cNvCxnSpPr>
+          <p:nvPr/>
+        </p:nvCxnSpPr>
+        <p:spPr>
+          <a:xfrm>
+            <a:off x="838200" y="1484784"/>
+            <a:ext cx="10658400" cy="0"/>
+          </a:xfrm>
+          <a:prstGeom prst="line">
+            <a:avLst/>
+          </a:prstGeom>
+          <a:ln>
+            <a:solidFill>
+              <a:schemeClr val="bg1">
+                <a:alpha val="70000"/>
+              </a:schemeClr>
+            </a:solidFill>
+          </a:ln>
+        </p:spPr>
+        <p:style>
+          <a:lnRef idx="1">
+            <a:schemeClr val="accent1"/>
+          </a:lnRef>
+          <a:fillRef idx="0">
+            <a:schemeClr val="accent1"/>
+          </a:fillRef>
+          <a:effectRef idx="0">
+            <a:schemeClr val="accent1"/>
+          </a:effectRef>
+          <a:fontRef idx="minor">
+            <a:schemeClr val="tx1"/>
+          </a:fontRef>
+        </p:style>
+      </p:cxnSp>
+      <p:pic>
+        <p:nvPicPr>
+          <p:cNvPr id="4" name="图片 3">
+            <a:extLst>
+              <a:ext uri="{FF2B5EF4-FFF2-40B4-BE49-F238E27FC236}">
+                <a16:creationId xmlns:a16="http://schemas.microsoft.com/office/drawing/2014/main" id="{679F4891-E88B-46B4-A1FB-93B1F00E39E6}"/>
+              </a:ext>
+            </a:extLst>
+          </p:cNvPr>
+          <p:cNvPicPr>
+            <a:picLocks noChangeAspect="1"/>
+          </p:cNvPicPr>
+          <p:nvPr/>
+        </p:nvPicPr>
+        <p:blipFill>
+          <a:blip r:embed="rId2"/>
+          <a:stretch>
+            <a:fillRect/>
+          </a:stretch>
+        </p:blipFill>
+        <p:spPr>
+          <a:xfrm>
+            <a:off x="2048192" y="2465089"/>
+            <a:ext cx="8095616" cy="2733080"/>
+          </a:xfrm>
+          <a:prstGeom prst="rect">
+            <a:avLst/>
+          </a:prstGeom>
+        </p:spPr>
+      </p:pic>
+      <p:sp>
+        <p:nvSpPr>
+          <p:cNvPr id="8" name="矩形 7">
+            <a:extLst>
+              <a:ext uri="{FF2B5EF4-FFF2-40B4-BE49-F238E27FC236}">
+                <a16:creationId xmlns:a16="http://schemas.microsoft.com/office/drawing/2014/main" id="{D674C42E-387E-46A2-BF2B-B19060F13F5C}"/>
+              </a:ext>
+            </a:extLst>
+          </p:cNvPr>
+          <p:cNvSpPr/>
+          <p:nvPr/>
+        </p:nvSpPr>
+        <p:spPr>
+          <a:xfrm>
+            <a:off x="2135560" y="3429000"/>
+            <a:ext cx="648072" cy="720080"/>
+          </a:xfrm>
+          <a:prstGeom prst="rect">
+            <a:avLst/>
+          </a:prstGeom>
+          <a:noFill/>
+          <a:ln w="25400">
+            <a:solidFill>
+              <a:srgbClr val="FF0000"/>
+            </a:solidFill>
+          </a:ln>
+        </p:spPr>
+        <p:style>
+          <a:lnRef idx="2">
+            <a:schemeClr val="accent1">
+              <a:shade val="50000"/>
+            </a:schemeClr>
+          </a:lnRef>
+          <a:fillRef idx="1">
+            <a:schemeClr val="accent1"/>
+          </a:fillRef>
+          <a:effectRef idx="0">
+            <a:schemeClr val="accent1"/>
+          </a:effectRef>
+          <a:fontRef idx="minor">
+            <a:schemeClr val="lt1"/>
+          </a:fontRef>
+        </p:style>
+        <p:txBody>
+          <a:bodyPr rtlCol="0" anchor="ctr"/>
+          <a:lstStyle/>
+          <a:p>
+            <a:pPr algn="ctr"/>
+            <a:endParaRPr lang="zh-CN" altLang="en-US"/>
+          </a:p>
+        </p:txBody>
+      </p:sp>
+      <p:sp>
+        <p:nvSpPr>
+          <p:cNvPr id="9" name="矩形 8">
+            <a:extLst>
+              <a:ext uri="{FF2B5EF4-FFF2-40B4-BE49-F238E27FC236}">
+                <a16:creationId xmlns:a16="http://schemas.microsoft.com/office/drawing/2014/main" id="{78EB127A-08FC-4B34-95DD-4A6418B01E54}"/>
+              </a:ext>
+            </a:extLst>
+          </p:cNvPr>
+          <p:cNvSpPr/>
+          <p:nvPr/>
+        </p:nvSpPr>
+        <p:spPr>
+          <a:xfrm>
+            <a:off x="3791744" y="2996952"/>
+            <a:ext cx="648072" cy="720080"/>
+          </a:xfrm>
+          <a:prstGeom prst="rect">
+            <a:avLst/>
+          </a:prstGeom>
+          <a:noFill/>
+          <a:ln w="25400">
+            <a:solidFill>
+              <a:srgbClr val="FF0000"/>
+            </a:solidFill>
+          </a:ln>
+        </p:spPr>
+        <p:style>
+          <a:lnRef idx="2">
+            <a:schemeClr val="accent1">
+              <a:shade val="50000"/>
+            </a:schemeClr>
+          </a:lnRef>
+          <a:fillRef idx="1">
+            <a:schemeClr val="accent1"/>
+          </a:fillRef>
+          <a:effectRef idx="0">
+            <a:schemeClr val="accent1"/>
+          </a:effectRef>
+          <a:fontRef idx="minor">
+            <a:schemeClr val="lt1"/>
+          </a:fontRef>
+        </p:style>
+        <p:txBody>
+          <a:bodyPr rtlCol="0" anchor="ctr"/>
+          <a:lstStyle/>
+          <a:p>
+            <a:pPr algn="ctr"/>
+            <a:endParaRPr lang="zh-CN" altLang="en-US"/>
+          </a:p>
+        </p:txBody>
+      </p:sp>
+      <p:sp>
+        <p:nvSpPr>
+          <p:cNvPr id="10" name="矩形 9">
+            <a:extLst>
+              <a:ext uri="{FF2B5EF4-FFF2-40B4-BE49-F238E27FC236}">
+                <a16:creationId xmlns:a16="http://schemas.microsoft.com/office/drawing/2014/main" id="{679EF7EE-3150-452C-85F7-A1318A6A435B}"/>
+              </a:ext>
+            </a:extLst>
+          </p:cNvPr>
+          <p:cNvSpPr/>
+          <p:nvPr/>
+        </p:nvSpPr>
+        <p:spPr>
+          <a:xfrm>
+            <a:off x="7141686" y="2996952"/>
+            <a:ext cx="648072" cy="720080"/>
+          </a:xfrm>
+          <a:prstGeom prst="rect">
+            <a:avLst/>
+          </a:prstGeom>
+          <a:noFill/>
+          <a:ln w="25400">
+            <a:solidFill>
+              <a:srgbClr val="FF0000"/>
+            </a:solidFill>
+          </a:ln>
+        </p:spPr>
+        <p:style>
+          <a:lnRef idx="2">
+            <a:schemeClr val="accent1">
+              <a:shade val="50000"/>
+            </a:schemeClr>
+          </a:lnRef>
+          <a:fillRef idx="1">
+            <a:schemeClr val="accent1"/>
+          </a:fillRef>
+          <a:effectRef idx="0">
+            <a:schemeClr val="accent1"/>
+          </a:effectRef>
+          <a:fontRef idx="minor">
+            <a:schemeClr val="lt1"/>
+          </a:fontRef>
+        </p:style>
+        <p:txBody>
+          <a:bodyPr rtlCol="0" anchor="ctr"/>
+          <a:lstStyle/>
+          <a:p>
+            <a:pPr algn="ctr"/>
+            <a:endParaRPr lang="zh-CN" altLang="en-US"/>
+          </a:p>
+        </p:txBody>
+      </p:sp>
+      <p:sp>
+        <p:nvSpPr>
+          <p:cNvPr id="11" name="矩形 10">
+            <a:extLst>
+              <a:ext uri="{FF2B5EF4-FFF2-40B4-BE49-F238E27FC236}">
+                <a16:creationId xmlns:a16="http://schemas.microsoft.com/office/drawing/2014/main" id="{4AEEC25C-7392-4DA3-B712-F991C9395DFE}"/>
+              </a:ext>
+            </a:extLst>
+          </p:cNvPr>
+          <p:cNvSpPr/>
+          <p:nvPr/>
+        </p:nvSpPr>
+        <p:spPr>
+          <a:xfrm>
+            <a:off x="4367808" y="4005064"/>
+            <a:ext cx="648072" cy="720080"/>
+          </a:xfrm>
+          <a:prstGeom prst="rect">
+            <a:avLst/>
+          </a:prstGeom>
+          <a:noFill/>
+          <a:ln w="25400">
+            <a:solidFill>
+              <a:srgbClr val="FF0000"/>
+            </a:solidFill>
+          </a:ln>
+        </p:spPr>
+        <p:style>
+          <a:lnRef idx="2">
+            <a:schemeClr val="accent1">
+              <a:shade val="50000"/>
+            </a:schemeClr>
+          </a:lnRef>
+          <a:fillRef idx="1">
+            <a:schemeClr val="accent1"/>
+          </a:fillRef>
+          <a:effectRef idx="0">
+            <a:schemeClr val="accent1"/>
+          </a:effectRef>
+          <a:fontRef idx="minor">
+            <a:schemeClr val="lt1"/>
+          </a:fontRef>
+        </p:style>
+        <p:txBody>
+          <a:bodyPr rtlCol="0" anchor="ctr"/>
+          <a:lstStyle/>
+          <a:p>
+            <a:pPr algn="ctr"/>
+            <a:endParaRPr lang="zh-CN" altLang="en-US"/>
+          </a:p>
+        </p:txBody>
+      </p:sp>
+      <p:sp>
+        <p:nvSpPr>
+          <p:cNvPr id="12" name="矩形 11">
+            <a:extLst>
+              <a:ext uri="{FF2B5EF4-FFF2-40B4-BE49-F238E27FC236}">
+                <a16:creationId xmlns:a16="http://schemas.microsoft.com/office/drawing/2014/main" id="{4CC992DA-FB48-4092-A2C6-037380A4A40A}"/>
+              </a:ext>
+            </a:extLst>
+          </p:cNvPr>
+          <p:cNvSpPr/>
+          <p:nvPr/>
+        </p:nvSpPr>
+        <p:spPr>
+          <a:xfrm>
+            <a:off x="7896200" y="4005064"/>
+            <a:ext cx="648072" cy="720080"/>
+          </a:xfrm>
+          <a:prstGeom prst="rect">
+            <a:avLst/>
+          </a:prstGeom>
+          <a:noFill/>
+          <a:ln w="25400">
+            <a:solidFill>
+              <a:srgbClr val="FF0000"/>
+            </a:solidFill>
+          </a:ln>
+        </p:spPr>
+        <p:style>
+          <a:lnRef idx="2">
+            <a:schemeClr val="accent1">
+              <a:shade val="50000"/>
+            </a:schemeClr>
+          </a:lnRef>
+          <a:fillRef idx="1">
+            <a:schemeClr val="accent1"/>
+          </a:fillRef>
+          <a:effectRef idx="0">
+            <a:schemeClr val="accent1"/>
+          </a:effectRef>
+          <a:fontRef idx="minor">
+            <a:schemeClr val="lt1"/>
+          </a:fontRef>
+        </p:style>
+        <p:txBody>
+          <a:bodyPr rtlCol="0" anchor="ctr"/>
+          <a:lstStyle/>
+          <a:p>
+            <a:pPr algn="ctr"/>
+            <a:endParaRPr lang="zh-CN" altLang="en-US"/>
           </a:p>
         </p:txBody>
       </p:sp>
     </p:spTree>
     <p:extLst>
       <p:ext uri="{BB962C8B-B14F-4D97-AF65-F5344CB8AC3E}">
-        <p14:creationId xmlns:p14="http://schemas.microsoft.com/office/powerpoint/2010/main" val="2673388507"/>
+        <p14:creationId xmlns:p14="http://schemas.microsoft.com/office/powerpoint/2010/main" val="1631769694"/>
       </p:ext>
     </p:extLst>
   </p:cSld>
@@ -3794,7 +3966,7 @@
                             </p:stCondLst>
                             <p:childTnLst>
                               <p:par>
-                                <p:cTn id="5" presetID="10" presetClass="entr" presetSubtype="0" fill="hold" nodeType="clickEffect">
+                                <p:cTn id="5" presetID="22" presetClass="entr" presetSubtype="8" fill="hold" grpId="0" nodeType="clickEffect">
                                   <p:stCondLst>
                                     <p:cond delay="0"/>
                                   </p:stCondLst>
@@ -3807,11 +3979,7 @@
                                           </p:stCondLst>
                                         </p:cTn>
                                         <p:tgtEl>
-                                          <p:spTgt spid="3">
-                                            <p:txEl>
-                                              <p:pRg st="0" end="0"/>
-                                            </p:txEl>
-                                          </p:spTgt>
+                                          <p:spTgt spid="8"/>
                                         </p:tgtEl>
                                         <p:attrNameLst>
                                           <p:attrName>style.visibility</p:attrName>
@@ -3821,15 +3989,11 @@
                                         <p:strVal val="visible"/>
                                       </p:to>
                                     </p:set>
-                                    <p:animEffect transition="in" filter="fade">
+                                    <p:animEffect transition="in" filter="wipe(left)">
                                       <p:cBhvr>
                                         <p:cTn id="7" dur="500"/>
                                         <p:tgtEl>
-                                          <p:spTgt spid="3">
-                                            <p:txEl>
-                                              <p:pRg st="0" end="0"/>
-                                            </p:txEl>
-                                          </p:spTgt>
+                                          <p:spTgt spid="8"/>
                                         </p:tgtEl>
                                       </p:cBhvr>
                                     </p:animEffect>
@@ -3855,7 +4019,7 @@
                             </p:stCondLst>
                             <p:childTnLst>
                               <p:par>
-                                <p:cTn id="10" presetID="10" presetClass="entr" presetSubtype="0" fill="hold" nodeType="clickEffect">
+                                <p:cTn id="10" presetID="22" presetClass="entr" presetSubtype="8" fill="hold" grpId="0" nodeType="clickEffect">
                                   <p:stCondLst>
                                     <p:cond delay="0"/>
                                   </p:stCondLst>
@@ -3868,11 +4032,7 @@
                                           </p:stCondLst>
                                         </p:cTn>
                                         <p:tgtEl>
-                                          <p:spTgt spid="3">
-                                            <p:txEl>
-                                              <p:pRg st="2" end="2"/>
-                                            </p:txEl>
-                                          </p:spTgt>
+                                          <p:spTgt spid="9"/>
                                         </p:tgtEl>
                                         <p:attrNameLst>
                                           <p:attrName>style.visibility</p:attrName>
@@ -3882,15 +4042,11 @@
                                         <p:strVal val="visible"/>
                                       </p:to>
                                     </p:set>
-                                    <p:animEffect transition="in" filter="fade">
+                                    <p:animEffect transition="in" filter="wipe(left)">
                                       <p:cBhvr>
                                         <p:cTn id="12" dur="500"/>
                                         <p:tgtEl>
-                                          <p:spTgt spid="3">
-                                            <p:txEl>
-                                              <p:pRg st="2" end="2"/>
-                                            </p:txEl>
-                                          </p:spTgt>
+                                          <p:spTgt spid="9"/>
                                         </p:tgtEl>
                                       </p:cBhvr>
                                     </p:animEffect>
@@ -3916,7 +4072,7 @@
                             </p:stCondLst>
                             <p:childTnLst>
                               <p:par>
-                                <p:cTn id="15" presetID="10" presetClass="entr" presetSubtype="0" fill="hold" nodeType="clickEffect">
+                                <p:cTn id="15" presetID="22" presetClass="entr" presetSubtype="8" fill="hold" grpId="0" nodeType="clickEffect">
                                   <p:stCondLst>
                                     <p:cond delay="0"/>
                                   </p:stCondLst>
@@ -3929,11 +4085,7 @@
                                           </p:stCondLst>
                                         </p:cTn>
                                         <p:tgtEl>
-                                          <p:spTgt spid="3">
-                                            <p:txEl>
-                                              <p:pRg st="4" end="4"/>
-                                            </p:txEl>
-                                          </p:spTgt>
+                                          <p:spTgt spid="10"/>
                                         </p:tgtEl>
                                         <p:attrNameLst>
                                           <p:attrName>style.visibility</p:attrName>
@@ -3943,15 +4095,11 @@
                                         <p:strVal val="visible"/>
                                       </p:to>
                                     </p:set>
-                                    <p:animEffect transition="in" filter="fade">
+                                    <p:animEffect transition="in" filter="wipe(left)">
                                       <p:cBhvr>
                                         <p:cTn id="17" dur="500"/>
                                         <p:tgtEl>
-                                          <p:spTgt spid="3">
-                                            <p:txEl>
-                                              <p:pRg st="4" end="4"/>
-                                            </p:txEl>
-                                          </p:spTgt>
+                                          <p:spTgt spid="10"/>
                                         </p:tgtEl>
                                       </p:cBhvr>
                                     </p:animEffect>
@@ -3977,7 +4125,7 @@
                             </p:stCondLst>
                             <p:childTnLst>
                               <p:par>
-                                <p:cTn id="20" presetID="10" presetClass="entr" presetSubtype="0" fill="hold" nodeType="clickEffect">
+                                <p:cTn id="20" presetID="22" presetClass="entr" presetSubtype="8" fill="hold" grpId="0" nodeType="clickEffect">
                                   <p:stCondLst>
                                     <p:cond delay="0"/>
                                   </p:stCondLst>
@@ -3990,11 +4138,7 @@
                                           </p:stCondLst>
                                         </p:cTn>
                                         <p:tgtEl>
-                                          <p:spTgt spid="3">
-                                            <p:txEl>
-                                              <p:pRg st="6" end="6"/>
-                                            </p:txEl>
-                                          </p:spTgt>
+                                          <p:spTgt spid="11"/>
                                         </p:tgtEl>
                                         <p:attrNameLst>
                                           <p:attrName>style.visibility</p:attrName>
@@ -4004,15 +4148,11 @@
                                         <p:strVal val="visible"/>
                                       </p:to>
                                     </p:set>
-                                    <p:animEffect transition="in" filter="fade">
+                                    <p:animEffect transition="in" filter="wipe(left)">
                                       <p:cBhvr>
                                         <p:cTn id="22" dur="500"/>
                                         <p:tgtEl>
-                                          <p:spTgt spid="3">
-                                            <p:txEl>
-                                              <p:pRg st="6" end="6"/>
-                                            </p:txEl>
-                                          </p:spTgt>
+                                          <p:spTgt spid="11"/>
                                         </p:tgtEl>
                                       </p:cBhvr>
                                     </p:animEffect>
@@ -4038,7 +4178,7 @@
                             </p:stCondLst>
                             <p:childTnLst>
                               <p:par>
-                                <p:cTn id="25" presetID="10" presetClass="entr" presetSubtype="0" fill="hold" nodeType="clickEffect">
+                                <p:cTn id="25" presetID="22" presetClass="entr" presetSubtype="8" fill="hold" grpId="0" nodeType="clickEffect">
                                   <p:stCondLst>
                                     <p:cond delay="0"/>
                                   </p:stCondLst>
@@ -4051,11 +4191,7 @@
                                           </p:stCondLst>
                                         </p:cTn>
                                         <p:tgtEl>
-                                          <p:spTgt spid="3">
-                                            <p:txEl>
-                                              <p:pRg st="8" end="8"/>
-                                            </p:txEl>
-                                          </p:spTgt>
+                                          <p:spTgt spid="12"/>
                                         </p:tgtEl>
                                         <p:attrNameLst>
                                           <p:attrName>style.visibility</p:attrName>
@@ -4065,15 +4201,11 @@
                                         <p:strVal val="visible"/>
                                       </p:to>
                                     </p:set>
-                                    <p:animEffect transition="in" filter="fade">
+                                    <p:animEffect transition="in" filter="wipe(left)">
                                       <p:cBhvr>
                                         <p:cTn id="27" dur="500"/>
                                         <p:tgtEl>
-                                          <p:spTgt spid="3">
-                                            <p:txEl>
-                                              <p:pRg st="8" end="8"/>
-                                            </p:txEl>
-                                          </p:spTgt>
+                                          <p:spTgt spid="12"/>
                                         </p:tgtEl>
                                       </p:cBhvr>
                                     </p:animEffect>
@@ -4107,7 +4239,198 @@
         </p:cTn>
       </p:par>
     </p:tnLst>
+    <p:bldLst>
+      <p:bldP spid="8" grpId="0" animBg="1"/>
+      <p:bldP spid="9" grpId="0" animBg="1"/>
+      <p:bldP spid="10" grpId="0" animBg="1"/>
+      <p:bldP spid="11" grpId="0" animBg="1"/>
+      <p:bldP spid="12" grpId="0" animBg="1"/>
+    </p:bldLst>
   </p:timing>
+</p:sld>
+</file>
+
+<file path=ppt/slides/slide2.xml><?xml version="1.0" encoding="utf-8"?>
+<p:sld xmlns:a="http://schemas.openxmlformats.org/drawingml/2006/main" xmlns:r="http://schemas.openxmlformats.org/officeDocument/2006/relationships" xmlns:p="http://schemas.openxmlformats.org/presentationml/2006/main">
+  <p:cSld>
+    <p:spTree>
+      <p:nvGrpSpPr>
+        <p:cNvPr id="1" name=""/>
+        <p:cNvGrpSpPr/>
+        <p:nvPr/>
+      </p:nvGrpSpPr>
+      <p:grpSpPr>
+        <a:xfrm>
+          <a:off x="0" y="0"/>
+          <a:ext cx="0" cy="0"/>
+          <a:chOff x="0" y="0"/>
+          <a:chExt cx="0" cy="0"/>
+        </a:xfrm>
+      </p:grpSpPr>
+      <p:sp>
+        <p:nvSpPr>
+          <p:cNvPr id="3" name="内容占位符 2">
+            <a:extLst>
+              <a:ext uri="{FF2B5EF4-FFF2-40B4-BE49-F238E27FC236}">
+                <a16:creationId xmlns:a16="http://schemas.microsoft.com/office/drawing/2014/main" id="{F3541DBF-F466-4697-8153-DFFE89D962F7}"/>
+              </a:ext>
+            </a:extLst>
+          </p:cNvPr>
+          <p:cNvSpPr>
+            <a:spLocks noGrp="1"/>
+          </p:cNvSpPr>
+          <p:nvPr>
+            <p:ph idx="1"/>
+          </p:nvPr>
+        </p:nvSpPr>
+        <p:spPr>
+          <a:xfrm>
+            <a:off x="838200" y="1693094"/>
+            <a:ext cx="6121896" cy="3471813"/>
+          </a:xfrm>
+        </p:spPr>
+        <p:txBody>
+          <a:bodyPr>
+            <a:normAutofit/>
+          </a:bodyPr>
+          <a:lstStyle/>
+          <a:p>
+            <a:pPr marL="742950" indent="-742950">
+              <a:buFont typeface="+mj-lt"/>
+              <a:buAutoNum type="arabicPeriod"/>
+            </a:pPr>
+            <a:r>
+              <a:rPr lang="zh-CN" altLang="en-US" sz="3600" dirty="0">
+                <a:solidFill>
+                  <a:schemeClr val="bg1"/>
+                </a:solidFill>
+                <a:latin typeface="微软雅黑" panose="020B0503020204020204" pitchFamily="34" charset="-122"/>
+                <a:ea typeface="微软雅黑" panose="020B0503020204020204" pitchFamily="34" charset="-122"/>
+              </a:rPr>
+              <a:t>什么是矩阵</a:t>
+            </a:r>
+            <a:endParaRPr lang="en-US" altLang="zh-CN" sz="3600" dirty="0">
+              <a:solidFill>
+                <a:schemeClr val="bg1"/>
+              </a:solidFill>
+              <a:latin typeface="微软雅黑" panose="020B0503020204020204" pitchFamily="34" charset="-122"/>
+              <a:ea typeface="微软雅黑" panose="020B0503020204020204" pitchFamily="34" charset="-122"/>
+            </a:endParaRPr>
+          </a:p>
+          <a:p>
+            <a:pPr marL="742950" indent="-742950">
+              <a:buFont typeface="+mj-lt"/>
+              <a:buAutoNum type="arabicPeriod"/>
+            </a:pPr>
+            <a:endParaRPr lang="zh-CN" altLang="zh-CN" sz="3600" dirty="0">
+              <a:solidFill>
+                <a:schemeClr val="bg1"/>
+              </a:solidFill>
+              <a:latin typeface="微软雅黑" panose="020B0503020204020204" pitchFamily="34" charset="-122"/>
+              <a:ea typeface="微软雅黑" panose="020B0503020204020204" pitchFamily="34" charset="-122"/>
+            </a:endParaRPr>
+          </a:p>
+          <a:p>
+            <a:pPr marL="742950" indent="-742950">
+              <a:buFont typeface="+mj-lt"/>
+              <a:buAutoNum type="arabicPeriod"/>
+            </a:pPr>
+            <a:r>
+              <a:rPr lang="zh-CN" altLang="en-US" sz="3600" dirty="0">
+                <a:solidFill>
+                  <a:schemeClr val="bg1"/>
+                </a:solidFill>
+                <a:latin typeface="微软雅黑" panose="020B0503020204020204" pitchFamily="34" charset="-122"/>
+                <a:ea typeface="微软雅黑" panose="020B0503020204020204" pitchFamily="34" charset="-122"/>
+              </a:rPr>
+              <a:t>使用</a:t>
+            </a:r>
+            <a:r>
+              <a:rPr lang="en-US" altLang="zh-CN" sz="3600" dirty="0">
+                <a:solidFill>
+                  <a:schemeClr val="bg1"/>
+                </a:solidFill>
+                <a:latin typeface="微软雅黑" panose="020B0503020204020204" pitchFamily="34" charset="-122"/>
+                <a:ea typeface="微软雅黑" panose="020B0503020204020204" pitchFamily="34" charset="-122"/>
+              </a:rPr>
+              <a:t>NumPy</a:t>
+            </a:r>
+            <a:r>
+              <a:rPr lang="zh-CN" altLang="en-US" sz="3600" dirty="0">
+                <a:solidFill>
+                  <a:schemeClr val="bg1"/>
+                </a:solidFill>
+                <a:latin typeface="微软雅黑" panose="020B0503020204020204" pitchFamily="34" charset="-122"/>
+                <a:ea typeface="微软雅黑" panose="020B0503020204020204" pitchFamily="34" charset="-122"/>
+              </a:rPr>
+              <a:t>创建矩阵</a:t>
+            </a:r>
+            <a:endParaRPr lang="en-US" altLang="zh-CN" sz="3600" dirty="0">
+              <a:solidFill>
+                <a:schemeClr val="bg1"/>
+              </a:solidFill>
+              <a:latin typeface="微软雅黑" panose="020B0503020204020204" pitchFamily="34" charset="-122"/>
+              <a:ea typeface="微软雅黑" panose="020B0503020204020204" pitchFamily="34" charset="-122"/>
+            </a:endParaRPr>
+          </a:p>
+          <a:p>
+            <a:pPr marL="742950" indent="-742950">
+              <a:buFont typeface="+mj-lt"/>
+              <a:buAutoNum type="arabicPeriod"/>
+            </a:pPr>
+            <a:endParaRPr lang="zh-CN" altLang="zh-CN" sz="3600" dirty="0">
+              <a:solidFill>
+                <a:schemeClr val="bg1"/>
+              </a:solidFill>
+              <a:latin typeface="微软雅黑" panose="020B0503020204020204" pitchFamily="34" charset="-122"/>
+              <a:ea typeface="微软雅黑" panose="020B0503020204020204" pitchFamily="34" charset="-122"/>
+            </a:endParaRPr>
+          </a:p>
+          <a:p>
+            <a:pPr marL="742950" indent="-742950">
+              <a:buFont typeface="+mj-lt"/>
+              <a:buAutoNum type="arabicPeriod"/>
+            </a:pPr>
+            <a:r>
+              <a:rPr lang="en-US" altLang="zh-CN" sz="3600" dirty="0">
+                <a:solidFill>
+                  <a:schemeClr val="bg1"/>
+                </a:solidFill>
+                <a:latin typeface="微软雅黑" panose="020B0503020204020204" pitchFamily="34" charset="-122"/>
+                <a:ea typeface="微软雅黑" panose="020B0503020204020204" pitchFamily="34" charset="-122"/>
+              </a:rPr>
+              <a:t>NumPy</a:t>
+            </a:r>
+            <a:r>
+              <a:rPr lang="zh-CN" altLang="en-US" sz="3600" dirty="0">
+                <a:solidFill>
+                  <a:schemeClr val="bg1"/>
+                </a:solidFill>
+                <a:latin typeface="微软雅黑" panose="020B0503020204020204" pitchFamily="34" charset="-122"/>
+                <a:ea typeface="微软雅黑" panose="020B0503020204020204" pitchFamily="34" charset="-122"/>
+              </a:rPr>
+              <a:t>的基本矩阵运算</a:t>
+            </a:r>
+            <a:endParaRPr lang="en-US" altLang="zh-CN" sz="3600" dirty="0">
+              <a:solidFill>
+                <a:schemeClr val="bg1"/>
+              </a:solidFill>
+              <a:latin typeface="微软雅黑" panose="020B0503020204020204" pitchFamily="34" charset="-122"/>
+              <a:ea typeface="微软雅黑" panose="020B0503020204020204" pitchFamily="34" charset="-122"/>
+            </a:endParaRPr>
+          </a:p>
+        </p:txBody>
+      </p:sp>
+    </p:spTree>
+    <p:extLst>
+      <p:ext uri="{BB962C8B-B14F-4D97-AF65-F5344CB8AC3E}">
+        <p14:creationId xmlns:p14="http://schemas.microsoft.com/office/powerpoint/2010/main" val="2673388507"/>
+      </p:ext>
+    </p:extLst>
+  </p:cSld>
+  <p:clrMapOvr>
+    <a:masterClrMapping/>
+  </p:clrMapOvr>
 </p:sld>
 </file>
 
@@ -4133,7 +4456,7 @@
           <p:cNvPr id="2" name="标题 1">
             <a:extLst>
               <a:ext uri="{FF2B5EF4-FFF2-40B4-BE49-F238E27FC236}">
-                <a16:creationId xmlns:a16="http://schemas.microsoft.com/office/drawing/2014/main" xmlns="" id="{FFD7E520-385C-4F25-9368-13EC81F8AFD1}"/>
+                <a16:creationId xmlns:a16="http://schemas.microsoft.com/office/drawing/2014/main" id="{4C833364-9262-48BF-843C-1B01601E5F15}"/>
               </a:ext>
             </a:extLst>
           </p:cNvPr>
@@ -4144,41 +4467,1604 @@
             <p:ph type="title"/>
           </p:nvPr>
         </p:nvSpPr>
-        <p:spPr>
-          <a:xfrm>
-            <a:off x="1019436" y="2766219"/>
-            <a:ext cx="10153128" cy="1325563"/>
-          </a:xfrm>
-        </p:spPr>
-        <p:txBody>
-          <a:bodyPr>
-            <a:normAutofit/>
-          </a:bodyPr>
+        <p:spPr/>
+        <p:txBody>
+          <a:bodyPr/>
           <a:lstStyle/>
           <a:p>
-            <a:pPr algn="ctr"/>
-            <a:r>
-              <a:rPr lang="en-US" altLang="zh-CN" sz="6000" dirty="0">
+            <a:r>
+              <a:rPr lang="zh-CN" altLang="en-US" dirty="0">
                 <a:solidFill>
                   <a:schemeClr val="bg1"/>
                 </a:solidFill>
                 <a:latin typeface="微软雅黑" panose="020B0503020204020204" pitchFamily="34" charset="-122"/>
                 <a:ea typeface="微软雅黑" panose="020B0503020204020204" pitchFamily="34" charset="-122"/>
               </a:rPr>
-              <a:t>1. Python</a:t>
-            </a:r>
-            <a:r>
-              <a:rPr lang="zh-CN" altLang="en-US" sz="6000" dirty="0">
+              <a:t>什么是矩阵？</a:t>
+            </a:r>
+          </a:p>
+        </p:txBody>
+      </p:sp>
+      <p:cxnSp>
+        <p:nvCxnSpPr>
+          <p:cNvPr id="5" name="直接连接符 4">
+            <a:extLst>
+              <a:ext uri="{FF2B5EF4-FFF2-40B4-BE49-F238E27FC236}">
+                <a16:creationId xmlns:a16="http://schemas.microsoft.com/office/drawing/2014/main" id="{18D7E636-CD66-4ADA-BAE2-F683E7B171F5}"/>
+              </a:ext>
+            </a:extLst>
+          </p:cNvPr>
+          <p:cNvCxnSpPr>
+            <a:cxnSpLocks/>
+          </p:cNvCxnSpPr>
+          <p:nvPr/>
+        </p:nvCxnSpPr>
+        <p:spPr>
+          <a:xfrm>
+            <a:off x="838200" y="1484784"/>
+            <a:ext cx="10658400" cy="0"/>
+          </a:xfrm>
+          <a:prstGeom prst="line">
+            <a:avLst/>
+          </a:prstGeom>
+          <a:ln>
+            <a:solidFill>
+              <a:schemeClr val="bg1">
+                <a:alpha val="70000"/>
+              </a:schemeClr>
+            </a:solidFill>
+          </a:ln>
+        </p:spPr>
+        <p:style>
+          <a:lnRef idx="1">
+            <a:schemeClr val="accent1"/>
+          </a:lnRef>
+          <a:fillRef idx="0">
+            <a:schemeClr val="accent1"/>
+          </a:fillRef>
+          <a:effectRef idx="0">
+            <a:schemeClr val="accent1"/>
+          </a:effectRef>
+          <a:fontRef idx="minor">
+            <a:schemeClr val="tx1"/>
+          </a:fontRef>
+        </p:style>
+      </p:cxnSp>
+      <p:graphicFrame>
+        <p:nvGraphicFramePr>
+          <p:cNvPr id="11" name="表格 10">
+            <a:extLst>
+              <a:ext uri="{FF2B5EF4-FFF2-40B4-BE49-F238E27FC236}">
+                <a16:creationId xmlns:a16="http://schemas.microsoft.com/office/drawing/2014/main" id="{4100CBD6-BD37-4655-ACE5-4F62A509E181}"/>
+              </a:ext>
+            </a:extLst>
+          </p:cNvPr>
+          <p:cNvGraphicFramePr>
+            <a:graphicFrameLocks noGrp="1"/>
+          </p:cNvGraphicFramePr>
+          <p:nvPr>
+            <p:extLst>
+              <p:ext uri="{D42A27DB-BD31-4B8C-83A1-F6EECF244321}">
+                <p14:modId xmlns:p14="http://schemas.microsoft.com/office/powerpoint/2010/main" val="1074446320"/>
+              </p:ext>
+            </p:extLst>
+          </p:nvPr>
+        </p:nvGraphicFramePr>
+        <p:xfrm>
+          <a:off x="3107667" y="2549082"/>
+          <a:ext cx="5976665" cy="2824134"/>
+        </p:xfrm>
+        <a:graphic>
+          <a:graphicData uri="http://schemas.openxmlformats.org/drawingml/2006/table">
+            <a:tbl>
+              <a:tblPr firstRow="1" firstCol="1" bandRow="1">
+                <a:tableStyleId>{8799B23B-EC83-4686-B30A-512413B5E67A}</a:tableStyleId>
+              </a:tblPr>
+              <a:tblGrid>
+                <a:gridCol w="1195333">
+                  <a:extLst>
+                    <a:ext uri="{9D8B030D-6E8A-4147-A177-3AD203B41FA5}">
+                      <a16:colId xmlns:a16="http://schemas.microsoft.com/office/drawing/2014/main" val="4189175324"/>
+                    </a:ext>
+                  </a:extLst>
+                </a:gridCol>
+                <a:gridCol w="1195333">
+                  <a:extLst>
+                    <a:ext uri="{9D8B030D-6E8A-4147-A177-3AD203B41FA5}">
+                      <a16:colId xmlns:a16="http://schemas.microsoft.com/office/drawing/2014/main" val="2319147345"/>
+                    </a:ext>
+                  </a:extLst>
+                </a:gridCol>
+                <a:gridCol w="1195333">
+                  <a:extLst>
+                    <a:ext uri="{9D8B030D-6E8A-4147-A177-3AD203B41FA5}">
+                      <a16:colId xmlns:a16="http://schemas.microsoft.com/office/drawing/2014/main" val="1976230654"/>
+                    </a:ext>
+                  </a:extLst>
+                </a:gridCol>
+                <a:gridCol w="1195333">
+                  <a:extLst>
+                    <a:ext uri="{9D8B030D-6E8A-4147-A177-3AD203B41FA5}">
+                      <a16:colId xmlns:a16="http://schemas.microsoft.com/office/drawing/2014/main" val="473623863"/>
+                    </a:ext>
+                  </a:extLst>
+                </a:gridCol>
+                <a:gridCol w="1195333">
+                  <a:extLst>
+                    <a:ext uri="{9D8B030D-6E8A-4147-A177-3AD203B41FA5}">
+                      <a16:colId xmlns:a16="http://schemas.microsoft.com/office/drawing/2014/main" val="962558431"/>
+                    </a:ext>
+                  </a:extLst>
+                </a:gridCol>
+              </a:tblGrid>
+              <a:tr h="470689">
+                <a:tc>
+                  <a:txBody>
+                    <a:bodyPr/>
+                    <a:lstStyle/>
+                    <a:p>
+                      <a:pPr algn="ctr">
+                        <a:spcAft>
+                          <a:spcPts val="0"/>
+                        </a:spcAft>
+                      </a:pPr>
+                      <a:r>
+                        <a:rPr lang="zh-CN" sz="1400" kern="100" dirty="0">
+                          <a:solidFill>
+                            <a:schemeClr val="bg1"/>
+                          </a:solidFill>
+                          <a:effectLst/>
+                        </a:rPr>
+                        <a:t>姓名</a:t>
+                      </a:r>
+                      <a:endParaRPr lang="zh-CN" sz="1400" kern="100" dirty="0">
+                        <a:solidFill>
+                          <a:schemeClr val="bg1"/>
+                        </a:solidFill>
+                        <a:effectLst/>
+                        <a:latin typeface="微软雅黑" panose="020B0503020204020204" pitchFamily="34" charset="-122"/>
+                        <a:ea typeface="微软雅黑" panose="020B0503020204020204" pitchFamily="34" charset="-122"/>
+                        <a:cs typeface="Times New Roman" panose="02020603050405020304" pitchFamily="18" charset="0"/>
+                      </a:endParaRPr>
+                    </a:p>
+                  </a:txBody>
+                  <a:tcPr marL="68580" marR="68580" marT="0" marB="0" anchor="ctr"/>
+                </a:tc>
+                <a:tc>
+                  <a:txBody>
+                    <a:bodyPr/>
+                    <a:lstStyle/>
+                    <a:p>
+                      <a:pPr algn="ctr">
+                        <a:spcAft>
+                          <a:spcPts val="0"/>
+                        </a:spcAft>
+                      </a:pPr>
+                      <a:r>
+                        <a:rPr lang="zh-CN" sz="1400" kern="100" dirty="0">
+                          <a:solidFill>
+                            <a:schemeClr val="bg1"/>
+                          </a:solidFill>
+                          <a:effectLst/>
+                        </a:rPr>
+                        <a:t>号码</a:t>
+                      </a:r>
+                      <a:endParaRPr lang="zh-CN" sz="1400" kern="100" dirty="0">
+                        <a:solidFill>
+                          <a:schemeClr val="bg1"/>
+                        </a:solidFill>
+                        <a:effectLst/>
+                        <a:latin typeface="微软雅黑" panose="020B0503020204020204" pitchFamily="34" charset="-122"/>
+                        <a:ea typeface="微软雅黑" panose="020B0503020204020204" pitchFamily="34" charset="-122"/>
+                        <a:cs typeface="Times New Roman" panose="02020603050405020304" pitchFamily="18" charset="0"/>
+                      </a:endParaRPr>
+                    </a:p>
+                  </a:txBody>
+                  <a:tcPr marL="68580" marR="68580" marT="0" marB="0" anchor="ctr"/>
+                </a:tc>
+                <a:tc>
+                  <a:txBody>
+                    <a:bodyPr/>
+                    <a:lstStyle/>
+                    <a:p>
+                      <a:pPr algn="ctr">
+                        <a:spcAft>
+                          <a:spcPts val="0"/>
+                        </a:spcAft>
+                      </a:pPr>
+                      <a:r>
+                        <a:rPr lang="zh-CN" sz="1400" kern="100">
+                          <a:solidFill>
+                            <a:schemeClr val="bg1"/>
+                          </a:solidFill>
+                          <a:effectLst/>
+                        </a:rPr>
+                        <a:t>年龄</a:t>
+                      </a:r>
+                      <a:endParaRPr lang="zh-CN" sz="1400" kern="100">
+                        <a:solidFill>
+                          <a:schemeClr val="bg1"/>
+                        </a:solidFill>
+                        <a:effectLst/>
+                        <a:latin typeface="微软雅黑" panose="020B0503020204020204" pitchFamily="34" charset="-122"/>
+                        <a:ea typeface="微软雅黑" panose="020B0503020204020204" pitchFamily="34" charset="-122"/>
+                        <a:cs typeface="Times New Roman" panose="02020603050405020304" pitchFamily="18" charset="0"/>
+                      </a:endParaRPr>
+                    </a:p>
+                  </a:txBody>
+                  <a:tcPr marL="68580" marR="68580" marT="0" marB="0" anchor="ctr"/>
+                </a:tc>
+                <a:tc>
+                  <a:txBody>
+                    <a:bodyPr/>
+                    <a:lstStyle/>
+                    <a:p>
+                      <a:pPr algn="ctr">
+                        <a:spcAft>
+                          <a:spcPts val="0"/>
+                        </a:spcAft>
+                      </a:pPr>
+                      <a:r>
+                        <a:rPr lang="zh-CN" sz="1400" kern="100" dirty="0">
+                          <a:solidFill>
+                            <a:schemeClr val="bg1"/>
+                          </a:solidFill>
+                          <a:effectLst/>
+                        </a:rPr>
+                        <a:t>身高（</a:t>
+                      </a:r>
+                      <a:r>
+                        <a:rPr lang="en-US" sz="1400" kern="100" dirty="0">
+                          <a:solidFill>
+                            <a:schemeClr val="bg1"/>
+                          </a:solidFill>
+                          <a:effectLst/>
+                        </a:rPr>
+                        <a:t>cm</a:t>
+                      </a:r>
+                      <a:r>
+                        <a:rPr lang="zh-CN" sz="1400" kern="100" dirty="0">
+                          <a:solidFill>
+                            <a:schemeClr val="bg1"/>
+                          </a:solidFill>
+                          <a:effectLst/>
+                        </a:rPr>
+                        <a:t>）</a:t>
+                      </a:r>
+                      <a:endParaRPr lang="zh-CN" sz="1400" kern="100" dirty="0">
+                        <a:solidFill>
+                          <a:schemeClr val="bg1"/>
+                        </a:solidFill>
+                        <a:effectLst/>
+                        <a:latin typeface="微软雅黑" panose="020B0503020204020204" pitchFamily="34" charset="-122"/>
+                        <a:ea typeface="微软雅黑" panose="020B0503020204020204" pitchFamily="34" charset="-122"/>
+                        <a:cs typeface="Times New Roman" panose="02020603050405020304" pitchFamily="18" charset="0"/>
+                      </a:endParaRPr>
+                    </a:p>
+                  </a:txBody>
+                  <a:tcPr marL="68580" marR="68580" marT="0" marB="0" anchor="ctr"/>
+                </a:tc>
+                <a:tc>
+                  <a:txBody>
+                    <a:bodyPr/>
+                    <a:lstStyle/>
+                    <a:p>
+                      <a:pPr algn="ctr">
+                        <a:spcAft>
+                          <a:spcPts val="0"/>
+                        </a:spcAft>
+                      </a:pPr>
+                      <a:r>
+                        <a:rPr lang="zh-CN" sz="1400" kern="100">
+                          <a:solidFill>
+                            <a:schemeClr val="bg1"/>
+                          </a:solidFill>
+                          <a:effectLst/>
+                        </a:rPr>
+                        <a:t>体重（</a:t>
+                      </a:r>
+                      <a:r>
+                        <a:rPr lang="en-US" sz="1400" kern="100">
+                          <a:solidFill>
+                            <a:schemeClr val="bg1"/>
+                          </a:solidFill>
+                          <a:effectLst/>
+                        </a:rPr>
+                        <a:t>Kg</a:t>
+                      </a:r>
+                      <a:r>
+                        <a:rPr lang="zh-CN" sz="1400" kern="100">
+                          <a:solidFill>
+                            <a:schemeClr val="bg1"/>
+                          </a:solidFill>
+                          <a:effectLst/>
+                        </a:rPr>
+                        <a:t>）</a:t>
+                      </a:r>
+                      <a:endParaRPr lang="zh-CN" sz="1400" kern="100">
+                        <a:solidFill>
+                          <a:schemeClr val="bg1"/>
+                        </a:solidFill>
+                        <a:effectLst/>
+                        <a:latin typeface="微软雅黑" panose="020B0503020204020204" pitchFamily="34" charset="-122"/>
+                        <a:ea typeface="微软雅黑" panose="020B0503020204020204" pitchFamily="34" charset="-122"/>
+                        <a:cs typeface="Times New Roman" panose="02020603050405020304" pitchFamily="18" charset="0"/>
+                      </a:endParaRPr>
+                    </a:p>
+                  </a:txBody>
+                  <a:tcPr marL="68580" marR="68580" marT="0" marB="0" anchor="ctr"/>
+                </a:tc>
+                <a:extLst>
+                  <a:ext uri="{0D108BD9-81ED-4DB2-BD59-A6C34878D82A}">
+                    <a16:rowId xmlns:a16="http://schemas.microsoft.com/office/drawing/2014/main" val="30294977"/>
+                  </a:ext>
+                </a:extLst>
+              </a:tr>
+              <a:tr h="470689">
+                <a:tc>
+                  <a:txBody>
+                    <a:bodyPr/>
+                    <a:lstStyle/>
+                    <a:p>
+                      <a:pPr algn="ctr">
+                        <a:spcAft>
+                          <a:spcPts val="0"/>
+                        </a:spcAft>
+                      </a:pPr>
+                      <a:r>
+                        <a:rPr lang="zh-CN" sz="1400" kern="100">
+                          <a:solidFill>
+                            <a:schemeClr val="bg1"/>
+                          </a:solidFill>
+                          <a:effectLst/>
+                        </a:rPr>
+                        <a:t>吉鲁</a:t>
+                      </a:r>
+                      <a:endParaRPr lang="zh-CN" sz="1400" kern="100">
+                        <a:solidFill>
+                          <a:schemeClr val="bg1"/>
+                        </a:solidFill>
+                        <a:effectLst/>
+                        <a:latin typeface="微软雅黑" panose="020B0503020204020204" pitchFamily="34" charset="-122"/>
+                        <a:ea typeface="微软雅黑" panose="020B0503020204020204" pitchFamily="34" charset="-122"/>
+                        <a:cs typeface="Times New Roman" panose="02020603050405020304" pitchFamily="18" charset="0"/>
+                      </a:endParaRPr>
+                    </a:p>
+                  </a:txBody>
+                  <a:tcPr marL="68580" marR="68580" marT="0" marB="0" anchor="ctr"/>
+                </a:tc>
+                <a:tc>
+                  <a:txBody>
+                    <a:bodyPr/>
+                    <a:lstStyle/>
+                    <a:p>
+                      <a:pPr algn="ctr">
+                        <a:spcAft>
+                          <a:spcPts val="0"/>
+                        </a:spcAft>
+                      </a:pPr>
+                      <a:r>
+                        <a:rPr lang="en-US" sz="1400" kern="100" dirty="0">
+                          <a:solidFill>
+                            <a:schemeClr val="bg1"/>
+                          </a:solidFill>
+                          <a:effectLst/>
+                        </a:rPr>
+                        <a:t>9</a:t>
+                      </a:r>
+                      <a:endParaRPr lang="zh-CN" sz="1400" kern="100" dirty="0">
+                        <a:solidFill>
+                          <a:schemeClr val="bg1"/>
+                        </a:solidFill>
+                        <a:effectLst/>
+                        <a:latin typeface="微软雅黑" panose="020B0503020204020204" pitchFamily="34" charset="-122"/>
+                        <a:ea typeface="微软雅黑" panose="020B0503020204020204" pitchFamily="34" charset="-122"/>
+                        <a:cs typeface="Times New Roman" panose="02020603050405020304" pitchFamily="18" charset="0"/>
+                      </a:endParaRPr>
+                    </a:p>
+                  </a:txBody>
+                  <a:tcPr marL="68580" marR="68580" marT="0" marB="0" anchor="ctr"/>
+                </a:tc>
+                <a:tc>
+                  <a:txBody>
+                    <a:bodyPr/>
+                    <a:lstStyle/>
+                    <a:p>
+                      <a:pPr algn="ctr">
+                        <a:spcAft>
+                          <a:spcPts val="0"/>
+                        </a:spcAft>
+                      </a:pPr>
+                      <a:r>
+                        <a:rPr lang="en-US" sz="1400" kern="100" dirty="0">
+                          <a:solidFill>
+                            <a:schemeClr val="bg1"/>
+                          </a:solidFill>
+                          <a:effectLst/>
+                        </a:rPr>
+                        <a:t>32</a:t>
+                      </a:r>
+                      <a:endParaRPr lang="zh-CN" sz="1400" kern="100" dirty="0">
+                        <a:solidFill>
+                          <a:schemeClr val="bg1"/>
+                        </a:solidFill>
+                        <a:effectLst/>
+                        <a:latin typeface="微软雅黑" panose="020B0503020204020204" pitchFamily="34" charset="-122"/>
+                        <a:ea typeface="微软雅黑" panose="020B0503020204020204" pitchFamily="34" charset="-122"/>
+                        <a:cs typeface="Times New Roman" panose="02020603050405020304" pitchFamily="18" charset="0"/>
+                      </a:endParaRPr>
+                    </a:p>
+                  </a:txBody>
+                  <a:tcPr marL="68580" marR="68580" marT="0" marB="0" anchor="ctr"/>
+                </a:tc>
+                <a:tc>
+                  <a:txBody>
+                    <a:bodyPr/>
+                    <a:lstStyle/>
+                    <a:p>
+                      <a:pPr algn="ctr">
+                        <a:spcAft>
+                          <a:spcPts val="0"/>
+                        </a:spcAft>
+                      </a:pPr>
+                      <a:r>
+                        <a:rPr lang="en-US" sz="1400" kern="100">
+                          <a:solidFill>
+                            <a:schemeClr val="bg1"/>
+                          </a:solidFill>
+                          <a:effectLst/>
+                        </a:rPr>
+                        <a:t>193</a:t>
+                      </a:r>
+                      <a:endParaRPr lang="zh-CN" sz="1400" kern="100">
+                        <a:solidFill>
+                          <a:schemeClr val="bg1"/>
+                        </a:solidFill>
+                        <a:effectLst/>
+                        <a:latin typeface="微软雅黑" panose="020B0503020204020204" pitchFamily="34" charset="-122"/>
+                        <a:ea typeface="微软雅黑" panose="020B0503020204020204" pitchFamily="34" charset="-122"/>
+                        <a:cs typeface="Times New Roman" panose="02020603050405020304" pitchFamily="18" charset="0"/>
+                      </a:endParaRPr>
+                    </a:p>
+                  </a:txBody>
+                  <a:tcPr marL="68580" marR="68580" marT="0" marB="0" anchor="ctr"/>
+                </a:tc>
+                <a:tc>
+                  <a:txBody>
+                    <a:bodyPr/>
+                    <a:lstStyle/>
+                    <a:p>
+                      <a:pPr algn="ctr">
+                        <a:spcAft>
+                          <a:spcPts val="0"/>
+                        </a:spcAft>
+                      </a:pPr>
+                      <a:r>
+                        <a:rPr lang="en-US" sz="1400" kern="100">
+                          <a:solidFill>
+                            <a:schemeClr val="bg1"/>
+                          </a:solidFill>
+                          <a:effectLst/>
+                        </a:rPr>
+                        <a:t>91</a:t>
+                      </a:r>
+                      <a:endParaRPr lang="zh-CN" sz="1400" kern="100">
+                        <a:solidFill>
+                          <a:schemeClr val="bg1"/>
+                        </a:solidFill>
+                        <a:effectLst/>
+                        <a:latin typeface="微软雅黑" panose="020B0503020204020204" pitchFamily="34" charset="-122"/>
+                        <a:ea typeface="微软雅黑" panose="020B0503020204020204" pitchFamily="34" charset="-122"/>
+                        <a:cs typeface="Times New Roman" panose="02020603050405020304" pitchFamily="18" charset="0"/>
+                      </a:endParaRPr>
+                    </a:p>
+                  </a:txBody>
+                  <a:tcPr marL="68580" marR="68580" marT="0" marB="0" anchor="ctr"/>
+                </a:tc>
+                <a:extLst>
+                  <a:ext uri="{0D108BD9-81ED-4DB2-BD59-A6C34878D82A}">
+                    <a16:rowId xmlns:a16="http://schemas.microsoft.com/office/drawing/2014/main" val="126508932"/>
+                  </a:ext>
+                </a:extLst>
+              </a:tr>
+              <a:tr h="470689">
+                <a:tc>
+                  <a:txBody>
+                    <a:bodyPr/>
+                    <a:lstStyle/>
+                    <a:p>
+                      <a:pPr algn="ctr">
+                        <a:spcAft>
+                          <a:spcPts val="0"/>
+                        </a:spcAft>
+                      </a:pPr>
+                      <a:r>
+                        <a:rPr lang="zh-CN" sz="1400" kern="100" dirty="0">
+                          <a:solidFill>
+                            <a:schemeClr val="bg1"/>
+                          </a:solidFill>
+                          <a:effectLst/>
+                        </a:rPr>
+                        <a:t>格列兹曼</a:t>
+                      </a:r>
+                      <a:endParaRPr lang="zh-CN" sz="1400" kern="100" dirty="0">
+                        <a:solidFill>
+                          <a:schemeClr val="bg1"/>
+                        </a:solidFill>
+                        <a:effectLst/>
+                        <a:latin typeface="微软雅黑" panose="020B0503020204020204" pitchFamily="34" charset="-122"/>
+                        <a:ea typeface="微软雅黑" panose="020B0503020204020204" pitchFamily="34" charset="-122"/>
+                        <a:cs typeface="Times New Roman" panose="02020603050405020304" pitchFamily="18" charset="0"/>
+                      </a:endParaRPr>
+                    </a:p>
+                  </a:txBody>
+                  <a:tcPr marL="68580" marR="68580" marT="0" marB="0" anchor="ctr"/>
+                </a:tc>
+                <a:tc>
+                  <a:txBody>
+                    <a:bodyPr/>
+                    <a:lstStyle/>
+                    <a:p>
+                      <a:pPr algn="ctr">
+                        <a:spcAft>
+                          <a:spcPts val="0"/>
+                        </a:spcAft>
+                      </a:pPr>
+                      <a:r>
+                        <a:rPr lang="en-US" sz="1400" kern="100">
+                          <a:solidFill>
+                            <a:schemeClr val="bg1"/>
+                          </a:solidFill>
+                          <a:effectLst/>
+                        </a:rPr>
+                        <a:t>7</a:t>
+                      </a:r>
+                      <a:endParaRPr lang="zh-CN" sz="1400" kern="100">
+                        <a:solidFill>
+                          <a:schemeClr val="bg1"/>
+                        </a:solidFill>
+                        <a:effectLst/>
+                        <a:latin typeface="微软雅黑" panose="020B0503020204020204" pitchFamily="34" charset="-122"/>
+                        <a:ea typeface="微软雅黑" panose="020B0503020204020204" pitchFamily="34" charset="-122"/>
+                        <a:cs typeface="Times New Roman" panose="02020603050405020304" pitchFamily="18" charset="0"/>
+                      </a:endParaRPr>
+                    </a:p>
+                  </a:txBody>
+                  <a:tcPr marL="68580" marR="68580" marT="0" marB="0" anchor="ctr"/>
+                </a:tc>
+                <a:tc>
+                  <a:txBody>
+                    <a:bodyPr/>
+                    <a:lstStyle/>
+                    <a:p>
+                      <a:pPr algn="ctr">
+                        <a:spcAft>
+                          <a:spcPts val="0"/>
+                        </a:spcAft>
+                      </a:pPr>
+                      <a:r>
+                        <a:rPr lang="en-US" sz="1400" kern="100" dirty="0">
+                          <a:solidFill>
+                            <a:schemeClr val="bg1"/>
+                          </a:solidFill>
+                          <a:effectLst/>
+                        </a:rPr>
+                        <a:t>27</a:t>
+                      </a:r>
+                      <a:endParaRPr lang="zh-CN" sz="1400" kern="100" dirty="0">
+                        <a:solidFill>
+                          <a:schemeClr val="bg1"/>
+                        </a:solidFill>
+                        <a:effectLst/>
+                        <a:latin typeface="微软雅黑" panose="020B0503020204020204" pitchFamily="34" charset="-122"/>
+                        <a:ea typeface="微软雅黑" panose="020B0503020204020204" pitchFamily="34" charset="-122"/>
+                        <a:cs typeface="Times New Roman" panose="02020603050405020304" pitchFamily="18" charset="0"/>
+                      </a:endParaRPr>
+                    </a:p>
+                  </a:txBody>
+                  <a:tcPr marL="68580" marR="68580" marT="0" marB="0" anchor="ctr"/>
+                </a:tc>
+                <a:tc>
+                  <a:txBody>
+                    <a:bodyPr/>
+                    <a:lstStyle/>
+                    <a:p>
+                      <a:pPr algn="ctr">
+                        <a:spcAft>
+                          <a:spcPts val="0"/>
+                        </a:spcAft>
+                      </a:pPr>
+                      <a:r>
+                        <a:rPr lang="en-US" sz="1400" kern="100">
+                          <a:solidFill>
+                            <a:schemeClr val="bg1"/>
+                          </a:solidFill>
+                          <a:effectLst/>
+                        </a:rPr>
+                        <a:t>174</a:t>
+                      </a:r>
+                      <a:endParaRPr lang="zh-CN" sz="1400" kern="100">
+                        <a:solidFill>
+                          <a:schemeClr val="bg1"/>
+                        </a:solidFill>
+                        <a:effectLst/>
+                        <a:latin typeface="微软雅黑" panose="020B0503020204020204" pitchFamily="34" charset="-122"/>
+                        <a:ea typeface="微软雅黑" panose="020B0503020204020204" pitchFamily="34" charset="-122"/>
+                        <a:cs typeface="Times New Roman" panose="02020603050405020304" pitchFamily="18" charset="0"/>
+                      </a:endParaRPr>
+                    </a:p>
+                  </a:txBody>
+                  <a:tcPr marL="68580" marR="68580" marT="0" marB="0" anchor="ctr"/>
+                </a:tc>
+                <a:tc>
+                  <a:txBody>
+                    <a:bodyPr/>
+                    <a:lstStyle/>
+                    <a:p>
+                      <a:pPr algn="ctr">
+                        <a:spcAft>
+                          <a:spcPts val="0"/>
+                        </a:spcAft>
+                      </a:pPr>
+                      <a:r>
+                        <a:rPr lang="en-US" sz="1400" kern="100" dirty="0">
+                          <a:solidFill>
+                            <a:schemeClr val="bg1"/>
+                          </a:solidFill>
+                          <a:effectLst/>
+                        </a:rPr>
+                        <a:t>72</a:t>
+                      </a:r>
+                      <a:endParaRPr lang="zh-CN" sz="1400" kern="100" dirty="0">
+                        <a:solidFill>
+                          <a:schemeClr val="bg1"/>
+                        </a:solidFill>
+                        <a:effectLst/>
+                        <a:latin typeface="微软雅黑" panose="020B0503020204020204" pitchFamily="34" charset="-122"/>
+                        <a:ea typeface="微软雅黑" panose="020B0503020204020204" pitchFamily="34" charset="-122"/>
+                        <a:cs typeface="Times New Roman" panose="02020603050405020304" pitchFamily="18" charset="0"/>
+                      </a:endParaRPr>
+                    </a:p>
+                  </a:txBody>
+                  <a:tcPr marL="68580" marR="68580" marT="0" marB="0" anchor="ctr"/>
+                </a:tc>
+                <a:extLst>
+                  <a:ext uri="{0D108BD9-81ED-4DB2-BD59-A6C34878D82A}">
+                    <a16:rowId xmlns:a16="http://schemas.microsoft.com/office/drawing/2014/main" val="3651391707"/>
+                  </a:ext>
+                </a:extLst>
+              </a:tr>
+              <a:tr h="470689">
+                <a:tc>
+                  <a:txBody>
+                    <a:bodyPr/>
+                    <a:lstStyle/>
+                    <a:p>
+                      <a:pPr algn="ctr">
+                        <a:spcAft>
+                          <a:spcPts val="0"/>
+                        </a:spcAft>
+                      </a:pPr>
+                      <a:r>
+                        <a:rPr lang="zh-CN" sz="1400" kern="100">
+                          <a:solidFill>
+                            <a:schemeClr val="bg1"/>
+                          </a:solidFill>
+                          <a:effectLst/>
+                        </a:rPr>
+                        <a:t>博格巴</a:t>
+                      </a:r>
+                      <a:endParaRPr lang="zh-CN" sz="1400" kern="100">
+                        <a:solidFill>
+                          <a:schemeClr val="bg1"/>
+                        </a:solidFill>
+                        <a:effectLst/>
+                        <a:latin typeface="微软雅黑" panose="020B0503020204020204" pitchFamily="34" charset="-122"/>
+                        <a:ea typeface="微软雅黑" panose="020B0503020204020204" pitchFamily="34" charset="-122"/>
+                        <a:cs typeface="Times New Roman" panose="02020603050405020304" pitchFamily="18" charset="0"/>
+                      </a:endParaRPr>
+                    </a:p>
+                  </a:txBody>
+                  <a:tcPr marL="68580" marR="68580" marT="0" marB="0" anchor="ctr"/>
+                </a:tc>
+                <a:tc>
+                  <a:txBody>
+                    <a:bodyPr/>
+                    <a:lstStyle/>
+                    <a:p>
+                      <a:pPr algn="ctr">
+                        <a:spcAft>
+                          <a:spcPts val="0"/>
+                        </a:spcAft>
+                      </a:pPr>
+                      <a:r>
+                        <a:rPr lang="en-US" sz="1400" kern="100">
+                          <a:solidFill>
+                            <a:schemeClr val="bg1"/>
+                          </a:solidFill>
+                          <a:effectLst/>
+                        </a:rPr>
+                        <a:t>8</a:t>
+                      </a:r>
+                      <a:endParaRPr lang="zh-CN" sz="1400" kern="100">
+                        <a:solidFill>
+                          <a:schemeClr val="bg1"/>
+                        </a:solidFill>
+                        <a:effectLst/>
+                        <a:latin typeface="微软雅黑" panose="020B0503020204020204" pitchFamily="34" charset="-122"/>
+                        <a:ea typeface="微软雅黑" panose="020B0503020204020204" pitchFamily="34" charset="-122"/>
+                        <a:cs typeface="Times New Roman" panose="02020603050405020304" pitchFamily="18" charset="0"/>
+                      </a:endParaRPr>
+                    </a:p>
+                  </a:txBody>
+                  <a:tcPr marL="68580" marR="68580" marT="0" marB="0" anchor="ctr"/>
+                </a:tc>
+                <a:tc>
+                  <a:txBody>
+                    <a:bodyPr/>
+                    <a:lstStyle/>
+                    <a:p>
+                      <a:pPr algn="ctr">
+                        <a:spcAft>
+                          <a:spcPts val="0"/>
+                        </a:spcAft>
+                      </a:pPr>
+                      <a:r>
+                        <a:rPr lang="en-US" sz="1400" kern="100">
+                          <a:solidFill>
+                            <a:schemeClr val="bg1"/>
+                          </a:solidFill>
+                          <a:effectLst/>
+                        </a:rPr>
+                        <a:t>25</a:t>
+                      </a:r>
+                      <a:endParaRPr lang="zh-CN" sz="1400" kern="100">
+                        <a:solidFill>
+                          <a:schemeClr val="bg1"/>
+                        </a:solidFill>
+                        <a:effectLst/>
+                        <a:latin typeface="微软雅黑" panose="020B0503020204020204" pitchFamily="34" charset="-122"/>
+                        <a:ea typeface="微软雅黑" panose="020B0503020204020204" pitchFamily="34" charset="-122"/>
+                        <a:cs typeface="Times New Roman" panose="02020603050405020304" pitchFamily="18" charset="0"/>
+                      </a:endParaRPr>
+                    </a:p>
+                  </a:txBody>
+                  <a:tcPr marL="68580" marR="68580" marT="0" marB="0" anchor="ctr"/>
+                </a:tc>
+                <a:tc>
+                  <a:txBody>
+                    <a:bodyPr/>
+                    <a:lstStyle/>
+                    <a:p>
+                      <a:pPr algn="ctr">
+                        <a:spcAft>
+                          <a:spcPts val="0"/>
+                        </a:spcAft>
+                      </a:pPr>
+                      <a:r>
+                        <a:rPr lang="en-US" sz="1400" kern="100" dirty="0">
+                          <a:solidFill>
+                            <a:schemeClr val="bg1"/>
+                          </a:solidFill>
+                          <a:effectLst/>
+                        </a:rPr>
+                        <a:t>191</a:t>
+                      </a:r>
+                      <a:endParaRPr lang="zh-CN" sz="1400" kern="100" dirty="0">
+                        <a:solidFill>
+                          <a:schemeClr val="bg1"/>
+                        </a:solidFill>
+                        <a:effectLst/>
+                        <a:latin typeface="微软雅黑" panose="020B0503020204020204" pitchFamily="34" charset="-122"/>
+                        <a:ea typeface="微软雅黑" panose="020B0503020204020204" pitchFamily="34" charset="-122"/>
+                        <a:cs typeface="Times New Roman" panose="02020603050405020304" pitchFamily="18" charset="0"/>
+                      </a:endParaRPr>
+                    </a:p>
+                  </a:txBody>
+                  <a:tcPr marL="68580" marR="68580" marT="0" marB="0" anchor="ctr"/>
+                </a:tc>
+                <a:tc>
+                  <a:txBody>
+                    <a:bodyPr/>
+                    <a:lstStyle/>
+                    <a:p>
+                      <a:pPr algn="ctr">
+                        <a:spcAft>
+                          <a:spcPts val="0"/>
+                        </a:spcAft>
+                      </a:pPr>
+                      <a:r>
+                        <a:rPr lang="en-US" sz="1400" kern="100" dirty="0">
+                          <a:solidFill>
+                            <a:schemeClr val="bg1"/>
+                          </a:solidFill>
+                          <a:effectLst/>
+                        </a:rPr>
+                        <a:t>86</a:t>
+                      </a:r>
+                      <a:endParaRPr lang="zh-CN" sz="1400" kern="100" dirty="0">
+                        <a:solidFill>
+                          <a:schemeClr val="bg1"/>
+                        </a:solidFill>
+                        <a:effectLst/>
+                        <a:latin typeface="微软雅黑" panose="020B0503020204020204" pitchFamily="34" charset="-122"/>
+                        <a:ea typeface="微软雅黑" panose="020B0503020204020204" pitchFamily="34" charset="-122"/>
+                        <a:cs typeface="Times New Roman" panose="02020603050405020304" pitchFamily="18" charset="0"/>
+                      </a:endParaRPr>
+                    </a:p>
+                  </a:txBody>
+                  <a:tcPr marL="68580" marR="68580" marT="0" marB="0" anchor="ctr"/>
+                </a:tc>
+                <a:extLst>
+                  <a:ext uri="{0D108BD9-81ED-4DB2-BD59-A6C34878D82A}">
+                    <a16:rowId xmlns:a16="http://schemas.microsoft.com/office/drawing/2014/main" val="3739901828"/>
+                  </a:ext>
+                </a:extLst>
+              </a:tr>
+              <a:tr h="470689">
+                <a:tc>
+                  <a:txBody>
+                    <a:bodyPr/>
+                    <a:lstStyle/>
+                    <a:p>
+                      <a:pPr algn="ctr">
+                        <a:spcAft>
+                          <a:spcPts val="0"/>
+                        </a:spcAft>
+                      </a:pPr>
+                      <a:r>
+                        <a:rPr lang="zh-CN" sz="1400" kern="100">
+                          <a:solidFill>
+                            <a:schemeClr val="bg1"/>
+                          </a:solidFill>
+                          <a:effectLst/>
+                        </a:rPr>
+                        <a:t>坎特</a:t>
+                      </a:r>
+                      <a:endParaRPr lang="zh-CN" sz="1400" kern="100">
+                        <a:solidFill>
+                          <a:schemeClr val="bg1"/>
+                        </a:solidFill>
+                        <a:effectLst/>
+                        <a:latin typeface="微软雅黑" panose="020B0503020204020204" pitchFamily="34" charset="-122"/>
+                        <a:ea typeface="微软雅黑" panose="020B0503020204020204" pitchFamily="34" charset="-122"/>
+                        <a:cs typeface="Times New Roman" panose="02020603050405020304" pitchFamily="18" charset="0"/>
+                      </a:endParaRPr>
+                    </a:p>
+                  </a:txBody>
+                  <a:tcPr marL="68580" marR="68580" marT="0" marB="0" anchor="ctr"/>
+                </a:tc>
+                <a:tc>
+                  <a:txBody>
+                    <a:bodyPr/>
+                    <a:lstStyle/>
+                    <a:p>
+                      <a:pPr algn="ctr">
+                        <a:spcAft>
+                          <a:spcPts val="0"/>
+                        </a:spcAft>
+                      </a:pPr>
+                      <a:r>
+                        <a:rPr lang="en-US" sz="1400" kern="100">
+                          <a:solidFill>
+                            <a:schemeClr val="bg1"/>
+                          </a:solidFill>
+                          <a:effectLst/>
+                        </a:rPr>
+                        <a:t>13</a:t>
+                      </a:r>
+                      <a:endParaRPr lang="zh-CN" sz="1400" kern="100">
+                        <a:solidFill>
+                          <a:schemeClr val="bg1"/>
+                        </a:solidFill>
+                        <a:effectLst/>
+                        <a:latin typeface="微软雅黑" panose="020B0503020204020204" pitchFamily="34" charset="-122"/>
+                        <a:ea typeface="微软雅黑" panose="020B0503020204020204" pitchFamily="34" charset="-122"/>
+                        <a:cs typeface="Times New Roman" panose="02020603050405020304" pitchFamily="18" charset="0"/>
+                      </a:endParaRPr>
+                    </a:p>
+                  </a:txBody>
+                  <a:tcPr marL="68580" marR="68580" marT="0" marB="0" anchor="ctr"/>
+                </a:tc>
+                <a:tc>
+                  <a:txBody>
+                    <a:bodyPr/>
+                    <a:lstStyle/>
+                    <a:p>
+                      <a:pPr algn="ctr">
+                        <a:spcAft>
+                          <a:spcPts val="0"/>
+                        </a:spcAft>
+                      </a:pPr>
+                      <a:r>
+                        <a:rPr lang="en-US" sz="1400" kern="100">
+                          <a:solidFill>
+                            <a:schemeClr val="bg1"/>
+                          </a:solidFill>
+                          <a:effectLst/>
+                        </a:rPr>
+                        <a:t>27</a:t>
+                      </a:r>
+                      <a:endParaRPr lang="zh-CN" sz="1400" kern="100">
+                        <a:solidFill>
+                          <a:schemeClr val="bg1"/>
+                        </a:solidFill>
+                        <a:effectLst/>
+                        <a:latin typeface="微软雅黑" panose="020B0503020204020204" pitchFamily="34" charset="-122"/>
+                        <a:ea typeface="微软雅黑" panose="020B0503020204020204" pitchFamily="34" charset="-122"/>
+                        <a:cs typeface="Times New Roman" panose="02020603050405020304" pitchFamily="18" charset="0"/>
+                      </a:endParaRPr>
+                    </a:p>
+                  </a:txBody>
+                  <a:tcPr marL="68580" marR="68580" marT="0" marB="0" anchor="ctr"/>
+                </a:tc>
+                <a:tc>
+                  <a:txBody>
+                    <a:bodyPr/>
+                    <a:lstStyle/>
+                    <a:p>
+                      <a:pPr algn="ctr">
+                        <a:spcAft>
+                          <a:spcPts val="0"/>
+                        </a:spcAft>
+                      </a:pPr>
+                      <a:r>
+                        <a:rPr lang="en-US" sz="1400" kern="100">
+                          <a:solidFill>
+                            <a:schemeClr val="bg1"/>
+                          </a:solidFill>
+                          <a:effectLst/>
+                        </a:rPr>
+                        <a:t>168</a:t>
+                      </a:r>
+                      <a:endParaRPr lang="zh-CN" sz="1400" kern="100">
+                        <a:solidFill>
+                          <a:schemeClr val="bg1"/>
+                        </a:solidFill>
+                        <a:effectLst/>
+                        <a:latin typeface="微软雅黑" panose="020B0503020204020204" pitchFamily="34" charset="-122"/>
+                        <a:ea typeface="微软雅黑" panose="020B0503020204020204" pitchFamily="34" charset="-122"/>
+                        <a:cs typeface="Times New Roman" panose="02020603050405020304" pitchFamily="18" charset="0"/>
+                      </a:endParaRPr>
+                    </a:p>
+                  </a:txBody>
+                  <a:tcPr marL="68580" marR="68580" marT="0" marB="0" anchor="ctr"/>
+                </a:tc>
+                <a:tc>
+                  <a:txBody>
+                    <a:bodyPr/>
+                    <a:lstStyle/>
+                    <a:p>
+                      <a:pPr algn="ctr">
+                        <a:spcAft>
+                          <a:spcPts val="0"/>
+                        </a:spcAft>
+                      </a:pPr>
+                      <a:r>
+                        <a:rPr lang="en-US" sz="1400" kern="100">
+                          <a:solidFill>
+                            <a:schemeClr val="bg1"/>
+                          </a:solidFill>
+                          <a:effectLst/>
+                        </a:rPr>
+                        <a:t>70</a:t>
+                      </a:r>
+                      <a:endParaRPr lang="zh-CN" sz="1400" kern="100">
+                        <a:solidFill>
+                          <a:schemeClr val="bg1"/>
+                        </a:solidFill>
+                        <a:effectLst/>
+                        <a:latin typeface="微软雅黑" panose="020B0503020204020204" pitchFamily="34" charset="-122"/>
+                        <a:ea typeface="微软雅黑" panose="020B0503020204020204" pitchFamily="34" charset="-122"/>
+                        <a:cs typeface="Times New Roman" panose="02020603050405020304" pitchFamily="18" charset="0"/>
+                      </a:endParaRPr>
+                    </a:p>
+                  </a:txBody>
+                  <a:tcPr marL="68580" marR="68580" marT="0" marB="0" anchor="ctr"/>
+                </a:tc>
+                <a:extLst>
+                  <a:ext uri="{0D108BD9-81ED-4DB2-BD59-A6C34878D82A}">
+                    <a16:rowId xmlns:a16="http://schemas.microsoft.com/office/drawing/2014/main" val="2408742399"/>
+                  </a:ext>
+                </a:extLst>
+              </a:tr>
+              <a:tr h="470689">
+                <a:tc>
+                  <a:txBody>
+                    <a:bodyPr/>
+                    <a:lstStyle/>
+                    <a:p>
+                      <a:pPr algn="ctr">
+                        <a:spcAft>
+                          <a:spcPts val="0"/>
+                        </a:spcAft>
+                      </a:pPr>
+                      <a:r>
+                        <a:rPr lang="zh-CN" sz="1400" kern="100" dirty="0">
+                          <a:solidFill>
+                            <a:schemeClr val="bg1"/>
+                          </a:solidFill>
+                          <a:effectLst/>
+                        </a:rPr>
+                        <a:t>姆巴佩</a:t>
+                      </a:r>
+                      <a:endParaRPr lang="zh-CN" sz="1400" kern="100" dirty="0">
+                        <a:solidFill>
+                          <a:schemeClr val="bg1"/>
+                        </a:solidFill>
+                        <a:effectLst/>
+                        <a:latin typeface="微软雅黑" panose="020B0503020204020204" pitchFamily="34" charset="-122"/>
+                        <a:ea typeface="微软雅黑" panose="020B0503020204020204" pitchFamily="34" charset="-122"/>
+                        <a:cs typeface="Times New Roman" panose="02020603050405020304" pitchFamily="18" charset="0"/>
+                      </a:endParaRPr>
+                    </a:p>
+                  </a:txBody>
+                  <a:tcPr marL="68580" marR="68580" marT="0" marB="0" anchor="ctr"/>
+                </a:tc>
+                <a:tc>
+                  <a:txBody>
+                    <a:bodyPr/>
+                    <a:lstStyle/>
+                    <a:p>
+                      <a:pPr algn="ctr">
+                        <a:spcAft>
+                          <a:spcPts val="0"/>
+                        </a:spcAft>
+                      </a:pPr>
+                      <a:r>
+                        <a:rPr lang="en-US" sz="1400" kern="100">
+                          <a:solidFill>
+                            <a:schemeClr val="bg1"/>
+                          </a:solidFill>
+                          <a:effectLst/>
+                        </a:rPr>
+                        <a:t>10</a:t>
+                      </a:r>
+                      <a:endParaRPr lang="zh-CN" sz="1400" kern="100">
+                        <a:solidFill>
+                          <a:schemeClr val="bg1"/>
+                        </a:solidFill>
+                        <a:effectLst/>
+                        <a:latin typeface="微软雅黑" panose="020B0503020204020204" pitchFamily="34" charset="-122"/>
+                        <a:ea typeface="微软雅黑" panose="020B0503020204020204" pitchFamily="34" charset="-122"/>
+                        <a:cs typeface="Times New Roman" panose="02020603050405020304" pitchFamily="18" charset="0"/>
+                      </a:endParaRPr>
+                    </a:p>
+                  </a:txBody>
+                  <a:tcPr marL="68580" marR="68580" marT="0" marB="0" anchor="ctr"/>
+                </a:tc>
+                <a:tc>
+                  <a:txBody>
+                    <a:bodyPr/>
+                    <a:lstStyle/>
+                    <a:p>
+                      <a:pPr algn="ctr">
+                        <a:spcAft>
+                          <a:spcPts val="0"/>
+                        </a:spcAft>
+                      </a:pPr>
+                      <a:r>
+                        <a:rPr lang="en-US" sz="1400" kern="100">
+                          <a:solidFill>
+                            <a:schemeClr val="bg1"/>
+                          </a:solidFill>
+                          <a:effectLst/>
+                        </a:rPr>
+                        <a:t>20</a:t>
+                      </a:r>
+                      <a:endParaRPr lang="zh-CN" sz="1400" kern="100">
+                        <a:solidFill>
+                          <a:schemeClr val="bg1"/>
+                        </a:solidFill>
+                        <a:effectLst/>
+                        <a:latin typeface="微软雅黑" panose="020B0503020204020204" pitchFamily="34" charset="-122"/>
+                        <a:ea typeface="微软雅黑" panose="020B0503020204020204" pitchFamily="34" charset="-122"/>
+                        <a:cs typeface="Times New Roman" panose="02020603050405020304" pitchFamily="18" charset="0"/>
+                      </a:endParaRPr>
+                    </a:p>
+                  </a:txBody>
+                  <a:tcPr marL="68580" marR="68580" marT="0" marB="0" anchor="ctr"/>
+                </a:tc>
+                <a:tc>
+                  <a:txBody>
+                    <a:bodyPr/>
+                    <a:lstStyle/>
+                    <a:p>
+                      <a:pPr algn="ctr">
+                        <a:spcAft>
+                          <a:spcPts val="0"/>
+                        </a:spcAft>
+                      </a:pPr>
+                      <a:r>
+                        <a:rPr lang="en-US" sz="1400" kern="100">
+                          <a:solidFill>
+                            <a:schemeClr val="bg1"/>
+                          </a:solidFill>
+                          <a:effectLst/>
+                        </a:rPr>
+                        <a:t>178</a:t>
+                      </a:r>
+                      <a:endParaRPr lang="zh-CN" sz="1400" kern="100">
+                        <a:solidFill>
+                          <a:schemeClr val="bg1"/>
+                        </a:solidFill>
+                        <a:effectLst/>
+                        <a:latin typeface="微软雅黑" panose="020B0503020204020204" pitchFamily="34" charset="-122"/>
+                        <a:ea typeface="微软雅黑" panose="020B0503020204020204" pitchFamily="34" charset="-122"/>
+                        <a:cs typeface="Times New Roman" panose="02020603050405020304" pitchFamily="18" charset="0"/>
+                      </a:endParaRPr>
+                    </a:p>
+                  </a:txBody>
+                  <a:tcPr marL="68580" marR="68580" marT="0" marB="0" anchor="ctr"/>
+                </a:tc>
+                <a:tc>
+                  <a:txBody>
+                    <a:bodyPr/>
+                    <a:lstStyle/>
+                    <a:p>
+                      <a:pPr algn="ctr">
+                        <a:spcAft>
+                          <a:spcPts val="0"/>
+                        </a:spcAft>
+                      </a:pPr>
+                      <a:r>
+                        <a:rPr lang="en-US" sz="1400" kern="100" dirty="0">
+                          <a:solidFill>
+                            <a:schemeClr val="bg1"/>
+                          </a:solidFill>
+                          <a:effectLst/>
+                        </a:rPr>
+                        <a:t>78</a:t>
+                      </a:r>
+                      <a:endParaRPr lang="zh-CN" sz="1400" kern="100" dirty="0">
+                        <a:solidFill>
+                          <a:schemeClr val="bg1"/>
+                        </a:solidFill>
+                        <a:effectLst/>
+                        <a:latin typeface="微软雅黑" panose="020B0503020204020204" pitchFamily="34" charset="-122"/>
+                        <a:ea typeface="微软雅黑" panose="020B0503020204020204" pitchFamily="34" charset="-122"/>
+                        <a:cs typeface="Times New Roman" panose="02020603050405020304" pitchFamily="18" charset="0"/>
+                      </a:endParaRPr>
+                    </a:p>
+                  </a:txBody>
+                  <a:tcPr marL="68580" marR="68580" marT="0" marB="0" anchor="ctr"/>
+                </a:tc>
+                <a:extLst>
+                  <a:ext uri="{0D108BD9-81ED-4DB2-BD59-A6C34878D82A}">
+                    <a16:rowId xmlns:a16="http://schemas.microsoft.com/office/drawing/2014/main" val="1812274403"/>
+                  </a:ext>
+                </a:extLst>
+              </a:tr>
+            </a:tbl>
+          </a:graphicData>
+        </a:graphic>
+      </p:graphicFrame>
+      <p:sp>
+        <p:nvSpPr>
+          <p:cNvPr id="14" name="箭头: 右 13">
+            <a:extLst>
+              <a:ext uri="{FF2B5EF4-FFF2-40B4-BE49-F238E27FC236}">
+                <a16:creationId xmlns:a16="http://schemas.microsoft.com/office/drawing/2014/main" id="{4ED527AE-1EBB-471D-8EF4-C9A86999D687}"/>
+              </a:ext>
+            </a:extLst>
+          </p:cNvPr>
+          <p:cNvSpPr/>
+          <p:nvPr/>
+        </p:nvSpPr>
+        <p:spPr>
+          <a:xfrm>
+            <a:off x="6816080" y="3565104"/>
+            <a:ext cx="1368152" cy="792088"/>
+          </a:xfrm>
+          <a:prstGeom prst="rightArrow">
+            <a:avLst/>
+          </a:prstGeom>
+          <a:solidFill>
+            <a:schemeClr val="bg1"/>
+          </a:solidFill>
+        </p:spPr>
+        <p:style>
+          <a:lnRef idx="2">
+            <a:schemeClr val="accent1">
+              <a:shade val="50000"/>
+            </a:schemeClr>
+          </a:lnRef>
+          <a:fillRef idx="1">
+            <a:schemeClr val="accent1"/>
+          </a:fillRef>
+          <a:effectRef idx="0">
+            <a:schemeClr val="accent1"/>
+          </a:effectRef>
+          <a:fontRef idx="minor">
+            <a:schemeClr val="lt1"/>
+          </a:fontRef>
+        </p:style>
+        <p:txBody>
+          <a:bodyPr rtlCol="0" anchor="ctr"/>
+          <a:lstStyle/>
+          <a:p>
+            <a:pPr algn="ctr"/>
+            <a:endParaRPr lang="zh-CN" altLang="en-US"/>
+          </a:p>
+        </p:txBody>
+      </p:sp>
+      <p:pic>
+        <p:nvPicPr>
+          <p:cNvPr id="20" name="图片 19">
+            <a:extLst>
+              <a:ext uri="{FF2B5EF4-FFF2-40B4-BE49-F238E27FC236}">
+                <a16:creationId xmlns:a16="http://schemas.microsoft.com/office/drawing/2014/main" id="{0B68C088-C713-4474-9CC5-39E7E22FD675}"/>
+              </a:ext>
+            </a:extLst>
+          </p:cNvPr>
+          <p:cNvPicPr>
+            <a:picLocks noChangeAspect="1"/>
+          </p:cNvPicPr>
+          <p:nvPr/>
+        </p:nvPicPr>
+        <p:blipFill>
+          <a:blip r:embed="rId2"/>
+          <a:stretch>
+            <a:fillRect/>
+          </a:stretch>
+        </p:blipFill>
+        <p:spPr>
+          <a:xfrm>
+            <a:off x="8422317" y="2232360"/>
+            <a:ext cx="3038475" cy="3457575"/>
+          </a:xfrm>
+          <a:prstGeom prst="rect">
+            <a:avLst/>
+          </a:prstGeom>
+        </p:spPr>
+      </p:pic>
+      <p:sp>
+        <p:nvSpPr>
+          <p:cNvPr id="21" name="对话气泡: 椭圆形 20">
+            <a:extLst>
+              <a:ext uri="{FF2B5EF4-FFF2-40B4-BE49-F238E27FC236}">
+                <a16:creationId xmlns:a16="http://schemas.microsoft.com/office/drawing/2014/main" id="{FCB3277D-4131-4B7D-94CE-9F9BEA56B445}"/>
+              </a:ext>
+            </a:extLst>
+          </p:cNvPr>
+          <p:cNvSpPr/>
+          <p:nvPr/>
+        </p:nvSpPr>
+        <p:spPr>
+          <a:xfrm>
+            <a:off x="6838776" y="1352906"/>
+            <a:ext cx="2520280" cy="675563"/>
+          </a:xfrm>
+          <a:prstGeom prst="wedgeEllipseCallout">
+            <a:avLst>
+              <a:gd name="adj1" fmla="val 34112"/>
+              <a:gd name="adj2" fmla="val 91649"/>
+            </a:avLst>
+          </a:prstGeom>
+        </p:spPr>
+        <p:style>
+          <a:lnRef idx="2">
+            <a:schemeClr val="accent1">
+              <a:shade val="50000"/>
+            </a:schemeClr>
+          </a:lnRef>
+          <a:fillRef idx="1">
+            <a:schemeClr val="accent1"/>
+          </a:fillRef>
+          <a:effectRef idx="0">
+            <a:schemeClr val="accent1"/>
+          </a:effectRef>
+          <a:fontRef idx="minor">
+            <a:schemeClr val="lt1"/>
+          </a:fontRef>
+        </p:style>
+        <p:txBody>
+          <a:bodyPr rtlCol="0" anchor="ctr"/>
+          <a:lstStyle/>
+          <a:p>
+            <a:pPr algn="ctr"/>
+            <a:r>
+              <a:rPr lang="en-US" altLang="zh-CN" sz="2400" dirty="0">
+                <a:latin typeface="微软雅黑" panose="020B0503020204020204" pitchFamily="34" charset="-122"/>
+                <a:ea typeface="微软雅黑" panose="020B0503020204020204" pitchFamily="34" charset="-122"/>
+              </a:rPr>
+              <a:t>5 X 4 </a:t>
+            </a:r>
+            <a:r>
+              <a:rPr lang="zh-CN" altLang="en-US" sz="2400" dirty="0">
+                <a:latin typeface="微软雅黑" panose="020B0503020204020204" pitchFamily="34" charset="-122"/>
+                <a:ea typeface="微软雅黑" panose="020B0503020204020204" pitchFamily="34" charset="-122"/>
+              </a:rPr>
+              <a:t>矩阵</a:t>
+            </a:r>
+          </a:p>
+        </p:txBody>
+      </p:sp>
+    </p:spTree>
+    <p:extLst>
+      <p:ext uri="{BB962C8B-B14F-4D97-AF65-F5344CB8AC3E}">
+        <p14:creationId xmlns:p14="http://schemas.microsoft.com/office/powerpoint/2010/main" val="2122163266"/>
+      </p:ext>
+    </p:extLst>
+  </p:cSld>
+  <p:clrMapOvr>
+    <a:masterClrMapping/>
+  </p:clrMapOvr>
+  <p:timing>
+    <p:tnLst>
+      <p:par>
+        <p:cTn id="1" dur="indefinite" restart="never" nodeType="tmRoot">
+          <p:childTnLst>
+            <p:seq concurrent="1" nextAc="seek">
+              <p:cTn id="2" dur="indefinite" nodeType="mainSeq">
+                <p:childTnLst>
+                  <p:par>
+                    <p:cTn id="3" fill="hold">
+                      <p:stCondLst>
+                        <p:cond delay="indefinite"/>
+                      </p:stCondLst>
+                      <p:childTnLst>
+                        <p:par>
+                          <p:cTn id="4" fill="hold">
+                            <p:stCondLst>
+                              <p:cond delay="0"/>
+                            </p:stCondLst>
+                            <p:childTnLst>
+                              <p:par>
+                                <p:cTn id="5" presetID="35" presetClass="path" presetSubtype="0" accel="50000" decel="50000" fill="hold" nodeType="clickEffect">
+                                  <p:stCondLst>
+                                    <p:cond delay="0"/>
+                                  </p:stCondLst>
+                                  <p:childTnLst>
+                                    <p:animMotion origin="layout" path="M 0 3.7037E-6 L -0.21849 -0.00394 " pathEditMode="relative" rAng="0" ptsTypes="AA">
+                                      <p:cBhvr>
+                                        <p:cTn id="6" dur="2000" fill="hold"/>
+                                        <p:tgtEl>
+                                          <p:spTgt spid="11"/>
+                                        </p:tgtEl>
+                                        <p:attrNameLst>
+                                          <p:attrName>ppt_x</p:attrName>
+                                          <p:attrName>ppt_y</p:attrName>
+                                        </p:attrNameLst>
+                                      </p:cBhvr>
+                                      <p:rCtr x="-10924" y="-208"/>
+                                    </p:animMotion>
+                                  </p:childTnLst>
+                                </p:cTn>
+                              </p:par>
+                            </p:childTnLst>
+                          </p:cTn>
+                        </p:par>
+                        <p:par>
+                          <p:cTn id="7" fill="hold">
+                            <p:stCondLst>
+                              <p:cond delay="2000"/>
+                            </p:stCondLst>
+                            <p:childTnLst>
+                              <p:par>
+                                <p:cTn id="8" presetID="22" presetClass="entr" presetSubtype="8" fill="hold" grpId="0" nodeType="afterEffect">
+                                  <p:stCondLst>
+                                    <p:cond delay="0"/>
+                                  </p:stCondLst>
+                                  <p:childTnLst>
+                                    <p:set>
+                                      <p:cBhvr>
+                                        <p:cTn id="9" dur="1" fill="hold">
+                                          <p:stCondLst>
+                                            <p:cond delay="0"/>
+                                          </p:stCondLst>
+                                        </p:cTn>
+                                        <p:tgtEl>
+                                          <p:spTgt spid="14"/>
+                                        </p:tgtEl>
+                                        <p:attrNameLst>
+                                          <p:attrName>style.visibility</p:attrName>
+                                        </p:attrNameLst>
+                                      </p:cBhvr>
+                                      <p:to>
+                                        <p:strVal val="visible"/>
+                                      </p:to>
+                                    </p:set>
+                                    <p:animEffect transition="in" filter="wipe(left)">
+                                      <p:cBhvr>
+                                        <p:cTn id="10" dur="500"/>
+                                        <p:tgtEl>
+                                          <p:spTgt spid="14"/>
+                                        </p:tgtEl>
+                                      </p:cBhvr>
+                                    </p:animEffect>
+                                  </p:childTnLst>
+                                </p:cTn>
+                              </p:par>
+                            </p:childTnLst>
+                          </p:cTn>
+                        </p:par>
+                        <p:par>
+                          <p:cTn id="11" fill="hold">
+                            <p:stCondLst>
+                              <p:cond delay="2500"/>
+                            </p:stCondLst>
+                            <p:childTnLst>
+                              <p:par>
+                                <p:cTn id="12" presetID="22" presetClass="entr" presetSubtype="8" fill="hold" nodeType="afterEffect">
+                                  <p:stCondLst>
+                                    <p:cond delay="0"/>
+                                  </p:stCondLst>
+                                  <p:childTnLst>
+                                    <p:set>
+                                      <p:cBhvr>
+                                        <p:cTn id="13" dur="1" fill="hold">
+                                          <p:stCondLst>
+                                            <p:cond delay="0"/>
+                                          </p:stCondLst>
+                                        </p:cTn>
+                                        <p:tgtEl>
+                                          <p:spTgt spid="20"/>
+                                        </p:tgtEl>
+                                        <p:attrNameLst>
+                                          <p:attrName>style.visibility</p:attrName>
+                                        </p:attrNameLst>
+                                      </p:cBhvr>
+                                      <p:to>
+                                        <p:strVal val="visible"/>
+                                      </p:to>
+                                    </p:set>
+                                    <p:animEffect transition="in" filter="wipe(left)">
+                                      <p:cBhvr>
+                                        <p:cTn id="14" dur="500"/>
+                                        <p:tgtEl>
+                                          <p:spTgt spid="20"/>
+                                        </p:tgtEl>
+                                      </p:cBhvr>
+                                    </p:animEffect>
+                                  </p:childTnLst>
+                                </p:cTn>
+                              </p:par>
+                            </p:childTnLst>
+                          </p:cTn>
+                        </p:par>
+                      </p:childTnLst>
+                    </p:cTn>
+                  </p:par>
+                  <p:par>
+                    <p:cTn id="15" fill="hold">
+                      <p:stCondLst>
+                        <p:cond delay="indefinite"/>
+                      </p:stCondLst>
+                      <p:childTnLst>
+                        <p:par>
+                          <p:cTn id="16" fill="hold">
+                            <p:stCondLst>
+                              <p:cond delay="0"/>
+                            </p:stCondLst>
+                            <p:childTnLst>
+                              <p:par>
+                                <p:cTn id="17" presetID="10" presetClass="entr" presetSubtype="0" fill="hold" grpId="0" nodeType="clickEffect">
+                                  <p:stCondLst>
+                                    <p:cond delay="0"/>
+                                  </p:stCondLst>
+                                  <p:childTnLst>
+                                    <p:set>
+                                      <p:cBhvr>
+                                        <p:cTn id="18" dur="1" fill="hold">
+                                          <p:stCondLst>
+                                            <p:cond delay="0"/>
+                                          </p:stCondLst>
+                                        </p:cTn>
+                                        <p:tgtEl>
+                                          <p:spTgt spid="21"/>
+                                        </p:tgtEl>
+                                        <p:attrNameLst>
+                                          <p:attrName>style.visibility</p:attrName>
+                                        </p:attrNameLst>
+                                      </p:cBhvr>
+                                      <p:to>
+                                        <p:strVal val="visible"/>
+                                      </p:to>
+                                    </p:set>
+                                    <p:animEffect transition="in" filter="fade">
+                                      <p:cBhvr>
+                                        <p:cTn id="19" dur="500"/>
+                                        <p:tgtEl>
+                                          <p:spTgt spid="21"/>
+                                        </p:tgtEl>
+                                      </p:cBhvr>
+                                    </p:animEffect>
+                                  </p:childTnLst>
+                                </p:cTn>
+                              </p:par>
+                            </p:childTnLst>
+                          </p:cTn>
+                        </p:par>
+                      </p:childTnLst>
+                    </p:cTn>
+                  </p:par>
+                </p:childTnLst>
+              </p:cTn>
+              <p:prevCondLst>
+                <p:cond evt="onPrev" delay="0">
+                  <p:tgtEl>
+                    <p:sldTgt/>
+                  </p:tgtEl>
+                </p:cond>
+              </p:prevCondLst>
+              <p:nextCondLst>
+                <p:cond evt="onNext" delay="0">
+                  <p:tgtEl>
+                    <p:sldTgt/>
+                  </p:tgtEl>
+                </p:cond>
+              </p:nextCondLst>
+            </p:seq>
+          </p:childTnLst>
+        </p:cTn>
+      </p:par>
+    </p:tnLst>
+    <p:bldLst>
+      <p:bldP spid="14" grpId="0" animBg="1"/>
+      <p:bldP spid="21" grpId="0" animBg="1"/>
+    </p:bldLst>
+  </p:timing>
+</p:sld>
+</file>
+
+<file path=ppt/slides/slide4.xml><?xml version="1.0" encoding="utf-8"?>
+<p:sld xmlns:a="http://schemas.openxmlformats.org/drawingml/2006/main" xmlns:r="http://schemas.openxmlformats.org/officeDocument/2006/relationships" xmlns:p="http://schemas.openxmlformats.org/presentationml/2006/main">
+  <p:cSld>
+    <p:spTree>
+      <p:nvGrpSpPr>
+        <p:cNvPr id="1" name=""/>
+        <p:cNvGrpSpPr/>
+        <p:nvPr/>
+      </p:nvGrpSpPr>
+      <p:grpSpPr>
+        <a:xfrm>
+          <a:off x="0" y="0"/>
+          <a:ext cx="0" cy="0"/>
+          <a:chOff x="0" y="0"/>
+          <a:chExt cx="0" cy="0"/>
+        </a:xfrm>
+      </p:grpSpPr>
+      <p:sp>
+        <p:nvSpPr>
+          <p:cNvPr id="2" name="标题 1">
+            <a:extLst>
+              <a:ext uri="{FF2B5EF4-FFF2-40B4-BE49-F238E27FC236}">
+                <a16:creationId xmlns:a16="http://schemas.microsoft.com/office/drawing/2014/main" id="{C66209FC-6F88-4D3B-89B4-1BC7632F6D48}"/>
+              </a:ext>
+            </a:extLst>
+          </p:cNvPr>
+          <p:cNvSpPr>
+            <a:spLocks noGrp="1"/>
+          </p:cNvSpPr>
+          <p:nvPr>
+            <p:ph type="ctrTitle"/>
+          </p:nvPr>
+        </p:nvSpPr>
+        <p:spPr>
+          <a:xfrm>
+            <a:off x="623392" y="3336156"/>
+            <a:ext cx="10945216" cy="185688"/>
+          </a:xfrm>
+        </p:spPr>
+        <p:txBody>
+          <a:bodyPr>
+            <a:normAutofit fontScale="90000"/>
+          </a:bodyPr>
+          <a:lstStyle/>
+          <a:p>
+            <a:r>
+              <a:rPr lang="zh-CN" altLang="en-US" dirty="0">
                 <a:solidFill>
                   <a:schemeClr val="bg1"/>
                 </a:solidFill>
                 <a:latin typeface="微软雅黑" panose="020B0503020204020204" pitchFamily="34" charset="-122"/>
                 <a:ea typeface="微软雅黑" panose="020B0503020204020204" pitchFamily="34" charset="-122"/>
               </a:rPr>
-              <a:t>与</a:t>
-            </a:r>
-            <a:r>
-              <a:rPr lang="en-US" altLang="zh-CN" sz="6000" dirty="0">
+              <a:t>使用</a:t>
+            </a:r>
+            <a:r>
+              <a:rPr lang="en-US" altLang="zh-CN" dirty="0">
                 <a:solidFill>
                   <a:schemeClr val="bg1"/>
                 </a:solidFill>
@@ -4188,14 +6074,14 @@
               <a:t>NumPy</a:t>
             </a:r>
             <a:r>
-              <a:rPr lang="zh-CN" altLang="en-US" sz="6000" dirty="0">
+              <a:rPr lang="zh-CN" altLang="en-US" dirty="0">
                 <a:solidFill>
                   <a:schemeClr val="bg1"/>
                 </a:solidFill>
                 <a:latin typeface="微软雅黑" panose="020B0503020204020204" pitchFamily="34" charset="-122"/>
                 <a:ea typeface="微软雅黑" panose="020B0503020204020204" pitchFamily="34" charset="-122"/>
               </a:rPr>
-              <a:t>简介</a:t>
+              <a:t>创建矩阵</a:t>
             </a:r>
           </a:p>
         </p:txBody>
@@ -4203,7 +6089,7 @@
     </p:spTree>
     <p:extLst>
       <p:ext uri="{BB962C8B-B14F-4D97-AF65-F5344CB8AC3E}">
-        <p14:creationId xmlns:p14="http://schemas.microsoft.com/office/powerpoint/2010/main" val="2428968753"/>
+        <p14:creationId xmlns:p14="http://schemas.microsoft.com/office/powerpoint/2010/main" val="2393887997"/>
       </p:ext>
     </p:extLst>
   </p:cSld>
@@ -4222,13 +6108,1076 @@
       </p:transition>
     </mc:Fallback>
   </mc:AlternateContent>
-  <p:timing>
-    <p:tnLst>
-      <p:par>
-        <p:cTn id="1" dur="indefinite" restart="never" nodeType="tmRoot"/>
-      </p:par>
-    </p:tnLst>
-  </p:timing>
+</p:sld>
+</file>
+
+<file path=ppt/slides/slide5.xml><?xml version="1.0" encoding="utf-8"?>
+<p:sld xmlns:a="http://schemas.openxmlformats.org/drawingml/2006/main" xmlns:r="http://schemas.openxmlformats.org/officeDocument/2006/relationships" xmlns:p="http://schemas.openxmlformats.org/presentationml/2006/main">
+  <p:cSld>
+    <p:spTree>
+      <p:nvGrpSpPr>
+        <p:cNvPr id="1" name=""/>
+        <p:cNvGrpSpPr/>
+        <p:nvPr/>
+      </p:nvGrpSpPr>
+      <p:grpSpPr>
+        <a:xfrm>
+          <a:off x="0" y="0"/>
+          <a:ext cx="0" cy="0"/>
+          <a:chOff x="0" y="0"/>
+          <a:chExt cx="0" cy="0"/>
+        </a:xfrm>
+      </p:grpSpPr>
+      <p:sp>
+        <p:nvSpPr>
+          <p:cNvPr id="2" name="标题 1">
+            <a:extLst>
+              <a:ext uri="{FF2B5EF4-FFF2-40B4-BE49-F238E27FC236}">
+                <a16:creationId xmlns:a16="http://schemas.microsoft.com/office/drawing/2014/main" id="{4C833364-9262-48BF-843C-1B01601E5F15}"/>
+              </a:ext>
+            </a:extLst>
+          </p:cNvPr>
+          <p:cNvSpPr>
+            <a:spLocks noGrp="1"/>
+          </p:cNvSpPr>
+          <p:nvPr>
+            <p:ph type="title"/>
+          </p:nvPr>
+        </p:nvSpPr>
+        <p:spPr>
+          <a:xfrm>
+            <a:off x="838200" y="365125"/>
+            <a:ext cx="10515600" cy="1325563"/>
+          </a:xfrm>
+        </p:spPr>
+        <p:txBody>
+          <a:bodyPr/>
+          <a:lstStyle/>
+          <a:p>
+            <a:r>
+              <a:rPr lang="zh-CN" altLang="en-US" dirty="0">
+                <a:solidFill>
+                  <a:schemeClr val="bg1"/>
+                </a:solidFill>
+                <a:latin typeface="微软雅黑" panose="020B0503020204020204" pitchFamily="34" charset="-122"/>
+                <a:ea typeface="微软雅黑" panose="020B0503020204020204" pitchFamily="34" charset="-122"/>
+              </a:rPr>
+              <a:t>创建一个</a:t>
+            </a:r>
+            <a:r>
+              <a:rPr lang="en-US" altLang="zh-CN" dirty="0">
+                <a:solidFill>
+                  <a:schemeClr val="bg1"/>
+                </a:solidFill>
+                <a:latin typeface="微软雅黑" panose="020B0503020204020204" pitchFamily="34" charset="-122"/>
+                <a:ea typeface="微软雅黑" panose="020B0503020204020204" pitchFamily="34" charset="-122"/>
+              </a:rPr>
+              <a:t>2X3</a:t>
+            </a:r>
+            <a:r>
+              <a:rPr lang="zh-CN" altLang="en-US" dirty="0">
+                <a:solidFill>
+                  <a:schemeClr val="bg1"/>
+                </a:solidFill>
+                <a:latin typeface="微软雅黑" panose="020B0503020204020204" pitchFamily="34" charset="-122"/>
+                <a:ea typeface="微软雅黑" panose="020B0503020204020204" pitchFamily="34" charset="-122"/>
+              </a:rPr>
+              <a:t>矩阵</a:t>
+            </a:r>
+          </a:p>
+        </p:txBody>
+      </p:sp>
+      <p:cxnSp>
+        <p:nvCxnSpPr>
+          <p:cNvPr id="5" name="直接连接符 4">
+            <a:extLst>
+              <a:ext uri="{FF2B5EF4-FFF2-40B4-BE49-F238E27FC236}">
+                <a16:creationId xmlns:a16="http://schemas.microsoft.com/office/drawing/2014/main" id="{18D7E636-CD66-4ADA-BAE2-F683E7B171F5}"/>
+              </a:ext>
+            </a:extLst>
+          </p:cNvPr>
+          <p:cNvCxnSpPr>
+            <a:cxnSpLocks/>
+          </p:cNvCxnSpPr>
+          <p:nvPr/>
+        </p:nvCxnSpPr>
+        <p:spPr>
+          <a:xfrm>
+            <a:off x="838200" y="1484784"/>
+            <a:ext cx="10658400" cy="0"/>
+          </a:xfrm>
+          <a:prstGeom prst="line">
+            <a:avLst/>
+          </a:prstGeom>
+          <a:ln>
+            <a:solidFill>
+              <a:schemeClr val="bg1">
+                <a:alpha val="70000"/>
+              </a:schemeClr>
+            </a:solidFill>
+          </a:ln>
+        </p:spPr>
+        <p:style>
+          <a:lnRef idx="1">
+            <a:schemeClr val="accent1"/>
+          </a:lnRef>
+          <a:fillRef idx="0">
+            <a:schemeClr val="accent1"/>
+          </a:fillRef>
+          <a:effectRef idx="0">
+            <a:schemeClr val="accent1"/>
+          </a:effectRef>
+          <a:fontRef idx="minor">
+            <a:schemeClr val="tx1"/>
+          </a:fontRef>
+        </p:style>
+      </p:cxnSp>
+      <p:sp>
+        <p:nvSpPr>
+          <p:cNvPr id="3" name="文本框 2">
+            <a:extLst>
+              <a:ext uri="{FF2B5EF4-FFF2-40B4-BE49-F238E27FC236}">
+                <a16:creationId xmlns:a16="http://schemas.microsoft.com/office/drawing/2014/main" id="{4E3B989A-250A-4805-8BA7-C72F0425EB3E}"/>
+              </a:ext>
+            </a:extLst>
+          </p:cNvPr>
+          <p:cNvSpPr txBox="1"/>
+          <p:nvPr/>
+        </p:nvSpPr>
+        <p:spPr>
+          <a:xfrm>
+            <a:off x="838200" y="1772816"/>
+            <a:ext cx="6481936" cy="707886"/>
+          </a:xfrm>
+          <a:prstGeom prst="rect">
+            <a:avLst/>
+          </a:prstGeom>
+          <a:noFill/>
+        </p:spPr>
+        <p:txBody>
+          <a:bodyPr wrap="square" rtlCol="0">
+            <a:spAutoFit/>
+          </a:bodyPr>
+          <a:lstStyle/>
+          <a:p>
+            <a:r>
+              <a:rPr lang="pl-PL" altLang="zh-CN" sz="4000" dirty="0">
+                <a:solidFill>
+                  <a:srgbClr val="FFFF00"/>
+                </a:solidFill>
+                <a:latin typeface="微软雅黑" panose="020B0503020204020204" pitchFamily="34" charset="-122"/>
+                <a:ea typeface="微软雅黑" panose="020B0503020204020204" pitchFamily="34" charset="-122"/>
+              </a:rPr>
+              <a:t>np.mat(([1, 2, 3], [4, 5, 6]))</a:t>
+            </a:r>
+            <a:endParaRPr lang="zh-CN" altLang="en-US" sz="4000" dirty="0">
+              <a:solidFill>
+                <a:srgbClr val="FFFF00"/>
+              </a:solidFill>
+              <a:latin typeface="微软雅黑" panose="020B0503020204020204" pitchFamily="34" charset="-122"/>
+              <a:ea typeface="微软雅黑" panose="020B0503020204020204" pitchFamily="34" charset="-122"/>
+            </a:endParaRPr>
+          </a:p>
+        </p:txBody>
+      </p:sp>
+      <p:pic>
+        <p:nvPicPr>
+          <p:cNvPr id="6" name="图片 5">
+            <a:extLst>
+              <a:ext uri="{FF2B5EF4-FFF2-40B4-BE49-F238E27FC236}">
+                <a16:creationId xmlns:a16="http://schemas.microsoft.com/office/drawing/2014/main" id="{9A007E5F-1DE0-4604-B9F2-57A27CB3D543}"/>
+              </a:ext>
+            </a:extLst>
+          </p:cNvPr>
+          <p:cNvPicPr>
+            <a:picLocks noChangeAspect="1"/>
+          </p:cNvPicPr>
+          <p:nvPr/>
+        </p:nvPicPr>
+        <p:blipFill>
+          <a:blip r:embed="rId2"/>
+          <a:stretch>
+            <a:fillRect/>
+          </a:stretch>
+        </p:blipFill>
+        <p:spPr>
+          <a:xfrm>
+            <a:off x="4789277" y="3501008"/>
+            <a:ext cx="2613446" cy="2587442"/>
+          </a:xfrm>
+          <a:prstGeom prst="rect">
+            <a:avLst/>
+          </a:prstGeom>
+        </p:spPr>
+      </p:pic>
+    </p:spTree>
+    <p:extLst>
+      <p:ext uri="{BB962C8B-B14F-4D97-AF65-F5344CB8AC3E}">
+        <p14:creationId xmlns:p14="http://schemas.microsoft.com/office/powerpoint/2010/main" val="3716450745"/>
+      </p:ext>
+    </p:extLst>
+  </p:cSld>
+  <p:clrMapOvr>
+    <a:masterClrMapping/>
+  </p:clrMapOvr>
+</p:sld>
+</file>
+
+<file path=ppt/slides/slide6.xml><?xml version="1.0" encoding="utf-8"?>
+<p:sld xmlns:a="http://schemas.openxmlformats.org/drawingml/2006/main" xmlns:r="http://schemas.openxmlformats.org/officeDocument/2006/relationships" xmlns:p="http://schemas.openxmlformats.org/presentationml/2006/main">
+  <p:cSld>
+    <p:spTree>
+      <p:nvGrpSpPr>
+        <p:cNvPr id="1" name=""/>
+        <p:cNvGrpSpPr/>
+        <p:nvPr/>
+      </p:nvGrpSpPr>
+      <p:grpSpPr>
+        <a:xfrm>
+          <a:off x="0" y="0"/>
+          <a:ext cx="0" cy="0"/>
+          <a:chOff x="0" y="0"/>
+          <a:chExt cx="0" cy="0"/>
+        </a:xfrm>
+      </p:grpSpPr>
+      <p:sp>
+        <p:nvSpPr>
+          <p:cNvPr id="2" name="标题 1">
+            <a:extLst>
+              <a:ext uri="{FF2B5EF4-FFF2-40B4-BE49-F238E27FC236}">
+                <a16:creationId xmlns:a16="http://schemas.microsoft.com/office/drawing/2014/main" id="{4C833364-9262-48BF-843C-1B01601E5F15}"/>
+              </a:ext>
+            </a:extLst>
+          </p:cNvPr>
+          <p:cNvSpPr>
+            <a:spLocks noGrp="1"/>
+          </p:cNvSpPr>
+          <p:nvPr>
+            <p:ph type="title"/>
+          </p:nvPr>
+        </p:nvSpPr>
+        <p:spPr>
+          <a:xfrm>
+            <a:off x="838200" y="365125"/>
+            <a:ext cx="10515600" cy="1325563"/>
+          </a:xfrm>
+        </p:spPr>
+        <p:txBody>
+          <a:bodyPr/>
+          <a:lstStyle/>
+          <a:p>
+            <a:r>
+              <a:rPr lang="zh-CN" altLang="en-US" dirty="0">
+                <a:solidFill>
+                  <a:schemeClr val="bg1"/>
+                </a:solidFill>
+                <a:latin typeface="微软雅黑" panose="020B0503020204020204" pitchFamily="34" charset="-122"/>
+                <a:ea typeface="微软雅黑" panose="020B0503020204020204" pitchFamily="34" charset="-122"/>
+              </a:rPr>
+              <a:t>创建</a:t>
+            </a:r>
+            <a:r>
+              <a:rPr lang="zh-CN" altLang="en-US" dirty="0">
+                <a:solidFill>
+                  <a:srgbClr val="FFFF00"/>
+                </a:solidFill>
+                <a:latin typeface="微软雅黑" panose="020B0503020204020204" pitchFamily="34" charset="-122"/>
+                <a:ea typeface="微软雅黑" panose="020B0503020204020204" pitchFamily="34" charset="-122"/>
+              </a:rPr>
+              <a:t>全零</a:t>
+            </a:r>
+            <a:r>
+              <a:rPr lang="zh-CN" altLang="en-US" dirty="0">
+                <a:solidFill>
+                  <a:schemeClr val="bg1"/>
+                </a:solidFill>
+                <a:latin typeface="微软雅黑" panose="020B0503020204020204" pitchFamily="34" charset="-122"/>
+                <a:ea typeface="微软雅黑" panose="020B0503020204020204" pitchFamily="34" charset="-122"/>
+              </a:rPr>
+              <a:t>矩阵</a:t>
+            </a:r>
+          </a:p>
+        </p:txBody>
+      </p:sp>
+      <p:cxnSp>
+        <p:nvCxnSpPr>
+          <p:cNvPr id="5" name="直接连接符 4">
+            <a:extLst>
+              <a:ext uri="{FF2B5EF4-FFF2-40B4-BE49-F238E27FC236}">
+                <a16:creationId xmlns:a16="http://schemas.microsoft.com/office/drawing/2014/main" id="{18D7E636-CD66-4ADA-BAE2-F683E7B171F5}"/>
+              </a:ext>
+            </a:extLst>
+          </p:cNvPr>
+          <p:cNvCxnSpPr>
+            <a:cxnSpLocks/>
+          </p:cNvCxnSpPr>
+          <p:nvPr/>
+        </p:nvCxnSpPr>
+        <p:spPr>
+          <a:xfrm>
+            <a:off x="838200" y="1484784"/>
+            <a:ext cx="10658400" cy="0"/>
+          </a:xfrm>
+          <a:prstGeom prst="line">
+            <a:avLst/>
+          </a:prstGeom>
+          <a:ln>
+            <a:solidFill>
+              <a:schemeClr val="bg1">
+                <a:alpha val="70000"/>
+              </a:schemeClr>
+            </a:solidFill>
+          </a:ln>
+        </p:spPr>
+        <p:style>
+          <a:lnRef idx="1">
+            <a:schemeClr val="accent1"/>
+          </a:lnRef>
+          <a:fillRef idx="0">
+            <a:schemeClr val="accent1"/>
+          </a:fillRef>
+          <a:effectRef idx="0">
+            <a:schemeClr val="accent1"/>
+          </a:effectRef>
+          <a:fontRef idx="minor">
+            <a:schemeClr val="tx1"/>
+          </a:fontRef>
+        </p:style>
+      </p:cxnSp>
+      <p:sp>
+        <p:nvSpPr>
+          <p:cNvPr id="3" name="文本框 2">
+            <a:extLst>
+              <a:ext uri="{FF2B5EF4-FFF2-40B4-BE49-F238E27FC236}">
+                <a16:creationId xmlns:a16="http://schemas.microsoft.com/office/drawing/2014/main" id="{4E3B989A-250A-4805-8BA7-C72F0425EB3E}"/>
+              </a:ext>
+            </a:extLst>
+          </p:cNvPr>
+          <p:cNvSpPr txBox="1"/>
+          <p:nvPr/>
+        </p:nvSpPr>
+        <p:spPr>
+          <a:xfrm>
+            <a:off x="838200" y="1772816"/>
+            <a:ext cx="6481936" cy="707886"/>
+          </a:xfrm>
+          <a:prstGeom prst="rect">
+            <a:avLst/>
+          </a:prstGeom>
+          <a:noFill/>
+        </p:spPr>
+        <p:txBody>
+          <a:bodyPr wrap="square" rtlCol="0">
+            <a:spAutoFit/>
+          </a:bodyPr>
+          <a:lstStyle/>
+          <a:p>
+            <a:r>
+              <a:rPr lang="pl-PL" altLang="zh-CN" sz="4000" dirty="0">
+                <a:solidFill>
+                  <a:srgbClr val="FFFF00"/>
+                </a:solidFill>
+                <a:latin typeface="微软雅黑" panose="020B0503020204020204" pitchFamily="34" charset="-122"/>
+                <a:ea typeface="微软雅黑" panose="020B0503020204020204" pitchFamily="34" charset="-122"/>
+              </a:rPr>
+              <a:t>np.zeros((2, 3))</a:t>
+            </a:r>
+            <a:endParaRPr lang="zh-CN" altLang="en-US" sz="4000" dirty="0">
+              <a:solidFill>
+                <a:srgbClr val="FFFF00"/>
+              </a:solidFill>
+              <a:latin typeface="微软雅黑" panose="020B0503020204020204" pitchFamily="34" charset="-122"/>
+              <a:ea typeface="微软雅黑" panose="020B0503020204020204" pitchFamily="34" charset="-122"/>
+            </a:endParaRPr>
+          </a:p>
+        </p:txBody>
+      </p:sp>
+      <p:pic>
+        <p:nvPicPr>
+          <p:cNvPr id="4" name="图片 3">
+            <a:extLst>
+              <a:ext uri="{FF2B5EF4-FFF2-40B4-BE49-F238E27FC236}">
+                <a16:creationId xmlns:a16="http://schemas.microsoft.com/office/drawing/2014/main" id="{8AA48237-96FC-4F80-AA8C-ED95E3B94C8A}"/>
+              </a:ext>
+            </a:extLst>
+          </p:cNvPr>
+          <p:cNvPicPr>
+            <a:picLocks noChangeAspect="1"/>
+          </p:cNvPicPr>
+          <p:nvPr/>
+        </p:nvPicPr>
+        <p:blipFill>
+          <a:blip r:embed="rId2"/>
+          <a:stretch>
+            <a:fillRect/>
+          </a:stretch>
+        </p:blipFill>
+        <p:spPr>
+          <a:xfrm>
+            <a:off x="4797251" y="3356992"/>
+            <a:ext cx="2597498" cy="2558729"/>
+          </a:xfrm>
+          <a:prstGeom prst="rect">
+            <a:avLst/>
+          </a:prstGeom>
+        </p:spPr>
+      </p:pic>
+    </p:spTree>
+    <p:extLst>
+      <p:ext uri="{BB962C8B-B14F-4D97-AF65-F5344CB8AC3E}">
+        <p14:creationId xmlns:p14="http://schemas.microsoft.com/office/powerpoint/2010/main" val="716394694"/>
+      </p:ext>
+    </p:extLst>
+  </p:cSld>
+  <p:clrMapOvr>
+    <a:masterClrMapping/>
+  </p:clrMapOvr>
+</p:sld>
+</file>
+
+<file path=ppt/slides/slide7.xml><?xml version="1.0" encoding="utf-8"?>
+<p:sld xmlns:a="http://schemas.openxmlformats.org/drawingml/2006/main" xmlns:r="http://schemas.openxmlformats.org/officeDocument/2006/relationships" xmlns:p="http://schemas.openxmlformats.org/presentationml/2006/main">
+  <p:cSld>
+    <p:spTree>
+      <p:nvGrpSpPr>
+        <p:cNvPr id="1" name=""/>
+        <p:cNvGrpSpPr/>
+        <p:nvPr/>
+      </p:nvGrpSpPr>
+      <p:grpSpPr>
+        <a:xfrm>
+          <a:off x="0" y="0"/>
+          <a:ext cx="0" cy="0"/>
+          <a:chOff x="0" y="0"/>
+          <a:chExt cx="0" cy="0"/>
+        </a:xfrm>
+      </p:grpSpPr>
+      <p:sp>
+        <p:nvSpPr>
+          <p:cNvPr id="2" name="标题 1">
+            <a:extLst>
+              <a:ext uri="{FF2B5EF4-FFF2-40B4-BE49-F238E27FC236}">
+                <a16:creationId xmlns:a16="http://schemas.microsoft.com/office/drawing/2014/main" id="{4C833364-9262-48BF-843C-1B01601E5F15}"/>
+              </a:ext>
+            </a:extLst>
+          </p:cNvPr>
+          <p:cNvSpPr>
+            <a:spLocks noGrp="1"/>
+          </p:cNvSpPr>
+          <p:nvPr>
+            <p:ph type="title"/>
+          </p:nvPr>
+        </p:nvSpPr>
+        <p:spPr>
+          <a:xfrm>
+            <a:off x="838200" y="365125"/>
+            <a:ext cx="10515600" cy="1325563"/>
+          </a:xfrm>
+        </p:spPr>
+        <p:txBody>
+          <a:bodyPr/>
+          <a:lstStyle/>
+          <a:p>
+            <a:r>
+              <a:rPr lang="zh-CN" altLang="en-US" dirty="0">
+                <a:solidFill>
+                  <a:schemeClr val="bg1"/>
+                </a:solidFill>
+                <a:latin typeface="微软雅黑" panose="020B0503020204020204" pitchFamily="34" charset="-122"/>
+                <a:ea typeface="微软雅黑" panose="020B0503020204020204" pitchFamily="34" charset="-122"/>
+              </a:rPr>
+              <a:t>创建</a:t>
+            </a:r>
+            <a:r>
+              <a:rPr lang="zh-CN" altLang="en-US" dirty="0">
+                <a:solidFill>
+                  <a:srgbClr val="FFFF00"/>
+                </a:solidFill>
+                <a:latin typeface="微软雅黑" panose="020B0503020204020204" pitchFamily="34" charset="-122"/>
+                <a:ea typeface="微软雅黑" panose="020B0503020204020204" pitchFamily="34" charset="-122"/>
+              </a:rPr>
+              <a:t>全一</a:t>
+            </a:r>
+            <a:r>
+              <a:rPr lang="zh-CN" altLang="en-US" dirty="0">
+                <a:solidFill>
+                  <a:schemeClr val="bg1"/>
+                </a:solidFill>
+                <a:latin typeface="微软雅黑" panose="020B0503020204020204" pitchFamily="34" charset="-122"/>
+                <a:ea typeface="微软雅黑" panose="020B0503020204020204" pitchFamily="34" charset="-122"/>
+              </a:rPr>
+              <a:t>矩阵</a:t>
+            </a:r>
+          </a:p>
+        </p:txBody>
+      </p:sp>
+      <p:cxnSp>
+        <p:nvCxnSpPr>
+          <p:cNvPr id="5" name="直接连接符 4">
+            <a:extLst>
+              <a:ext uri="{FF2B5EF4-FFF2-40B4-BE49-F238E27FC236}">
+                <a16:creationId xmlns:a16="http://schemas.microsoft.com/office/drawing/2014/main" id="{18D7E636-CD66-4ADA-BAE2-F683E7B171F5}"/>
+              </a:ext>
+            </a:extLst>
+          </p:cNvPr>
+          <p:cNvCxnSpPr>
+            <a:cxnSpLocks/>
+          </p:cNvCxnSpPr>
+          <p:nvPr/>
+        </p:nvCxnSpPr>
+        <p:spPr>
+          <a:xfrm>
+            <a:off x="838200" y="1484784"/>
+            <a:ext cx="10658400" cy="0"/>
+          </a:xfrm>
+          <a:prstGeom prst="line">
+            <a:avLst/>
+          </a:prstGeom>
+          <a:ln>
+            <a:solidFill>
+              <a:schemeClr val="bg1">
+                <a:alpha val="70000"/>
+              </a:schemeClr>
+            </a:solidFill>
+          </a:ln>
+        </p:spPr>
+        <p:style>
+          <a:lnRef idx="1">
+            <a:schemeClr val="accent1"/>
+          </a:lnRef>
+          <a:fillRef idx="0">
+            <a:schemeClr val="accent1"/>
+          </a:fillRef>
+          <a:effectRef idx="0">
+            <a:schemeClr val="accent1"/>
+          </a:effectRef>
+          <a:fontRef idx="minor">
+            <a:schemeClr val="tx1"/>
+          </a:fontRef>
+        </p:style>
+      </p:cxnSp>
+      <p:sp>
+        <p:nvSpPr>
+          <p:cNvPr id="3" name="文本框 2">
+            <a:extLst>
+              <a:ext uri="{FF2B5EF4-FFF2-40B4-BE49-F238E27FC236}">
+                <a16:creationId xmlns:a16="http://schemas.microsoft.com/office/drawing/2014/main" id="{4E3B989A-250A-4805-8BA7-C72F0425EB3E}"/>
+              </a:ext>
+            </a:extLst>
+          </p:cNvPr>
+          <p:cNvSpPr txBox="1"/>
+          <p:nvPr/>
+        </p:nvSpPr>
+        <p:spPr>
+          <a:xfrm>
+            <a:off x="838200" y="1772816"/>
+            <a:ext cx="6481936" cy="707886"/>
+          </a:xfrm>
+          <a:prstGeom prst="rect">
+            <a:avLst/>
+          </a:prstGeom>
+          <a:noFill/>
+        </p:spPr>
+        <p:txBody>
+          <a:bodyPr wrap="square" rtlCol="0">
+            <a:spAutoFit/>
+          </a:bodyPr>
+          <a:lstStyle/>
+          <a:p>
+            <a:r>
+              <a:rPr lang="pl-PL" altLang="zh-CN" sz="4000" dirty="0">
+                <a:solidFill>
+                  <a:srgbClr val="FFFF00"/>
+                </a:solidFill>
+                <a:latin typeface="微软雅黑" panose="020B0503020204020204" pitchFamily="34" charset="-122"/>
+                <a:ea typeface="微软雅黑" panose="020B0503020204020204" pitchFamily="34" charset="-122"/>
+              </a:rPr>
+              <a:t>np.ones((2, 3))</a:t>
+            </a:r>
+            <a:endParaRPr lang="zh-CN" altLang="en-US" sz="4000" dirty="0">
+              <a:solidFill>
+                <a:srgbClr val="FFFF00"/>
+              </a:solidFill>
+              <a:latin typeface="微软雅黑" panose="020B0503020204020204" pitchFamily="34" charset="-122"/>
+              <a:ea typeface="微软雅黑" panose="020B0503020204020204" pitchFamily="34" charset="-122"/>
+            </a:endParaRPr>
+          </a:p>
+        </p:txBody>
+      </p:sp>
+      <p:pic>
+        <p:nvPicPr>
+          <p:cNvPr id="6" name="图片 5">
+            <a:extLst>
+              <a:ext uri="{FF2B5EF4-FFF2-40B4-BE49-F238E27FC236}">
+                <a16:creationId xmlns:a16="http://schemas.microsoft.com/office/drawing/2014/main" id="{8BB32382-D10E-4EF7-B50A-4BD0E275D4A6}"/>
+              </a:ext>
+            </a:extLst>
+          </p:cNvPr>
+          <p:cNvPicPr>
+            <a:picLocks noChangeAspect="1"/>
+          </p:cNvPicPr>
+          <p:nvPr/>
+        </p:nvPicPr>
+        <p:blipFill>
+          <a:blip r:embed="rId2"/>
+          <a:stretch>
+            <a:fillRect/>
+          </a:stretch>
+        </p:blipFill>
+        <p:spPr>
+          <a:xfrm>
+            <a:off x="4793375" y="3356992"/>
+            <a:ext cx="2605249" cy="2592288"/>
+          </a:xfrm>
+          <a:prstGeom prst="rect">
+            <a:avLst/>
+          </a:prstGeom>
+        </p:spPr>
+      </p:pic>
+    </p:spTree>
+    <p:extLst>
+      <p:ext uri="{BB962C8B-B14F-4D97-AF65-F5344CB8AC3E}">
+        <p14:creationId xmlns:p14="http://schemas.microsoft.com/office/powerpoint/2010/main" val="3175965853"/>
+      </p:ext>
+    </p:extLst>
+  </p:cSld>
+  <p:clrMapOvr>
+    <a:masterClrMapping/>
+  </p:clrMapOvr>
+</p:sld>
+</file>
+
+<file path=ppt/slides/slide8.xml><?xml version="1.0" encoding="utf-8"?>
+<p:sld xmlns:a="http://schemas.openxmlformats.org/drawingml/2006/main" xmlns:r="http://schemas.openxmlformats.org/officeDocument/2006/relationships" xmlns:p="http://schemas.openxmlformats.org/presentationml/2006/main">
+  <p:cSld>
+    <p:spTree>
+      <p:nvGrpSpPr>
+        <p:cNvPr id="1" name=""/>
+        <p:cNvGrpSpPr/>
+        <p:nvPr/>
+      </p:nvGrpSpPr>
+      <p:grpSpPr>
+        <a:xfrm>
+          <a:off x="0" y="0"/>
+          <a:ext cx="0" cy="0"/>
+          <a:chOff x="0" y="0"/>
+          <a:chExt cx="0" cy="0"/>
+        </a:xfrm>
+      </p:grpSpPr>
+      <p:sp>
+        <p:nvSpPr>
+          <p:cNvPr id="2" name="标题 1">
+            <a:extLst>
+              <a:ext uri="{FF2B5EF4-FFF2-40B4-BE49-F238E27FC236}">
+                <a16:creationId xmlns:a16="http://schemas.microsoft.com/office/drawing/2014/main" id="{4C833364-9262-48BF-843C-1B01601E5F15}"/>
+              </a:ext>
+            </a:extLst>
+          </p:cNvPr>
+          <p:cNvSpPr>
+            <a:spLocks noGrp="1"/>
+          </p:cNvSpPr>
+          <p:nvPr>
+            <p:ph type="title"/>
+          </p:nvPr>
+        </p:nvSpPr>
+        <p:spPr>
+          <a:xfrm>
+            <a:off x="838200" y="365125"/>
+            <a:ext cx="10515600" cy="1325563"/>
+          </a:xfrm>
+        </p:spPr>
+        <p:txBody>
+          <a:bodyPr/>
+          <a:lstStyle/>
+          <a:p>
+            <a:r>
+              <a:rPr lang="zh-CN" altLang="en-US" dirty="0">
+                <a:solidFill>
+                  <a:schemeClr val="bg1"/>
+                </a:solidFill>
+                <a:latin typeface="微软雅黑" panose="020B0503020204020204" pitchFamily="34" charset="-122"/>
+                <a:ea typeface="微软雅黑" panose="020B0503020204020204" pitchFamily="34" charset="-122"/>
+              </a:rPr>
+              <a:t>创建</a:t>
+            </a:r>
+            <a:r>
+              <a:rPr lang="zh-CN" altLang="en-US" dirty="0">
+                <a:solidFill>
+                  <a:srgbClr val="FFFF00"/>
+                </a:solidFill>
+                <a:latin typeface="微软雅黑" panose="020B0503020204020204" pitchFamily="34" charset="-122"/>
+                <a:ea typeface="微软雅黑" panose="020B0503020204020204" pitchFamily="34" charset="-122"/>
+              </a:rPr>
+              <a:t>随机</a:t>
+            </a:r>
+            <a:r>
+              <a:rPr lang="zh-CN" altLang="en-US" dirty="0">
+                <a:solidFill>
+                  <a:schemeClr val="bg1"/>
+                </a:solidFill>
+                <a:latin typeface="微软雅黑" panose="020B0503020204020204" pitchFamily="34" charset="-122"/>
+                <a:ea typeface="微软雅黑" panose="020B0503020204020204" pitchFamily="34" charset="-122"/>
+              </a:rPr>
+              <a:t>矩阵</a:t>
+            </a:r>
+          </a:p>
+        </p:txBody>
+      </p:sp>
+      <p:cxnSp>
+        <p:nvCxnSpPr>
+          <p:cNvPr id="5" name="直接连接符 4">
+            <a:extLst>
+              <a:ext uri="{FF2B5EF4-FFF2-40B4-BE49-F238E27FC236}">
+                <a16:creationId xmlns:a16="http://schemas.microsoft.com/office/drawing/2014/main" id="{18D7E636-CD66-4ADA-BAE2-F683E7B171F5}"/>
+              </a:ext>
+            </a:extLst>
+          </p:cNvPr>
+          <p:cNvCxnSpPr>
+            <a:cxnSpLocks/>
+          </p:cNvCxnSpPr>
+          <p:nvPr/>
+        </p:nvCxnSpPr>
+        <p:spPr>
+          <a:xfrm>
+            <a:off x="838200" y="1484784"/>
+            <a:ext cx="10658400" cy="0"/>
+          </a:xfrm>
+          <a:prstGeom prst="line">
+            <a:avLst/>
+          </a:prstGeom>
+          <a:ln>
+            <a:solidFill>
+              <a:schemeClr val="bg1">
+                <a:alpha val="70000"/>
+              </a:schemeClr>
+            </a:solidFill>
+          </a:ln>
+        </p:spPr>
+        <p:style>
+          <a:lnRef idx="1">
+            <a:schemeClr val="accent1"/>
+          </a:lnRef>
+          <a:fillRef idx="0">
+            <a:schemeClr val="accent1"/>
+          </a:fillRef>
+          <a:effectRef idx="0">
+            <a:schemeClr val="accent1"/>
+          </a:effectRef>
+          <a:fontRef idx="minor">
+            <a:schemeClr val="tx1"/>
+          </a:fontRef>
+        </p:style>
+      </p:cxnSp>
+      <p:sp>
+        <p:nvSpPr>
+          <p:cNvPr id="3" name="文本框 2">
+            <a:extLst>
+              <a:ext uri="{FF2B5EF4-FFF2-40B4-BE49-F238E27FC236}">
+                <a16:creationId xmlns:a16="http://schemas.microsoft.com/office/drawing/2014/main" id="{4E3B989A-250A-4805-8BA7-C72F0425EB3E}"/>
+              </a:ext>
+            </a:extLst>
+          </p:cNvPr>
+          <p:cNvSpPr txBox="1"/>
+          <p:nvPr/>
+        </p:nvSpPr>
+        <p:spPr>
+          <a:xfrm>
+            <a:off x="838200" y="1772816"/>
+            <a:ext cx="6481936" cy="707886"/>
+          </a:xfrm>
+          <a:prstGeom prst="rect">
+            <a:avLst/>
+          </a:prstGeom>
+          <a:noFill/>
+        </p:spPr>
+        <p:txBody>
+          <a:bodyPr wrap="square" rtlCol="0">
+            <a:spAutoFit/>
+          </a:bodyPr>
+          <a:lstStyle/>
+          <a:p>
+            <a:r>
+              <a:rPr lang="pl-PL" altLang="zh-CN" sz="4000" dirty="0">
+                <a:solidFill>
+                  <a:srgbClr val="FFFF00"/>
+                </a:solidFill>
+                <a:latin typeface="微软雅黑" panose="020B0503020204020204" pitchFamily="34" charset="-122"/>
+                <a:ea typeface="微软雅黑" panose="020B0503020204020204" pitchFamily="34" charset="-122"/>
+              </a:rPr>
+              <a:t>np.random.rand(2, 3)</a:t>
+            </a:r>
+            <a:endParaRPr lang="zh-CN" altLang="en-US" sz="4000" dirty="0">
+              <a:solidFill>
+                <a:srgbClr val="FFFF00"/>
+              </a:solidFill>
+              <a:latin typeface="微软雅黑" panose="020B0503020204020204" pitchFamily="34" charset="-122"/>
+              <a:ea typeface="微软雅黑" panose="020B0503020204020204" pitchFamily="34" charset="-122"/>
+            </a:endParaRPr>
+          </a:p>
+        </p:txBody>
+      </p:sp>
+      <p:pic>
+        <p:nvPicPr>
+          <p:cNvPr id="4" name="图片 3">
+            <a:extLst>
+              <a:ext uri="{FF2B5EF4-FFF2-40B4-BE49-F238E27FC236}">
+                <a16:creationId xmlns:a16="http://schemas.microsoft.com/office/drawing/2014/main" id="{A48806D8-4BAF-4704-B540-34BA58C97A08}"/>
+              </a:ext>
+            </a:extLst>
+          </p:cNvPr>
+          <p:cNvPicPr>
+            <a:picLocks noChangeAspect="1"/>
+          </p:cNvPicPr>
+          <p:nvPr/>
+        </p:nvPicPr>
+        <p:blipFill>
+          <a:blip r:embed="rId2"/>
+          <a:stretch>
+            <a:fillRect/>
+          </a:stretch>
+        </p:blipFill>
+        <p:spPr>
+          <a:xfrm>
+            <a:off x="1393479" y="3356992"/>
+            <a:ext cx="9405041" cy="2304235"/>
+          </a:xfrm>
+          <a:prstGeom prst="rect">
+            <a:avLst/>
+          </a:prstGeom>
+        </p:spPr>
+      </p:pic>
+    </p:spTree>
+    <p:extLst>
+      <p:ext uri="{BB962C8B-B14F-4D97-AF65-F5344CB8AC3E}">
+        <p14:creationId xmlns:p14="http://schemas.microsoft.com/office/powerpoint/2010/main" val="71545793"/>
+      </p:ext>
+    </p:extLst>
+  </p:cSld>
+  <p:clrMapOvr>
+    <a:masterClrMapping/>
+  </p:clrMapOvr>
+</p:sld>
+</file>
+
+<file path=ppt/slides/slide9.xml><?xml version="1.0" encoding="utf-8"?>
+<p:sld xmlns:a="http://schemas.openxmlformats.org/drawingml/2006/main" xmlns:r="http://schemas.openxmlformats.org/officeDocument/2006/relationships" xmlns:p="http://schemas.openxmlformats.org/presentationml/2006/main">
+  <p:cSld>
+    <p:spTree>
+      <p:nvGrpSpPr>
+        <p:cNvPr id="1" name=""/>
+        <p:cNvGrpSpPr/>
+        <p:nvPr/>
+      </p:nvGrpSpPr>
+      <p:grpSpPr>
+        <a:xfrm>
+          <a:off x="0" y="0"/>
+          <a:ext cx="0" cy="0"/>
+          <a:chOff x="0" y="0"/>
+          <a:chExt cx="0" cy="0"/>
+        </a:xfrm>
+      </p:grpSpPr>
+      <p:sp>
+        <p:nvSpPr>
+          <p:cNvPr id="2" name="标题 1">
+            <a:extLst>
+              <a:ext uri="{FF2B5EF4-FFF2-40B4-BE49-F238E27FC236}">
+                <a16:creationId xmlns:a16="http://schemas.microsoft.com/office/drawing/2014/main" id="{4C833364-9262-48BF-843C-1B01601E5F15}"/>
+              </a:ext>
+            </a:extLst>
+          </p:cNvPr>
+          <p:cNvSpPr>
+            <a:spLocks noGrp="1"/>
+          </p:cNvSpPr>
+          <p:nvPr>
+            <p:ph type="title"/>
+          </p:nvPr>
+        </p:nvSpPr>
+        <p:spPr>
+          <a:xfrm>
+            <a:off x="838200" y="365125"/>
+            <a:ext cx="10515600" cy="1325563"/>
+          </a:xfrm>
+        </p:spPr>
+        <p:txBody>
+          <a:bodyPr/>
+          <a:lstStyle/>
+          <a:p>
+            <a:r>
+              <a:rPr lang="zh-CN" altLang="en-US" dirty="0">
+                <a:solidFill>
+                  <a:schemeClr val="bg1"/>
+                </a:solidFill>
+                <a:latin typeface="微软雅黑" panose="020B0503020204020204" pitchFamily="34" charset="-122"/>
+                <a:ea typeface="微软雅黑" panose="020B0503020204020204" pitchFamily="34" charset="-122"/>
+              </a:rPr>
+              <a:t>创建</a:t>
+            </a:r>
+            <a:r>
+              <a:rPr lang="zh-CN" altLang="en-US" dirty="0">
+                <a:solidFill>
+                  <a:srgbClr val="FFFF00"/>
+                </a:solidFill>
+                <a:latin typeface="微软雅黑" panose="020B0503020204020204" pitchFamily="34" charset="-122"/>
+                <a:ea typeface="微软雅黑" panose="020B0503020204020204" pitchFamily="34" charset="-122"/>
+              </a:rPr>
+              <a:t>单位</a:t>
+            </a:r>
+            <a:r>
+              <a:rPr lang="zh-CN" altLang="en-US" dirty="0">
+                <a:solidFill>
+                  <a:schemeClr val="bg1"/>
+                </a:solidFill>
+                <a:latin typeface="微软雅黑" panose="020B0503020204020204" pitchFamily="34" charset="-122"/>
+                <a:ea typeface="微软雅黑" panose="020B0503020204020204" pitchFamily="34" charset="-122"/>
+              </a:rPr>
+              <a:t>矩阵</a:t>
+            </a:r>
+          </a:p>
+        </p:txBody>
+      </p:sp>
+      <p:cxnSp>
+        <p:nvCxnSpPr>
+          <p:cNvPr id="5" name="直接连接符 4">
+            <a:extLst>
+              <a:ext uri="{FF2B5EF4-FFF2-40B4-BE49-F238E27FC236}">
+                <a16:creationId xmlns:a16="http://schemas.microsoft.com/office/drawing/2014/main" id="{18D7E636-CD66-4ADA-BAE2-F683E7B171F5}"/>
+              </a:ext>
+            </a:extLst>
+          </p:cNvPr>
+          <p:cNvCxnSpPr>
+            <a:cxnSpLocks/>
+          </p:cNvCxnSpPr>
+          <p:nvPr/>
+        </p:nvCxnSpPr>
+        <p:spPr>
+          <a:xfrm>
+            <a:off x="838200" y="1484784"/>
+            <a:ext cx="10658400" cy="0"/>
+          </a:xfrm>
+          <a:prstGeom prst="line">
+            <a:avLst/>
+          </a:prstGeom>
+          <a:ln>
+            <a:solidFill>
+              <a:schemeClr val="bg1">
+                <a:alpha val="70000"/>
+              </a:schemeClr>
+            </a:solidFill>
+          </a:ln>
+        </p:spPr>
+        <p:style>
+          <a:lnRef idx="1">
+            <a:schemeClr val="accent1"/>
+          </a:lnRef>
+          <a:fillRef idx="0">
+            <a:schemeClr val="accent1"/>
+          </a:fillRef>
+          <a:effectRef idx="0">
+            <a:schemeClr val="accent1"/>
+          </a:effectRef>
+          <a:fontRef idx="minor">
+            <a:schemeClr val="tx1"/>
+          </a:fontRef>
+        </p:style>
+      </p:cxnSp>
+      <p:sp>
+        <p:nvSpPr>
+          <p:cNvPr id="3" name="文本框 2">
+            <a:extLst>
+              <a:ext uri="{FF2B5EF4-FFF2-40B4-BE49-F238E27FC236}">
+                <a16:creationId xmlns:a16="http://schemas.microsoft.com/office/drawing/2014/main" id="{4E3B989A-250A-4805-8BA7-C72F0425EB3E}"/>
+              </a:ext>
+            </a:extLst>
+          </p:cNvPr>
+          <p:cNvSpPr txBox="1"/>
+          <p:nvPr/>
+        </p:nvSpPr>
+        <p:spPr>
+          <a:xfrm>
+            <a:off x="838200" y="1772816"/>
+            <a:ext cx="6481936" cy="707886"/>
+          </a:xfrm>
+          <a:prstGeom prst="rect">
+            <a:avLst/>
+          </a:prstGeom>
+          <a:noFill/>
+        </p:spPr>
+        <p:txBody>
+          <a:bodyPr wrap="square" rtlCol="0">
+            <a:spAutoFit/>
+          </a:bodyPr>
+          <a:lstStyle/>
+          <a:p>
+            <a:r>
+              <a:rPr lang="en-US" altLang="zh-CN" sz="4000" dirty="0" err="1">
+                <a:solidFill>
+                  <a:srgbClr val="FFFF00"/>
+                </a:solidFill>
+                <a:latin typeface="微软雅黑" panose="020B0503020204020204" pitchFamily="34" charset="-122"/>
+                <a:ea typeface="微软雅黑" panose="020B0503020204020204" pitchFamily="34" charset="-122"/>
+              </a:rPr>
+              <a:t>np.eye</a:t>
+            </a:r>
+            <a:r>
+              <a:rPr lang="en-US" altLang="zh-CN" sz="4000" dirty="0">
+                <a:solidFill>
+                  <a:srgbClr val="FFFF00"/>
+                </a:solidFill>
+                <a:latin typeface="微软雅黑" panose="020B0503020204020204" pitchFamily="34" charset="-122"/>
+                <a:ea typeface="微软雅黑" panose="020B0503020204020204" pitchFamily="34" charset="-122"/>
+              </a:rPr>
+              <a:t>(3)</a:t>
+            </a:r>
+            <a:endParaRPr lang="zh-CN" altLang="en-US" sz="4000" dirty="0">
+              <a:solidFill>
+                <a:srgbClr val="FFFF00"/>
+              </a:solidFill>
+              <a:latin typeface="微软雅黑" panose="020B0503020204020204" pitchFamily="34" charset="-122"/>
+              <a:ea typeface="微软雅黑" panose="020B0503020204020204" pitchFamily="34" charset="-122"/>
+            </a:endParaRPr>
+          </a:p>
+        </p:txBody>
+      </p:sp>
+      <p:pic>
+        <p:nvPicPr>
+          <p:cNvPr id="6" name="图片 5">
+            <a:extLst>
+              <a:ext uri="{FF2B5EF4-FFF2-40B4-BE49-F238E27FC236}">
+                <a16:creationId xmlns:a16="http://schemas.microsoft.com/office/drawing/2014/main" id="{98E29E4E-36FD-4487-AC37-AD08DFA3A8A6}"/>
+              </a:ext>
+            </a:extLst>
+          </p:cNvPr>
+          <p:cNvPicPr>
+            <a:picLocks noChangeAspect="1"/>
+          </p:cNvPicPr>
+          <p:nvPr/>
+        </p:nvPicPr>
+        <p:blipFill>
+          <a:blip r:embed="rId2"/>
+          <a:stretch>
+            <a:fillRect/>
+          </a:stretch>
+        </p:blipFill>
+        <p:spPr>
+          <a:xfrm>
+            <a:off x="4880192" y="2838907"/>
+            <a:ext cx="2574415" cy="3252554"/>
+          </a:xfrm>
+          <a:prstGeom prst="rect">
+            <a:avLst/>
+          </a:prstGeom>
+        </p:spPr>
+      </p:pic>
+    </p:spTree>
+    <p:extLst>
+      <p:ext uri="{BB962C8B-B14F-4D97-AF65-F5344CB8AC3E}">
+        <p14:creationId xmlns:p14="http://schemas.microsoft.com/office/powerpoint/2010/main" val="1877274011"/>
+      </p:ext>
+    </p:extLst>
+  </p:cSld>
+  <p:clrMapOvr>
+    <a:masterClrMapping/>
+  </p:clrMapOvr>
 </p:sld>
 </file>
 

--- a/docs/numpy与矩阵初步.pptx
+++ b/docs/numpy与矩阵初步.pptx
@@ -295,7 +295,7 @@
           <a:p>
             <a:fld id="{2F2910DE-9BE9-4A98-B828-362FD1DC944E}" type="datetimeFigureOut">
               <a:rPr lang="zh-CN" altLang="en-US" smtClean="0"/>
-              <a:t>2018/7/18</a:t>
+              <a:t>2018/7/25</a:t>
             </a:fld>
             <a:endParaRPr lang="zh-CN" altLang="en-US"/>
           </a:p>
@@ -493,7 +493,7 @@
           <a:p>
             <a:fld id="{2F2910DE-9BE9-4A98-B828-362FD1DC944E}" type="datetimeFigureOut">
               <a:rPr lang="zh-CN" altLang="en-US" smtClean="0"/>
-              <a:t>2018/7/18</a:t>
+              <a:t>2018/7/25</a:t>
             </a:fld>
             <a:endParaRPr lang="zh-CN" altLang="en-US"/>
           </a:p>
@@ -701,7 +701,7 @@
           <a:p>
             <a:fld id="{2F2910DE-9BE9-4A98-B828-362FD1DC944E}" type="datetimeFigureOut">
               <a:rPr lang="zh-CN" altLang="en-US" smtClean="0"/>
-              <a:t>2018/7/18</a:t>
+              <a:t>2018/7/25</a:t>
             </a:fld>
             <a:endParaRPr lang="zh-CN" altLang="en-US"/>
           </a:p>
@@ -899,7 +899,7 @@
           <a:p>
             <a:fld id="{2F2910DE-9BE9-4A98-B828-362FD1DC944E}" type="datetimeFigureOut">
               <a:rPr lang="zh-CN" altLang="en-US" smtClean="0"/>
-              <a:t>2018/7/18</a:t>
+              <a:t>2018/7/25</a:t>
             </a:fld>
             <a:endParaRPr lang="zh-CN" altLang="en-US"/>
           </a:p>
@@ -1174,7 +1174,7 @@
           <a:p>
             <a:fld id="{2F2910DE-9BE9-4A98-B828-362FD1DC944E}" type="datetimeFigureOut">
               <a:rPr lang="zh-CN" altLang="en-US" smtClean="0"/>
-              <a:t>2018/7/18</a:t>
+              <a:t>2018/7/25</a:t>
             </a:fld>
             <a:endParaRPr lang="zh-CN" altLang="en-US"/>
           </a:p>
@@ -1439,7 +1439,7 @@
           <a:p>
             <a:fld id="{2F2910DE-9BE9-4A98-B828-362FD1DC944E}" type="datetimeFigureOut">
               <a:rPr lang="zh-CN" altLang="en-US" smtClean="0"/>
-              <a:t>2018/7/18</a:t>
+              <a:t>2018/7/25</a:t>
             </a:fld>
             <a:endParaRPr lang="zh-CN" altLang="en-US"/>
           </a:p>
@@ -1851,7 +1851,7 @@
           <a:p>
             <a:fld id="{2F2910DE-9BE9-4A98-B828-362FD1DC944E}" type="datetimeFigureOut">
               <a:rPr lang="zh-CN" altLang="en-US" smtClean="0"/>
-              <a:t>2018/7/18</a:t>
+              <a:t>2018/7/25</a:t>
             </a:fld>
             <a:endParaRPr lang="zh-CN" altLang="en-US"/>
           </a:p>
@@ -1992,7 +1992,7 @@
           <a:p>
             <a:fld id="{2F2910DE-9BE9-4A98-B828-362FD1DC944E}" type="datetimeFigureOut">
               <a:rPr lang="zh-CN" altLang="en-US" smtClean="0"/>
-              <a:t>2018/7/18</a:t>
+              <a:t>2018/7/25</a:t>
             </a:fld>
             <a:endParaRPr lang="zh-CN" altLang="en-US"/>
           </a:p>
@@ -2105,7 +2105,7 @@
           <a:p>
             <a:fld id="{2F2910DE-9BE9-4A98-B828-362FD1DC944E}" type="datetimeFigureOut">
               <a:rPr lang="zh-CN" altLang="en-US" smtClean="0"/>
-              <a:t>2018/7/18</a:t>
+              <a:t>2018/7/25</a:t>
             </a:fld>
             <a:endParaRPr lang="zh-CN" altLang="en-US"/>
           </a:p>
@@ -2416,7 +2416,7 @@
           <a:p>
             <a:fld id="{2F2910DE-9BE9-4A98-B828-362FD1DC944E}" type="datetimeFigureOut">
               <a:rPr lang="zh-CN" altLang="en-US" smtClean="0"/>
-              <a:t>2018/7/18</a:t>
+              <a:t>2018/7/25</a:t>
             </a:fld>
             <a:endParaRPr lang="zh-CN" altLang="en-US"/>
           </a:p>
@@ -2704,7 +2704,7 @@
           <a:p>
             <a:fld id="{2F2910DE-9BE9-4A98-B828-362FD1DC944E}" type="datetimeFigureOut">
               <a:rPr lang="zh-CN" altLang="en-US" smtClean="0"/>
-              <a:t>2018/7/18</a:t>
+              <a:t>2018/7/25</a:t>
             </a:fld>
             <a:endParaRPr lang="zh-CN" altLang="en-US"/>
           </a:p>
@@ -2948,7 +2948,7 @@
           <a:p>
             <a:fld id="{2F2910DE-9BE9-4A98-B828-362FD1DC944E}" type="datetimeFigureOut">
               <a:rPr lang="zh-CN" altLang="en-US" smtClean="0"/>
-              <a:t>2018/7/18</a:t>
+              <a:t>2018/7/25</a:t>
             </a:fld>
             <a:endParaRPr lang="zh-CN" altLang="en-US"/>
           </a:p>
@@ -3935,6 +3935,182 @@
           </a:p>
         </p:txBody>
       </p:sp>
+      <p:cxnSp>
+        <p:nvCxnSpPr>
+          <p:cNvPr id="6" name="直接箭头连接符 5">
+            <a:extLst>
+              <a:ext uri="{FF2B5EF4-FFF2-40B4-BE49-F238E27FC236}">
+                <a16:creationId xmlns:a16="http://schemas.microsoft.com/office/drawing/2014/main" id="{BF5D7F9D-1665-4BF2-A11A-657AD6FC2BE6}"/>
+              </a:ext>
+            </a:extLst>
+          </p:cNvPr>
+          <p:cNvCxnSpPr>
+            <a:cxnSpLocks/>
+          </p:cNvCxnSpPr>
+          <p:nvPr/>
+        </p:nvCxnSpPr>
+        <p:spPr>
+          <a:xfrm flipV="1">
+            <a:off x="2855640" y="3356992"/>
+            <a:ext cx="884740" cy="360040"/>
+          </a:xfrm>
+          <a:prstGeom prst="straightConnector1">
+            <a:avLst/>
+          </a:prstGeom>
+          <a:ln w="38100">
+            <a:solidFill>
+              <a:srgbClr val="FF0000"/>
+            </a:solidFill>
+            <a:tailEnd type="triangle"/>
+          </a:ln>
+        </p:spPr>
+        <p:style>
+          <a:lnRef idx="1">
+            <a:schemeClr val="accent1"/>
+          </a:lnRef>
+          <a:fillRef idx="0">
+            <a:schemeClr val="accent1"/>
+          </a:fillRef>
+          <a:effectRef idx="0">
+            <a:schemeClr val="accent1"/>
+          </a:effectRef>
+          <a:fontRef idx="minor">
+            <a:schemeClr val="tx1"/>
+          </a:fontRef>
+        </p:style>
+      </p:cxnSp>
+      <p:cxnSp>
+        <p:nvCxnSpPr>
+          <p:cNvPr id="13" name="直接箭头连接符 12">
+            <a:extLst>
+              <a:ext uri="{FF2B5EF4-FFF2-40B4-BE49-F238E27FC236}">
+                <a16:creationId xmlns:a16="http://schemas.microsoft.com/office/drawing/2014/main" id="{87C030FE-AF6D-4C39-B438-3E80B71D06A5}"/>
+              </a:ext>
+            </a:extLst>
+          </p:cNvPr>
+          <p:cNvCxnSpPr>
+            <a:cxnSpLocks/>
+          </p:cNvCxnSpPr>
+          <p:nvPr/>
+        </p:nvCxnSpPr>
+        <p:spPr>
+          <a:xfrm>
+            <a:off x="4511824" y="3356992"/>
+            <a:ext cx="2592288" cy="0"/>
+          </a:xfrm>
+          <a:prstGeom prst="straightConnector1">
+            <a:avLst/>
+          </a:prstGeom>
+          <a:ln w="38100">
+            <a:solidFill>
+              <a:srgbClr val="FF0000"/>
+            </a:solidFill>
+            <a:tailEnd type="triangle"/>
+          </a:ln>
+        </p:spPr>
+        <p:style>
+          <a:lnRef idx="1">
+            <a:schemeClr val="accent1"/>
+          </a:lnRef>
+          <a:fillRef idx="0">
+            <a:schemeClr val="accent1"/>
+          </a:fillRef>
+          <a:effectRef idx="0">
+            <a:schemeClr val="accent1"/>
+          </a:effectRef>
+          <a:fontRef idx="minor">
+            <a:schemeClr val="tx1"/>
+          </a:fontRef>
+        </p:style>
+      </p:cxnSp>
+      <p:cxnSp>
+        <p:nvCxnSpPr>
+          <p:cNvPr id="18" name="直接箭头连接符 17">
+            <a:extLst>
+              <a:ext uri="{FF2B5EF4-FFF2-40B4-BE49-F238E27FC236}">
+                <a16:creationId xmlns:a16="http://schemas.microsoft.com/office/drawing/2014/main" id="{D293DF4B-6FBB-4B67-9095-19F141D93EC8}"/>
+              </a:ext>
+            </a:extLst>
+          </p:cNvPr>
+          <p:cNvCxnSpPr>
+            <a:cxnSpLocks/>
+          </p:cNvCxnSpPr>
+          <p:nvPr/>
+        </p:nvCxnSpPr>
+        <p:spPr>
+          <a:xfrm>
+            <a:off x="2831967" y="3969060"/>
+            <a:ext cx="1476702" cy="396044"/>
+          </a:xfrm>
+          <a:prstGeom prst="straightConnector1">
+            <a:avLst/>
+          </a:prstGeom>
+          <a:ln w="38100">
+            <a:solidFill>
+              <a:srgbClr val="FF0000"/>
+            </a:solidFill>
+            <a:tailEnd type="triangle"/>
+          </a:ln>
+        </p:spPr>
+        <p:style>
+          <a:lnRef idx="1">
+            <a:schemeClr val="accent1"/>
+          </a:lnRef>
+          <a:fillRef idx="0">
+            <a:schemeClr val="accent1"/>
+          </a:fillRef>
+          <a:effectRef idx="0">
+            <a:schemeClr val="accent1"/>
+          </a:effectRef>
+          <a:fontRef idx="minor">
+            <a:schemeClr val="tx1"/>
+          </a:fontRef>
+        </p:style>
+      </p:cxnSp>
+      <p:cxnSp>
+        <p:nvCxnSpPr>
+          <p:cNvPr id="20" name="直接箭头连接符 19">
+            <a:extLst>
+              <a:ext uri="{FF2B5EF4-FFF2-40B4-BE49-F238E27FC236}">
+                <a16:creationId xmlns:a16="http://schemas.microsoft.com/office/drawing/2014/main" id="{ACC680BF-40FD-469E-BF48-F34E6115EADD}"/>
+              </a:ext>
+            </a:extLst>
+          </p:cNvPr>
+          <p:cNvCxnSpPr>
+            <a:cxnSpLocks/>
+          </p:cNvCxnSpPr>
+          <p:nvPr/>
+        </p:nvCxnSpPr>
+        <p:spPr>
+          <a:xfrm>
+            <a:off x="5087888" y="4365104"/>
+            <a:ext cx="2701870" cy="0"/>
+          </a:xfrm>
+          <a:prstGeom prst="straightConnector1">
+            <a:avLst/>
+          </a:prstGeom>
+          <a:ln w="38100">
+            <a:solidFill>
+              <a:srgbClr val="FF0000"/>
+            </a:solidFill>
+            <a:tailEnd type="triangle"/>
+          </a:ln>
+        </p:spPr>
+        <p:style>
+          <a:lnRef idx="1">
+            <a:schemeClr val="accent1"/>
+          </a:lnRef>
+          <a:fillRef idx="0">
+            <a:schemeClr val="accent1"/>
+          </a:fillRef>
+          <a:effectRef idx="0">
+            <a:schemeClr val="accent1"/>
+          </a:effectRef>
+          <a:fontRef idx="minor">
+            <a:schemeClr val="tx1"/>
+          </a:fontRef>
+        </p:style>
+      </p:cxnSp>
     </p:spTree>
     <p:extLst>
       <p:ext uri="{BB962C8B-B14F-4D97-AF65-F5344CB8AC3E}">
@@ -4003,30 +4179,65 @@
                             </p:childTnLst>
                           </p:cTn>
                         </p:par>
-                      </p:childTnLst>
-                    </p:cTn>
-                  </p:par>
-                  <p:par>
-                    <p:cTn id="8" fill="hold">
-                      <p:stCondLst>
-                        <p:cond delay="indefinite"/>
-                      </p:stCondLst>
-                      <p:childTnLst>
                         <p:par>
-                          <p:cTn id="9" fill="hold">
+                          <p:cTn id="8" fill="hold">
                             <p:stCondLst>
-                              <p:cond delay="0"/>
+                              <p:cond delay="500"/>
                             </p:stCondLst>
                             <p:childTnLst>
                               <p:par>
-                                <p:cTn id="10" presetID="22" presetClass="entr" presetSubtype="8" fill="hold" grpId="0" nodeType="clickEffect">
+                                <p:cTn id="9" presetID="22" presetClass="entr" presetSubtype="4" fill="hold" nodeType="afterEffect">
                                   <p:stCondLst>
                                     <p:cond delay="0"/>
                                   </p:stCondLst>
                                   <p:childTnLst>
                                     <p:set>
                                       <p:cBhvr>
-                                        <p:cTn id="11" dur="1" fill="hold">
+                                        <p:cTn id="10" dur="1" fill="hold">
+                                          <p:stCondLst>
+                                            <p:cond delay="0"/>
+                                          </p:stCondLst>
+                                        </p:cTn>
+                                        <p:tgtEl>
+                                          <p:spTgt spid="6"/>
+                                        </p:tgtEl>
+                                        <p:attrNameLst>
+                                          <p:attrName>style.visibility</p:attrName>
+                                        </p:attrNameLst>
+                                      </p:cBhvr>
+                                      <p:to>
+                                        <p:strVal val="visible"/>
+                                      </p:to>
+                                    </p:set>
+                                    <p:animEffect transition="in" filter="wipe(down)">
+                                      <p:cBhvr>
+                                        <p:cTn id="11" dur="500"/>
+                                        <p:tgtEl>
+                                          <p:spTgt spid="6"/>
+                                        </p:tgtEl>
+                                      </p:cBhvr>
+                                    </p:animEffect>
+                                  </p:childTnLst>
+                                </p:cTn>
+                              </p:par>
+                            </p:childTnLst>
+                          </p:cTn>
+                        </p:par>
+                        <p:par>
+                          <p:cTn id="12" fill="hold">
+                            <p:stCondLst>
+                              <p:cond delay="1000"/>
+                            </p:stCondLst>
+                            <p:childTnLst>
+                              <p:par>
+                                <p:cTn id="13" presetID="22" presetClass="entr" presetSubtype="8" fill="hold" grpId="0" nodeType="afterEffect">
+                                  <p:stCondLst>
+                                    <p:cond delay="0"/>
+                                  </p:stCondLst>
+                                  <p:childTnLst>
+                                    <p:set>
+                                      <p:cBhvr>
+                                        <p:cTn id="14" dur="1" fill="hold">
                                           <p:stCondLst>
                                             <p:cond delay="0"/>
                                           </p:stCondLst>
@@ -4044,7 +4255,7 @@
                                     </p:set>
                                     <p:animEffect transition="in" filter="wipe(left)">
                                       <p:cBhvr>
-                                        <p:cTn id="12" dur="500"/>
+                                        <p:cTn id="15" dur="500"/>
                                         <p:tgtEl>
                                           <p:spTgt spid="9"/>
                                         </p:tgtEl>
@@ -4056,30 +4267,65 @@
                             </p:childTnLst>
                           </p:cTn>
                         </p:par>
-                      </p:childTnLst>
-                    </p:cTn>
-                  </p:par>
-                  <p:par>
-                    <p:cTn id="13" fill="hold">
-                      <p:stCondLst>
-                        <p:cond delay="indefinite"/>
-                      </p:stCondLst>
-                      <p:childTnLst>
                         <p:par>
-                          <p:cTn id="14" fill="hold">
+                          <p:cTn id="16" fill="hold">
                             <p:stCondLst>
-                              <p:cond delay="0"/>
+                              <p:cond delay="1500"/>
                             </p:stCondLst>
                             <p:childTnLst>
                               <p:par>
-                                <p:cTn id="15" presetID="22" presetClass="entr" presetSubtype="8" fill="hold" grpId="0" nodeType="clickEffect">
+                                <p:cTn id="17" presetID="22" presetClass="entr" presetSubtype="8" fill="hold" nodeType="afterEffect">
                                   <p:stCondLst>
                                     <p:cond delay="0"/>
                                   </p:stCondLst>
                                   <p:childTnLst>
                                     <p:set>
                                       <p:cBhvr>
-                                        <p:cTn id="16" dur="1" fill="hold">
+                                        <p:cTn id="18" dur="1" fill="hold">
+                                          <p:stCondLst>
+                                            <p:cond delay="0"/>
+                                          </p:stCondLst>
+                                        </p:cTn>
+                                        <p:tgtEl>
+                                          <p:spTgt spid="13"/>
+                                        </p:tgtEl>
+                                        <p:attrNameLst>
+                                          <p:attrName>style.visibility</p:attrName>
+                                        </p:attrNameLst>
+                                      </p:cBhvr>
+                                      <p:to>
+                                        <p:strVal val="visible"/>
+                                      </p:to>
+                                    </p:set>
+                                    <p:animEffect transition="in" filter="wipe(left)">
+                                      <p:cBhvr>
+                                        <p:cTn id="19" dur="500"/>
+                                        <p:tgtEl>
+                                          <p:spTgt spid="13"/>
+                                        </p:tgtEl>
+                                      </p:cBhvr>
+                                    </p:animEffect>
+                                  </p:childTnLst>
+                                </p:cTn>
+                              </p:par>
+                            </p:childTnLst>
+                          </p:cTn>
+                        </p:par>
+                        <p:par>
+                          <p:cTn id="20" fill="hold">
+                            <p:stCondLst>
+                              <p:cond delay="2000"/>
+                            </p:stCondLst>
+                            <p:childTnLst>
+                              <p:par>
+                                <p:cTn id="21" presetID="22" presetClass="entr" presetSubtype="8" fill="hold" grpId="0" nodeType="afterEffect">
+                                  <p:stCondLst>
+                                    <p:cond delay="0"/>
+                                  </p:stCondLst>
+                                  <p:childTnLst>
+                                    <p:set>
+                                      <p:cBhvr>
+                                        <p:cTn id="22" dur="1" fill="hold">
                                           <p:stCondLst>
                                             <p:cond delay="0"/>
                                           </p:stCondLst>
@@ -4097,7 +4343,7 @@
                                     </p:set>
                                     <p:animEffect transition="in" filter="wipe(left)">
                                       <p:cBhvr>
-                                        <p:cTn id="17" dur="500"/>
+                                        <p:cTn id="23" dur="500"/>
                                         <p:tgtEl>
                                           <p:spTgt spid="10"/>
                                         </p:tgtEl>
@@ -4109,30 +4355,65 @@
                             </p:childTnLst>
                           </p:cTn>
                         </p:par>
-                      </p:childTnLst>
-                    </p:cTn>
-                  </p:par>
-                  <p:par>
-                    <p:cTn id="18" fill="hold">
-                      <p:stCondLst>
-                        <p:cond delay="indefinite"/>
-                      </p:stCondLst>
-                      <p:childTnLst>
                         <p:par>
-                          <p:cTn id="19" fill="hold">
+                          <p:cTn id="24" fill="hold">
                             <p:stCondLst>
-                              <p:cond delay="0"/>
+                              <p:cond delay="2500"/>
                             </p:stCondLst>
                             <p:childTnLst>
                               <p:par>
-                                <p:cTn id="20" presetID="22" presetClass="entr" presetSubtype="8" fill="hold" grpId="0" nodeType="clickEffect">
+                                <p:cTn id="25" presetID="22" presetClass="entr" presetSubtype="8" fill="hold" nodeType="afterEffect">
                                   <p:stCondLst>
                                     <p:cond delay="0"/>
                                   </p:stCondLst>
                                   <p:childTnLst>
                                     <p:set>
                                       <p:cBhvr>
-                                        <p:cTn id="21" dur="1" fill="hold">
+                                        <p:cTn id="26" dur="1" fill="hold">
+                                          <p:stCondLst>
+                                            <p:cond delay="0"/>
+                                          </p:stCondLst>
+                                        </p:cTn>
+                                        <p:tgtEl>
+                                          <p:spTgt spid="18"/>
+                                        </p:tgtEl>
+                                        <p:attrNameLst>
+                                          <p:attrName>style.visibility</p:attrName>
+                                        </p:attrNameLst>
+                                      </p:cBhvr>
+                                      <p:to>
+                                        <p:strVal val="visible"/>
+                                      </p:to>
+                                    </p:set>
+                                    <p:animEffect transition="in" filter="wipe(left)">
+                                      <p:cBhvr>
+                                        <p:cTn id="27" dur="500"/>
+                                        <p:tgtEl>
+                                          <p:spTgt spid="18"/>
+                                        </p:tgtEl>
+                                      </p:cBhvr>
+                                    </p:animEffect>
+                                  </p:childTnLst>
+                                </p:cTn>
+                              </p:par>
+                            </p:childTnLst>
+                          </p:cTn>
+                        </p:par>
+                        <p:par>
+                          <p:cTn id="28" fill="hold">
+                            <p:stCondLst>
+                              <p:cond delay="3000"/>
+                            </p:stCondLst>
+                            <p:childTnLst>
+                              <p:par>
+                                <p:cTn id="29" presetID="22" presetClass="entr" presetSubtype="8" fill="hold" grpId="0" nodeType="afterEffect">
+                                  <p:stCondLst>
+                                    <p:cond delay="0"/>
+                                  </p:stCondLst>
+                                  <p:childTnLst>
+                                    <p:set>
+                                      <p:cBhvr>
+                                        <p:cTn id="30" dur="1" fill="hold">
                                           <p:stCondLst>
                                             <p:cond delay="0"/>
                                           </p:stCondLst>
@@ -4150,7 +4431,7 @@
                                     </p:set>
                                     <p:animEffect transition="in" filter="wipe(left)">
                                       <p:cBhvr>
-                                        <p:cTn id="22" dur="500"/>
+                                        <p:cTn id="31" dur="500"/>
                                         <p:tgtEl>
                                           <p:spTgt spid="11"/>
                                         </p:tgtEl>
@@ -4162,30 +4443,65 @@
                             </p:childTnLst>
                           </p:cTn>
                         </p:par>
-                      </p:childTnLst>
-                    </p:cTn>
-                  </p:par>
-                  <p:par>
-                    <p:cTn id="23" fill="hold">
-                      <p:stCondLst>
-                        <p:cond delay="indefinite"/>
-                      </p:stCondLst>
-                      <p:childTnLst>
                         <p:par>
-                          <p:cTn id="24" fill="hold">
+                          <p:cTn id="32" fill="hold">
                             <p:stCondLst>
-                              <p:cond delay="0"/>
+                              <p:cond delay="3500"/>
                             </p:stCondLst>
                             <p:childTnLst>
                               <p:par>
-                                <p:cTn id="25" presetID="22" presetClass="entr" presetSubtype="8" fill="hold" grpId="0" nodeType="clickEffect">
+                                <p:cTn id="33" presetID="22" presetClass="entr" presetSubtype="8" fill="hold" nodeType="afterEffect">
                                   <p:stCondLst>
                                     <p:cond delay="0"/>
                                   </p:stCondLst>
                                   <p:childTnLst>
                                     <p:set>
                                       <p:cBhvr>
-                                        <p:cTn id="26" dur="1" fill="hold">
+                                        <p:cTn id="34" dur="1" fill="hold">
+                                          <p:stCondLst>
+                                            <p:cond delay="0"/>
+                                          </p:stCondLst>
+                                        </p:cTn>
+                                        <p:tgtEl>
+                                          <p:spTgt spid="20"/>
+                                        </p:tgtEl>
+                                        <p:attrNameLst>
+                                          <p:attrName>style.visibility</p:attrName>
+                                        </p:attrNameLst>
+                                      </p:cBhvr>
+                                      <p:to>
+                                        <p:strVal val="visible"/>
+                                      </p:to>
+                                    </p:set>
+                                    <p:animEffect transition="in" filter="wipe(left)">
+                                      <p:cBhvr>
+                                        <p:cTn id="35" dur="500"/>
+                                        <p:tgtEl>
+                                          <p:spTgt spid="20"/>
+                                        </p:tgtEl>
+                                      </p:cBhvr>
+                                    </p:animEffect>
+                                  </p:childTnLst>
+                                </p:cTn>
+                              </p:par>
+                            </p:childTnLst>
+                          </p:cTn>
+                        </p:par>
+                        <p:par>
+                          <p:cTn id="36" fill="hold">
+                            <p:stCondLst>
+                              <p:cond delay="4000"/>
+                            </p:stCondLst>
+                            <p:childTnLst>
+                              <p:par>
+                                <p:cTn id="37" presetID="22" presetClass="entr" presetSubtype="8" fill="hold" grpId="0" nodeType="afterEffect">
+                                  <p:stCondLst>
+                                    <p:cond delay="0"/>
+                                  </p:stCondLst>
+                                  <p:childTnLst>
+                                    <p:set>
+                                      <p:cBhvr>
+                                        <p:cTn id="38" dur="1" fill="hold">
                                           <p:stCondLst>
                                             <p:cond delay="0"/>
                                           </p:stCondLst>
@@ -4203,7 +4519,7 @@
                                     </p:set>
                                     <p:animEffect transition="in" filter="wipe(left)">
                                       <p:cBhvr>
-                                        <p:cTn id="27" dur="500"/>
+                                        <p:cTn id="39" dur="500"/>
                                         <p:tgtEl>
                                           <p:spTgt spid="12"/>
                                         </p:tgtEl>
@@ -4485,51 +4801,6 @@
           </a:p>
         </p:txBody>
       </p:sp>
-      <p:cxnSp>
-        <p:nvCxnSpPr>
-          <p:cNvPr id="5" name="直接连接符 4">
-            <a:extLst>
-              <a:ext uri="{FF2B5EF4-FFF2-40B4-BE49-F238E27FC236}">
-                <a16:creationId xmlns:a16="http://schemas.microsoft.com/office/drawing/2014/main" id="{18D7E636-CD66-4ADA-BAE2-F683E7B171F5}"/>
-              </a:ext>
-            </a:extLst>
-          </p:cNvPr>
-          <p:cNvCxnSpPr>
-            <a:cxnSpLocks/>
-          </p:cNvCxnSpPr>
-          <p:nvPr/>
-        </p:nvCxnSpPr>
-        <p:spPr>
-          <a:xfrm>
-            <a:off x="838200" y="1484784"/>
-            <a:ext cx="10658400" cy="0"/>
-          </a:xfrm>
-          <a:prstGeom prst="line">
-            <a:avLst/>
-          </a:prstGeom>
-          <a:ln>
-            <a:solidFill>
-              <a:schemeClr val="bg1">
-                <a:alpha val="70000"/>
-              </a:schemeClr>
-            </a:solidFill>
-          </a:ln>
-        </p:spPr>
-        <p:style>
-          <a:lnRef idx="1">
-            <a:schemeClr val="accent1"/>
-          </a:lnRef>
-          <a:fillRef idx="0">
-            <a:schemeClr val="accent1"/>
-          </a:fillRef>
-          <a:effectRef idx="0">
-            <a:schemeClr val="accent1"/>
-          </a:effectRef>
-          <a:fontRef idx="minor">
-            <a:schemeClr val="tx1"/>
-          </a:fontRef>
-        </p:style>
-      </p:cxnSp>
       <p:graphicFrame>
         <p:nvGraphicFramePr>
           <p:cNvPr id="11" name="表格 10">
